--- a/article/present/uevarna.pptx
+++ b/article/present/uevarna.pptx
@@ -5,23 +5,24 @@
     <p:sldMasterId id="2147483648" r:id="rId1"/>
   </p:sldMasterIdLst>
   <p:sldIdLst>
-    <p:sldId id="270" r:id="rId2"/>
-    <p:sldId id="256" r:id="rId3"/>
-    <p:sldId id="258" r:id="rId4"/>
-    <p:sldId id="271" r:id="rId5"/>
-    <p:sldId id="259" r:id="rId6"/>
-    <p:sldId id="260" r:id="rId7"/>
-    <p:sldId id="261" r:id="rId8"/>
-    <p:sldId id="269" r:id="rId9"/>
-    <p:sldId id="262" r:id="rId10"/>
-    <p:sldId id="267" r:id="rId11"/>
-    <p:sldId id="263" r:id="rId12"/>
-    <p:sldId id="264" r:id="rId13"/>
-    <p:sldId id="275" r:id="rId14"/>
-    <p:sldId id="266" r:id="rId15"/>
-    <p:sldId id="272" r:id="rId16"/>
-    <p:sldId id="274" r:id="rId17"/>
-    <p:sldId id="268" r:id="rId18"/>
+    <p:sldId id="277" r:id="rId2"/>
+    <p:sldId id="270" r:id="rId3"/>
+    <p:sldId id="256" r:id="rId4"/>
+    <p:sldId id="258" r:id="rId5"/>
+    <p:sldId id="271" r:id="rId6"/>
+    <p:sldId id="259" r:id="rId7"/>
+    <p:sldId id="260" r:id="rId8"/>
+    <p:sldId id="261" r:id="rId9"/>
+    <p:sldId id="269" r:id="rId10"/>
+    <p:sldId id="262" r:id="rId11"/>
+    <p:sldId id="267" r:id="rId12"/>
+    <p:sldId id="263" r:id="rId13"/>
+    <p:sldId id="264" r:id="rId14"/>
+    <p:sldId id="275" r:id="rId15"/>
+    <p:sldId id="266" r:id="rId16"/>
+    <p:sldId id="272" r:id="rId17"/>
+    <p:sldId id="274" r:id="rId18"/>
+    <p:sldId id="268" r:id="rId19"/>
   </p:sldIdLst>
   <p:sldSz cx="12192000" cy="6858000"/>
   <p:notesSz cx="6858000" cy="9144000"/>
@@ -268,7 +269,7 @@
           <a:p>
             <a:fld id="{41635E24-1D81-43C6-A33F-0FC55214D91A}" type="datetimeFigureOut">
               <a:rPr lang="en-US" smtClean="0"/>
-              <a:t>4/3/2023</a:t>
+              <a:t>4/13/2023</a:t>
             </a:fld>
             <a:endParaRPr lang="en-US"/>
           </a:p>
@@ -436,7 +437,7 @@
           <a:p>
             <a:fld id="{41635E24-1D81-43C6-A33F-0FC55214D91A}" type="datetimeFigureOut">
               <a:rPr lang="en-US" smtClean="0"/>
-              <a:t>4/3/2023</a:t>
+              <a:t>4/13/2023</a:t>
             </a:fld>
             <a:endParaRPr lang="en-US"/>
           </a:p>
@@ -614,7 +615,7 @@
           <a:p>
             <a:fld id="{41635E24-1D81-43C6-A33F-0FC55214D91A}" type="datetimeFigureOut">
               <a:rPr lang="en-US" smtClean="0"/>
-              <a:t>4/3/2023</a:t>
+              <a:t>4/13/2023</a:t>
             </a:fld>
             <a:endParaRPr lang="en-US"/>
           </a:p>
@@ -782,7 +783,7 @@
           <a:p>
             <a:fld id="{41635E24-1D81-43C6-A33F-0FC55214D91A}" type="datetimeFigureOut">
               <a:rPr lang="en-US" smtClean="0"/>
-              <a:t>4/3/2023</a:t>
+              <a:t>4/13/2023</a:t>
             </a:fld>
             <a:endParaRPr lang="en-US"/>
           </a:p>
@@ -1027,7 +1028,7 @@
           <a:p>
             <a:fld id="{41635E24-1D81-43C6-A33F-0FC55214D91A}" type="datetimeFigureOut">
               <a:rPr lang="en-US" smtClean="0"/>
-              <a:t>4/3/2023</a:t>
+              <a:t>4/13/2023</a:t>
             </a:fld>
             <a:endParaRPr lang="en-US"/>
           </a:p>
@@ -1256,7 +1257,7 @@
           <a:p>
             <a:fld id="{41635E24-1D81-43C6-A33F-0FC55214D91A}" type="datetimeFigureOut">
               <a:rPr lang="en-US" smtClean="0"/>
-              <a:t>4/3/2023</a:t>
+              <a:t>4/13/2023</a:t>
             </a:fld>
             <a:endParaRPr lang="en-US"/>
           </a:p>
@@ -1620,7 +1621,7 @@
           <a:p>
             <a:fld id="{41635E24-1D81-43C6-A33F-0FC55214D91A}" type="datetimeFigureOut">
               <a:rPr lang="en-US" smtClean="0"/>
-              <a:t>4/3/2023</a:t>
+              <a:t>4/13/2023</a:t>
             </a:fld>
             <a:endParaRPr lang="en-US"/>
           </a:p>
@@ -1737,7 +1738,7 @@
           <a:p>
             <a:fld id="{41635E24-1D81-43C6-A33F-0FC55214D91A}" type="datetimeFigureOut">
               <a:rPr lang="en-US" smtClean="0"/>
-              <a:t>4/3/2023</a:t>
+              <a:t>4/13/2023</a:t>
             </a:fld>
             <a:endParaRPr lang="en-US"/>
           </a:p>
@@ -1832,7 +1833,7 @@
           <a:p>
             <a:fld id="{41635E24-1D81-43C6-A33F-0FC55214D91A}" type="datetimeFigureOut">
               <a:rPr lang="en-US" smtClean="0"/>
-              <a:t>4/3/2023</a:t>
+              <a:t>4/13/2023</a:t>
             </a:fld>
             <a:endParaRPr lang="en-US"/>
           </a:p>
@@ -2107,7 +2108,7 @@
           <a:p>
             <a:fld id="{41635E24-1D81-43C6-A33F-0FC55214D91A}" type="datetimeFigureOut">
               <a:rPr lang="en-US" smtClean="0"/>
-              <a:t>4/3/2023</a:t>
+              <a:t>4/13/2023</a:t>
             </a:fld>
             <a:endParaRPr lang="en-US"/>
           </a:p>
@@ -2359,7 +2360,7 @@
           <a:p>
             <a:fld id="{41635E24-1D81-43C6-A33F-0FC55214D91A}" type="datetimeFigureOut">
               <a:rPr lang="en-US" smtClean="0"/>
-              <a:t>4/3/2023</a:t>
+              <a:t>4/13/2023</a:t>
             </a:fld>
             <a:endParaRPr lang="en-US"/>
           </a:p>
@@ -2570,7 +2571,7 @@
           <a:p>
             <a:fld id="{41635E24-1D81-43C6-A33F-0FC55214D91A}" type="datetimeFigureOut">
               <a:rPr lang="en-US" smtClean="0"/>
-              <a:t>4/3/2023</a:t>
+              <a:t>4/13/2023</a:t>
             </a:fld>
             <a:endParaRPr lang="en-US"/>
           </a:p>
@@ -2975,123 +2976,52 @@
           <a:chExt cx="0" cy="0"/>
         </a:xfrm>
       </p:grpSpPr>
-      <p:sp>
-        <p:nvSpPr>
-          <p:cNvPr id="5" name="TextBox 4">
-            <a:extLst>
-              <a:ext uri="{FF2B5EF4-FFF2-40B4-BE49-F238E27FC236}">
-                <a16:creationId xmlns:a16="http://schemas.microsoft.com/office/drawing/2014/main" id="{5774FD8A-7791-4F59-B4AE-CCF8FFBC1084}"/>
-              </a:ext>
-            </a:extLst>
-          </p:cNvPr>
-          <p:cNvSpPr txBox="1"/>
-          <p:nvPr/>
-        </p:nvSpPr>
-        <p:spPr>
-          <a:xfrm>
-            <a:off x="4628467" y="101575"/>
-            <a:ext cx="2935066" cy="369332"/>
-          </a:xfrm>
-          <a:prstGeom prst="rect">
-            <a:avLst/>
-          </a:prstGeom>
-          <a:noFill/>
-        </p:spPr>
-        <p:txBody>
-          <a:bodyPr wrap="square">
-            <a:spAutoFit/>
-          </a:bodyPr>
-          <a:lstStyle/>
-          <a:p>
-            <a:r>
-              <a:rPr lang="en-US" u="sng" dirty="0">
-                <a:solidFill>
-                  <a:schemeClr val="accent1">
-                    <a:lumMod val="75000"/>
-                  </a:schemeClr>
-                </a:solidFill>
-              </a:rPr>
-              <a:t>https://demo.realworld.io/</a:t>
-            </a:r>
-          </a:p>
-        </p:txBody>
-      </p:sp>
       <p:pic>
         <p:nvPicPr>
-          <p:cNvPr id="7" name="Picture 6">
-            <a:extLst>
-              <a:ext uri="{FF2B5EF4-FFF2-40B4-BE49-F238E27FC236}">
-                <a16:creationId xmlns:a16="http://schemas.microsoft.com/office/drawing/2014/main" id="{C594866A-FC6E-4F83-A7E7-D15D87E11599}"/>
-              </a:ext>
-            </a:extLst>
-          </p:cNvPr>
+          <p:cNvPr id="5" name="Picture 4"/>
           <p:cNvPicPr>
             <a:picLocks noChangeAspect="1"/>
           </p:cNvPicPr>
           <p:nvPr/>
         </p:nvPicPr>
         <p:blipFill>
-          <a:blip r:embed="rId2"/>
+          <a:blip r:embed="rId2">
+            <a:extLst>
+              <a:ext uri="{28A0092B-C50C-407E-A947-70E740481C1C}">
+                <a14:useLocalDpi xmlns:a14="http://schemas.microsoft.com/office/drawing/2010/main" val="0"/>
+              </a:ext>
+            </a:extLst>
+          </a:blip>
           <a:stretch>
             <a:fillRect/>
           </a:stretch>
         </p:blipFill>
         <p:spPr>
           <a:xfrm>
-            <a:off x="0" y="1205345"/>
-            <a:ext cx="5905850" cy="5934049"/>
+            <a:off x="-54429" y="0"/>
+            <a:ext cx="12192000" cy="6858000"/>
           </a:xfrm>
           <a:prstGeom prst="rect">
             <a:avLst/>
           </a:prstGeom>
         </p:spPr>
       </p:pic>
-      <p:pic>
-        <p:nvPicPr>
-          <p:cNvPr id="9" name="Picture 8">
+      <p:sp>
+        <p:nvSpPr>
+          <p:cNvPr id="2" name="Rectangle 1">
             <a:extLst>
               <a:ext uri="{FF2B5EF4-FFF2-40B4-BE49-F238E27FC236}">
-                <a16:creationId xmlns:a16="http://schemas.microsoft.com/office/drawing/2014/main" id="{837FFC60-CAE7-45A2-80A3-5F03F66B85DB}"/>
+                <a16:creationId xmlns:a16="http://schemas.microsoft.com/office/drawing/2014/main" id="{F7729023-EFAE-4EDA-8FC1-B9522C3F1882}"/>
               </a:ext>
             </a:extLst>
           </p:cNvPr>
-          <p:cNvPicPr>
-            <a:picLocks noChangeAspect="1"/>
-          </p:cNvPicPr>
+          <p:cNvSpPr/>
           <p:nvPr/>
-        </p:nvPicPr>
-        <p:blipFill>
-          <a:blip r:embed="rId3"/>
-          <a:stretch>
-            <a:fillRect/>
-          </a:stretch>
-        </p:blipFill>
-        <p:spPr>
-          <a:xfrm>
-            <a:off x="5558681" y="1205344"/>
-            <a:ext cx="7623291" cy="5652655"/>
-          </a:xfrm>
-          <a:prstGeom prst="rect">
-            <a:avLst/>
-          </a:prstGeom>
-        </p:spPr>
-      </p:pic>
-      <p:sp>
-        <p:nvSpPr>
-          <p:cNvPr id="11" name="TextBox 10">
-            <a:extLst>
-              <a:ext uri="{FF2B5EF4-FFF2-40B4-BE49-F238E27FC236}">
-                <a16:creationId xmlns:a16="http://schemas.microsoft.com/office/drawing/2014/main" id="{203158A7-8EA0-40CF-A131-E716FD61A3B4}"/>
-              </a:ext>
-            </a:extLst>
-          </p:cNvPr>
-          <p:cNvSpPr txBox="1"/>
-          <p:nvPr/>
-        </p:nvSpPr>
-        <p:spPr>
-          <a:xfrm>
-            <a:off x="2053205" y="645071"/>
-            <a:ext cx="9288710" cy="646331"/>
+        </p:nvSpPr>
+        <p:spPr>
+          <a:xfrm>
+            <a:off x="583144" y="843677"/>
+            <a:ext cx="11025711" cy="2585323"/>
           </a:xfrm>
           <a:prstGeom prst="rect">
             <a:avLst/>
@@ -3099,88 +3029,292 @@
           <a:noFill/>
         </p:spPr>
         <p:txBody>
-          <a:bodyPr wrap="square">
+          <a:bodyPr wrap="none" lIns="91440" tIns="45720" rIns="91440" bIns="45720">
             <a:spAutoFit/>
           </a:bodyPr>
           <a:lstStyle/>
           <a:p>
-            <a:r>
-              <a:rPr lang="bg-BG" dirty="0"/>
-              <a:t> И</a:t>
-            </a:r>
-            <a:r>
-              <a:rPr lang="en-US" dirty="0" err="1"/>
-              <a:t>зграден</a:t>
-            </a:r>
-            <a:r>
-              <a:rPr lang="en-US" dirty="0"/>
-              <a:t> с </a:t>
-            </a:r>
-            <a:r>
-              <a:rPr lang="en-US" dirty="0" err="1"/>
-              <a:t>помощта</a:t>
-            </a:r>
-            <a:r>
-              <a:rPr lang="en-US" dirty="0"/>
-              <a:t> </a:t>
-            </a:r>
-            <a:r>
-              <a:rPr lang="en-US" dirty="0" err="1"/>
-              <a:t>на</a:t>
-            </a:r>
-            <a:r>
-              <a:rPr lang="en-US" dirty="0"/>
-              <a:t> </a:t>
-            </a:r>
-            <a:r>
-              <a:rPr lang="en-US" dirty="0" err="1"/>
-              <a:t>различни</a:t>
-            </a:r>
-            <a:r>
-              <a:rPr lang="en-US" dirty="0"/>
-              <a:t> </a:t>
-            </a:r>
-            <a:r>
-              <a:rPr lang="bg-BG" dirty="0"/>
-              <a:t>технологии, които да </a:t>
-            </a:r>
-            <a:r>
-              <a:rPr lang="ru-RU" dirty="0" err="1"/>
-              <a:t>могат</a:t>
-            </a:r>
-            <a:r>
-              <a:rPr lang="ru-RU" dirty="0"/>
-              <a:t> да се </a:t>
-            </a:r>
-            <a:r>
-              <a:rPr lang="ru-RU" dirty="0" err="1"/>
-              <a:t>смесват</a:t>
-            </a:r>
-            <a:r>
-              <a:rPr lang="ru-RU" dirty="0"/>
+            <a:pPr algn="ctr"/>
+            <a:r>
+              <a:rPr lang="bg-BG" sz="5400" b="1" cap="none" spc="0" dirty="0">
+                <a:ln w="12700">
+                  <a:solidFill>
+                    <a:schemeClr val="accent5"/>
+                  </a:solidFill>
+                  <a:prstDash val="solid"/>
+                </a:ln>
+                <a:pattFill prst="ltDnDiag">
+                  <a:fgClr>
+                    <a:schemeClr val="accent5">
+                      <a:lumMod val="60000"/>
+                      <a:lumOff val="40000"/>
+                    </a:schemeClr>
+                  </a:fgClr>
+                  <a:bgClr>
+                    <a:schemeClr val="bg1"/>
+                  </a:bgClr>
+                </a:pattFill>
+                <a:effectLst/>
+              </a:rPr>
+              <a:t>Платформа за онлайн публикуване,</a:t>
+            </a:r>
+          </a:p>
+          <a:p>
+            <a:pPr algn="ctr"/>
+            <a:r>
+              <a:rPr lang="ru-RU" sz="5400" b="1" dirty="0" err="1">
+                <a:ln w="12700">
+                  <a:solidFill>
+                    <a:schemeClr val="accent5"/>
+                  </a:solidFill>
+                  <a:prstDash val="solid"/>
+                </a:ln>
+                <a:pattFill prst="ltDnDiag">
+                  <a:fgClr>
+                    <a:schemeClr val="accent5">
+                      <a:lumMod val="60000"/>
+                      <a:lumOff val="40000"/>
+                    </a:schemeClr>
+                  </a:fgClr>
+                  <a:bgClr>
+                    <a:schemeClr val="bg1"/>
+                  </a:bgClr>
+                </a:pattFill>
+              </a:rPr>
+              <a:t>и</a:t>
+            </a:r>
+            <a:r>
+              <a:rPr lang="ru-RU" sz="5400" b="1" cap="none" spc="0" dirty="0" err="1">
+                <a:ln w="12700">
+                  <a:solidFill>
+                    <a:schemeClr val="accent5"/>
+                  </a:solidFill>
+                  <a:prstDash val="solid"/>
+                </a:ln>
+                <a:pattFill prst="ltDnDiag">
+                  <a:fgClr>
+                    <a:schemeClr val="accent5">
+                      <a:lumMod val="60000"/>
+                      <a:lumOff val="40000"/>
+                    </a:schemeClr>
+                  </a:fgClr>
+                  <a:bgClr>
+                    <a:schemeClr val="bg1"/>
+                  </a:bgClr>
+                </a:pattFill>
+                <a:effectLst/>
+              </a:rPr>
+              <a:t>зградена</a:t>
+            </a:r>
+            <a:r>
+              <a:rPr lang="ru-RU" sz="5400" b="1" cap="none" spc="0" dirty="0">
+                <a:ln w="12700">
+                  <a:solidFill>
+                    <a:schemeClr val="accent5"/>
+                  </a:solidFill>
+                  <a:prstDash val="solid"/>
+                </a:ln>
+                <a:pattFill prst="ltDnDiag">
+                  <a:fgClr>
+                    <a:schemeClr val="accent5">
+                      <a:lumMod val="60000"/>
+                      <a:lumOff val="40000"/>
+                    </a:schemeClr>
+                  </a:fgClr>
+                  <a:bgClr>
+                    <a:schemeClr val="bg1"/>
+                  </a:bgClr>
+                </a:pattFill>
+                <a:effectLst/>
+              </a:rPr>
+              <a:t> от </a:t>
+            </a:r>
+            <a:r>
+              <a:rPr lang="ru-RU" sz="5400" b="1" cap="none" spc="0" dirty="0" err="1">
+                <a:ln w="12700">
+                  <a:solidFill>
+                    <a:schemeClr val="accent5"/>
+                  </a:solidFill>
+                  <a:prstDash val="solid"/>
+                </a:ln>
+                <a:pattFill prst="ltDnDiag">
+                  <a:fgClr>
+                    <a:schemeClr val="accent5">
+                      <a:lumMod val="60000"/>
+                      <a:lumOff val="40000"/>
+                    </a:schemeClr>
+                  </a:fgClr>
+                  <a:bgClr>
+                    <a:schemeClr val="bg1"/>
+                  </a:bgClr>
+                </a:pattFill>
+                <a:effectLst/>
+              </a:rPr>
+              <a:t>микроуслуги</a:t>
+            </a:r>
+            <a:r>
+              <a:rPr lang="ru-RU" sz="5400" b="1" cap="none" spc="0" dirty="0">
+                <a:ln w="12700">
+                  <a:solidFill>
+                    <a:schemeClr val="accent5"/>
+                  </a:solidFill>
+                  <a:prstDash val="solid"/>
+                </a:ln>
+                <a:pattFill prst="ltDnDiag">
+                  <a:fgClr>
+                    <a:schemeClr val="accent5">
+                      <a:lumMod val="60000"/>
+                      <a:lumOff val="40000"/>
+                    </a:schemeClr>
+                  </a:fgClr>
+                  <a:bgClr>
+                    <a:schemeClr val="bg1"/>
+                  </a:bgClr>
+                </a:pattFill>
+                <a:effectLst/>
+              </a:rPr>
               <a:t> и </a:t>
             </a:r>
-            <a:r>
-              <a:rPr lang="ru-RU" dirty="0" err="1"/>
-              <a:t>съпоставят</a:t>
-            </a:r>
-            <a:endParaRPr lang="en-US" dirty="0"/>
-          </a:p>
-          <a:p>
-            <a:endParaRPr lang="en-US" dirty="0"/>
+          </a:p>
+          <a:p>
+            <a:pPr algn="ctr"/>
+            <a:r>
+              <a:rPr lang="ru-RU" sz="5400" b="1" cap="none" spc="0" dirty="0" err="1">
+                <a:ln w="12700">
+                  <a:solidFill>
+                    <a:schemeClr val="accent5"/>
+                  </a:solidFill>
+                  <a:prstDash val="solid"/>
+                </a:ln>
+                <a:pattFill prst="ltDnDiag">
+                  <a:fgClr>
+                    <a:schemeClr val="accent5">
+                      <a:lumMod val="60000"/>
+                      <a:lumOff val="40000"/>
+                    </a:schemeClr>
+                  </a:fgClr>
+                  <a:bgClr>
+                    <a:schemeClr val="bg1"/>
+                  </a:bgClr>
+                </a:pattFill>
+                <a:effectLst/>
+              </a:rPr>
+              <a:t>управлявана</a:t>
+            </a:r>
+            <a:r>
+              <a:rPr lang="ru-RU" sz="5400" b="1" cap="none" spc="0" dirty="0">
+                <a:ln w="12700">
+                  <a:solidFill>
+                    <a:schemeClr val="accent5"/>
+                  </a:solidFill>
+                  <a:prstDash val="solid"/>
+                </a:ln>
+                <a:pattFill prst="ltDnDiag">
+                  <a:fgClr>
+                    <a:schemeClr val="accent5">
+                      <a:lumMod val="60000"/>
+                      <a:lumOff val="40000"/>
+                    </a:schemeClr>
+                  </a:fgClr>
+                  <a:bgClr>
+                    <a:schemeClr val="bg1"/>
+                  </a:bgClr>
+                </a:pattFill>
+                <a:effectLst/>
+              </a:rPr>
+              <a:t> от </a:t>
+            </a:r>
+            <a:r>
+              <a:rPr lang="ru-RU" sz="5400" b="1" cap="none" spc="0" dirty="0" err="1">
+                <a:ln w="12700">
+                  <a:solidFill>
+                    <a:schemeClr val="accent5"/>
+                  </a:solidFill>
+                  <a:prstDash val="solid"/>
+                </a:ln>
+                <a:pattFill prst="ltDnDiag">
+                  <a:fgClr>
+                    <a:schemeClr val="accent5">
+                      <a:lumMod val="60000"/>
+                      <a:lumOff val="40000"/>
+                    </a:schemeClr>
+                  </a:fgClr>
+                  <a:bgClr>
+                    <a:schemeClr val="bg1"/>
+                  </a:bgClr>
+                </a:pattFill>
+                <a:effectLst/>
+              </a:rPr>
+              <a:t>домейн</a:t>
+            </a:r>
+            <a:r>
+              <a:rPr lang="ru-RU" sz="5400" b="1" cap="none" spc="0" dirty="0">
+                <a:ln w="12700">
+                  <a:solidFill>
+                    <a:schemeClr val="accent5"/>
+                  </a:solidFill>
+                  <a:prstDash val="solid"/>
+                </a:ln>
+                <a:pattFill prst="ltDnDiag">
+                  <a:fgClr>
+                    <a:schemeClr val="accent5">
+                      <a:lumMod val="60000"/>
+                      <a:lumOff val="40000"/>
+                    </a:schemeClr>
+                  </a:fgClr>
+                  <a:bgClr>
+                    <a:schemeClr val="bg1"/>
+                  </a:bgClr>
+                </a:pattFill>
+                <a:effectLst/>
+              </a:rPr>
+              <a:t> дизайн</a:t>
+            </a:r>
+            <a:endParaRPr lang="en-US" sz="5400" b="1" cap="none" spc="0" dirty="0">
+              <a:ln w="12700">
+                <a:solidFill>
+                  <a:schemeClr val="accent5"/>
+                </a:solidFill>
+                <a:prstDash val="solid"/>
+              </a:ln>
+              <a:pattFill prst="ltDnDiag">
+                <a:fgClr>
+                  <a:schemeClr val="accent5">
+                    <a:lumMod val="60000"/>
+                    <a:lumOff val="40000"/>
+                  </a:schemeClr>
+                </a:fgClr>
+                <a:bgClr>
+                  <a:schemeClr val="bg1"/>
+                </a:bgClr>
+              </a:pattFill>
+              <a:effectLst/>
+            </a:endParaRPr>
           </a:p>
         </p:txBody>
       </p:sp>
     </p:spTree>
     <p:extLst>
       <p:ext uri="{BB962C8B-B14F-4D97-AF65-F5344CB8AC3E}">
-        <p14:creationId xmlns:p14="http://schemas.microsoft.com/office/powerpoint/2010/main" val="3899590041"/>
+        <p14:creationId xmlns:p14="http://schemas.microsoft.com/office/powerpoint/2010/main" val="4007508151"/>
       </p:ext>
     </p:extLst>
   </p:cSld>
   <p:clrMapOvr>
     <a:masterClrMapping/>
   </p:clrMapOvr>
+  <mc:AlternateContent xmlns:mc="http://schemas.openxmlformats.org/markup-compatibility/2006" xmlns:p14="http://schemas.microsoft.com/office/powerpoint/2010/main">
+    <mc:Choice Requires="p14">
+      <p:transition spd="slow" p14:dur="800">
+        <p:circle/>
+      </p:transition>
+    </mc:Choice>
+    <mc:Fallback xmlns="">
+      <p:transition spd="slow">
+        <p:circle/>
+      </p:transition>
+    </mc:Fallback>
+  </mc:AlternateContent>
 </p:sld>
 </file>
 
@@ -3223,7 +3357,7 @@
         </p:blipFill>
         <p:spPr>
           <a:xfrm>
-            <a:off x="0" y="-26020"/>
+            <a:off x="0" y="-7166"/>
             <a:ext cx="12192000" cy="6874593"/>
           </a:xfrm>
           <a:prstGeom prst="rect">
@@ -3239,7 +3373,7 @@
         </p:nvSpPr>
         <p:spPr>
           <a:xfrm>
-            <a:off x="1786021" y="2712817"/>
+            <a:off x="2368407" y="2625226"/>
             <a:ext cx="8619958" cy="707886"/>
           </a:xfrm>
           <a:prstGeom prst="rect">
@@ -3254,7 +3388,7 @@
           <a:p>
             <a:pPr algn="ctr"/>
             <a:r>
-              <a:rPr lang="en-US" sz="4000" b="1" dirty="0">
+              <a:rPr lang="en-US" sz="4000" b="1" cap="none" spc="0" dirty="0">
                 <a:ln w="12700">
                   <a:solidFill>
                     <a:schemeClr val="tx2">
@@ -3282,42 +3416,14 @@
                   </a:outerShdw>
                 </a:effectLst>
               </a:rPr>
-              <a:t>Thin Controllers</a:t>
-            </a:r>
-            <a:endParaRPr lang="en-US" sz="4000" b="1" cap="none" spc="0" dirty="0">
-              <a:ln w="12700">
-                <a:solidFill>
-                  <a:schemeClr val="tx2">
-                    <a:lumMod val="75000"/>
-                  </a:schemeClr>
-                </a:solidFill>
-                <a:prstDash val="solid"/>
-              </a:ln>
-              <a:pattFill prst="dkUpDiag">
-                <a:fgClr>
-                  <a:schemeClr val="tx2"/>
-                </a:fgClr>
-                <a:bgClr>
-                  <a:schemeClr val="tx2">
-                    <a:lumMod val="20000"/>
-                    <a:lumOff val="80000"/>
-                  </a:schemeClr>
-                </a:bgClr>
-              </a:pattFill>
-              <a:effectLst>
-                <a:outerShdw dist="38100" dir="2640000" algn="bl" rotWithShape="0">
-                  <a:schemeClr val="tx2">
-                    <a:lumMod val="75000"/>
-                  </a:schemeClr>
-                </a:outerShdw>
-              </a:effectLst>
-            </a:endParaRPr>
+              <a:t>Functional Programming</a:t>
+            </a:r>
           </a:p>
         </p:txBody>
       </p:sp>
       <p:pic>
         <p:nvPicPr>
-          <p:cNvPr id="2050" name="Picture 2"/>
+          <p:cNvPr id="6" name="Picture 5" descr="https://devadventures.net/wp-content/uploads/2018/09/lambda-c-sharp.png"/>
           <p:cNvPicPr>
             <a:picLocks noChangeAspect="1" noChangeArrowheads="1"/>
           </p:cNvPicPr>
@@ -3338,8 +3444,388 @@
         </p:blipFill>
         <p:spPr bwMode="auto">
           <a:xfrm>
-            <a:off x="2215064" y="3830053"/>
-            <a:ext cx="7761872" cy="2629392"/>
+            <a:off x="-52134" y="3266381"/>
+            <a:ext cx="6943725" cy="3905846"/>
+          </a:xfrm>
+          <a:prstGeom prst="rect">
+            <a:avLst/>
+          </a:prstGeom>
+          <a:noFill/>
+          <a:extLst>
+            <a:ext uri="{909E8E84-426E-40DD-AFC4-6F175D3DCCD1}">
+              <a14:hiddenFill xmlns:a14="http://schemas.microsoft.com/office/drawing/2010/main">
+                <a:solidFill>
+                  <a:srgbClr val="FFFFFF"/>
+                </a:solidFill>
+              </a14:hiddenFill>
+            </a:ext>
+          </a:extLst>
+        </p:spPr>
+      </p:pic>
+      <p:sp>
+        <p:nvSpPr>
+          <p:cNvPr id="10" name="Rectangle 9"/>
+          <p:cNvSpPr/>
+          <p:nvPr/>
+        </p:nvSpPr>
+        <p:spPr>
+          <a:xfrm>
+            <a:off x="5377026" y="3560476"/>
+            <a:ext cx="2100263" cy="1077218"/>
+          </a:xfrm>
+          <a:prstGeom prst="rect">
+            <a:avLst/>
+          </a:prstGeom>
+        </p:spPr>
+        <p:txBody>
+          <a:bodyPr wrap="square">
+            <a:spAutoFit/>
+          </a:bodyPr>
+          <a:lstStyle>
+            <a:defPPr>
+              <a:defRPr lang="en-US"/>
+            </a:defPPr>
+            <a:lvl1pPr marL="0" algn="l" defTabSz="914400" rtl="0" eaLnBrk="1" latinLnBrk="0" hangingPunct="1">
+              <a:defRPr sz="1800" kern="1200">
+                <a:solidFill>
+                  <a:schemeClr val="tx1"/>
+                </a:solidFill>
+                <a:latin typeface="+mn-lt"/>
+                <a:ea typeface="+mn-ea"/>
+                <a:cs typeface="+mn-cs"/>
+              </a:defRPr>
+            </a:lvl1pPr>
+            <a:lvl2pPr marL="457200" algn="l" defTabSz="914400" rtl="0" eaLnBrk="1" latinLnBrk="0" hangingPunct="1">
+              <a:defRPr sz="1800" kern="1200">
+                <a:solidFill>
+                  <a:schemeClr val="tx1"/>
+                </a:solidFill>
+                <a:latin typeface="+mn-lt"/>
+                <a:ea typeface="+mn-ea"/>
+                <a:cs typeface="+mn-cs"/>
+              </a:defRPr>
+            </a:lvl2pPr>
+            <a:lvl3pPr marL="914400" algn="l" defTabSz="914400" rtl="0" eaLnBrk="1" latinLnBrk="0" hangingPunct="1">
+              <a:defRPr sz="1800" kern="1200">
+                <a:solidFill>
+                  <a:schemeClr val="tx1"/>
+                </a:solidFill>
+                <a:latin typeface="+mn-lt"/>
+                <a:ea typeface="+mn-ea"/>
+                <a:cs typeface="+mn-cs"/>
+              </a:defRPr>
+            </a:lvl3pPr>
+            <a:lvl4pPr marL="1371600" algn="l" defTabSz="914400" rtl="0" eaLnBrk="1" latinLnBrk="0" hangingPunct="1">
+              <a:defRPr sz="1800" kern="1200">
+                <a:solidFill>
+                  <a:schemeClr val="tx1"/>
+                </a:solidFill>
+                <a:latin typeface="+mn-lt"/>
+                <a:ea typeface="+mn-ea"/>
+                <a:cs typeface="+mn-cs"/>
+              </a:defRPr>
+            </a:lvl4pPr>
+            <a:lvl5pPr marL="1828800" algn="l" defTabSz="914400" rtl="0" eaLnBrk="1" latinLnBrk="0" hangingPunct="1">
+              <a:defRPr sz="1800" kern="1200">
+                <a:solidFill>
+                  <a:schemeClr val="tx1"/>
+                </a:solidFill>
+                <a:latin typeface="+mn-lt"/>
+                <a:ea typeface="+mn-ea"/>
+                <a:cs typeface="+mn-cs"/>
+              </a:defRPr>
+            </a:lvl5pPr>
+            <a:lvl6pPr marL="2286000" algn="l" defTabSz="914400" rtl="0" eaLnBrk="1" latinLnBrk="0" hangingPunct="1">
+              <a:defRPr sz="1800" kern="1200">
+                <a:solidFill>
+                  <a:schemeClr val="tx1"/>
+                </a:solidFill>
+                <a:latin typeface="+mn-lt"/>
+                <a:ea typeface="+mn-ea"/>
+                <a:cs typeface="+mn-cs"/>
+              </a:defRPr>
+            </a:lvl6pPr>
+            <a:lvl7pPr marL="2743200" algn="l" defTabSz="914400" rtl="0" eaLnBrk="1" latinLnBrk="0" hangingPunct="1">
+              <a:defRPr sz="1800" kern="1200">
+                <a:solidFill>
+                  <a:schemeClr val="tx1"/>
+                </a:solidFill>
+                <a:latin typeface="+mn-lt"/>
+                <a:ea typeface="+mn-ea"/>
+                <a:cs typeface="+mn-cs"/>
+              </a:defRPr>
+            </a:lvl7pPr>
+            <a:lvl8pPr marL="3200400" algn="l" defTabSz="914400" rtl="0" eaLnBrk="1" latinLnBrk="0" hangingPunct="1">
+              <a:defRPr sz="1800" kern="1200">
+                <a:solidFill>
+                  <a:schemeClr val="tx1"/>
+                </a:solidFill>
+                <a:latin typeface="+mn-lt"/>
+                <a:ea typeface="+mn-ea"/>
+                <a:cs typeface="+mn-cs"/>
+              </a:defRPr>
+            </a:lvl8pPr>
+            <a:lvl9pPr marL="3657600" algn="l" defTabSz="914400" rtl="0" eaLnBrk="1" latinLnBrk="0" hangingPunct="1">
+              <a:defRPr sz="1800" kern="1200">
+                <a:solidFill>
+                  <a:schemeClr val="tx1"/>
+                </a:solidFill>
+                <a:latin typeface="+mn-lt"/>
+                <a:ea typeface="+mn-ea"/>
+                <a:cs typeface="+mn-cs"/>
+              </a:defRPr>
+            </a:lvl9pPr>
+          </a:lstStyle>
+          <a:p>
+            <a:r>
+              <a:rPr lang="en-US" sz="4400" dirty="0">
+                <a:solidFill>
+                  <a:srgbClr val="000000"/>
+                </a:solidFill>
+              </a:rPr>
+              <a:t>Why?</a:t>
+            </a:r>
+            <a:endParaRPr lang="en-US" sz="2000" dirty="0"/>
+          </a:p>
+          <a:p>
+            <a:pPr fontAlgn="base">
+              <a:buFont typeface="Arial" panose="020B0604020202020204" pitchFamily="34" charset="0"/>
+              <a:buChar char="•"/>
+            </a:pPr>
+            <a:r>
+              <a:rPr lang="en-US" sz="2000" dirty="0">
+                <a:solidFill>
+                  <a:srgbClr val="000000"/>
+                </a:solidFill>
+              </a:rPr>
+              <a:t>Purity</a:t>
+            </a:r>
+          </a:p>
+        </p:txBody>
+      </p:sp>
+      <p:pic>
+        <p:nvPicPr>
+          <p:cNvPr id="7" name="Picture 2" descr="https://devadventures.net/wp-content/uploads/2018/09/lambda-c-sharp.png"/>
+          <p:cNvPicPr>
+            <a:picLocks noChangeAspect="1" noChangeArrowheads="1"/>
+          </p:cNvPicPr>
+          <p:nvPr/>
+        </p:nvPicPr>
+        <p:blipFill>
+          <a:blip r:embed="rId4">
+            <a:extLst>
+              <a:ext uri="{28A0092B-C50C-407E-A947-70E740481C1C}">
+                <a14:useLocalDpi xmlns:a14="http://schemas.microsoft.com/office/drawing/2010/main" val="0"/>
+              </a:ext>
+            </a:extLst>
+          </a:blip>
+          <a:srcRect/>
+          <a:stretch>
+            <a:fillRect/>
+          </a:stretch>
+        </p:blipFill>
+        <p:spPr bwMode="auto">
+          <a:xfrm>
+            <a:off x="-1334040" y="3168313"/>
+            <a:ext cx="6943725" cy="3905846"/>
+          </a:xfrm>
+          <a:prstGeom prst="rect">
+            <a:avLst/>
+          </a:prstGeom>
+          <a:noFill/>
+          <a:extLst>
+            <a:ext uri="{909E8E84-426E-40DD-AFC4-6F175D3DCCD1}">
+              <a14:hiddenFill xmlns:a14="http://schemas.microsoft.com/office/drawing/2010/main">
+                <a:solidFill>
+                  <a:srgbClr val="FFFFFF"/>
+                </a:solidFill>
+              </a14:hiddenFill>
+            </a:ext>
+          </a:extLst>
+        </p:spPr>
+      </p:pic>
+      <p:pic>
+        <p:nvPicPr>
+          <p:cNvPr id="9" name="Picture 2" descr="https://devadventures.net/wp-content/uploads/2018/09/lambda-c-sharp.png"/>
+          <p:cNvPicPr>
+            <a:picLocks noChangeAspect="1" noChangeArrowheads="1"/>
+          </p:cNvPicPr>
+          <p:nvPr/>
+        </p:nvPicPr>
+        <p:blipFill>
+          <a:blip r:embed="rId5">
+            <a:extLst>
+              <a:ext uri="{28A0092B-C50C-407E-A947-70E740481C1C}">
+                <a14:useLocalDpi xmlns:a14="http://schemas.microsoft.com/office/drawing/2010/main" val="0"/>
+              </a:ext>
+            </a:extLst>
+          </a:blip>
+          <a:srcRect/>
+          <a:stretch>
+            <a:fillRect/>
+          </a:stretch>
+        </p:blipFill>
+        <p:spPr bwMode="auto">
+          <a:xfrm>
+            <a:off x="-1360107" y="3266381"/>
+            <a:ext cx="6943725" cy="3905846"/>
+          </a:xfrm>
+          <a:prstGeom prst="rect">
+            <a:avLst/>
+          </a:prstGeom>
+          <a:noFill/>
+          <a:extLst>
+            <a:ext uri="{909E8E84-426E-40DD-AFC4-6F175D3DCCD1}">
+              <a14:hiddenFill xmlns:a14="http://schemas.microsoft.com/office/drawing/2010/main">
+                <a:solidFill>
+                  <a:srgbClr val="FFFFFF"/>
+                </a:solidFill>
+              </a14:hiddenFill>
+            </a:ext>
+          </a:extLst>
+        </p:spPr>
+      </p:pic>
+      <p:pic>
+        <p:nvPicPr>
+          <p:cNvPr id="11" name="Picture 2" descr="https://devadventures.net/wp-content/uploads/2018/09/lambda-c-sharp.png"/>
+          <p:cNvPicPr>
+            <a:picLocks noChangeAspect="1" noChangeArrowheads="1"/>
+          </p:cNvPicPr>
+          <p:nvPr/>
+        </p:nvPicPr>
+        <p:blipFill>
+          <a:blip r:embed="rId6">
+            <a:extLst>
+              <a:ext uri="{28A0092B-C50C-407E-A947-70E740481C1C}">
+                <a14:useLocalDpi xmlns:a14="http://schemas.microsoft.com/office/drawing/2010/main" val="0"/>
+              </a:ext>
+            </a:extLst>
+          </a:blip>
+          <a:srcRect/>
+          <a:stretch>
+            <a:fillRect/>
+          </a:stretch>
+        </p:blipFill>
+        <p:spPr bwMode="auto">
+          <a:xfrm>
+            <a:off x="-826851" y="3266381"/>
+            <a:ext cx="6943725" cy="3905846"/>
+          </a:xfrm>
+          <a:prstGeom prst="rect">
+            <a:avLst/>
+          </a:prstGeom>
+          <a:noFill/>
+          <a:extLst>
+            <a:ext uri="{909E8E84-426E-40DD-AFC4-6F175D3DCCD1}">
+              <a14:hiddenFill xmlns:a14="http://schemas.microsoft.com/office/drawing/2010/main">
+                <a:solidFill>
+                  <a:srgbClr val="FFFFFF"/>
+                </a:solidFill>
+              </a14:hiddenFill>
+            </a:ext>
+          </a:extLst>
+        </p:spPr>
+      </p:pic>
+      <p:sp>
+        <p:nvSpPr>
+          <p:cNvPr id="3" name="Rectangle 2"/>
+          <p:cNvSpPr/>
+          <p:nvPr/>
+        </p:nvSpPr>
+        <p:spPr>
+          <a:xfrm>
+            <a:off x="6237122" y="4237584"/>
+            <a:ext cx="6096000" cy="400110"/>
+          </a:xfrm>
+          <a:prstGeom prst="rect">
+            <a:avLst/>
+          </a:prstGeom>
+        </p:spPr>
+        <p:txBody>
+          <a:bodyPr>
+            <a:spAutoFit/>
+          </a:bodyPr>
+          <a:lstStyle/>
+          <a:p>
+            <a:pPr fontAlgn="base">
+              <a:buFont typeface="Arial" panose="020B0604020202020204" pitchFamily="34" charset="0"/>
+              <a:buChar char="•"/>
+            </a:pPr>
+            <a:r>
+              <a:rPr lang="en-US" sz="2000" dirty="0">
+                <a:solidFill>
+                  <a:srgbClr val="000000"/>
+                </a:solidFill>
+              </a:rPr>
+              <a:t>Expressiveness</a:t>
+            </a:r>
+          </a:p>
+        </p:txBody>
+      </p:sp>
+      <p:sp>
+        <p:nvSpPr>
+          <p:cNvPr id="5" name="Rectangle 4"/>
+          <p:cNvSpPr/>
+          <p:nvPr/>
+        </p:nvSpPr>
+        <p:spPr>
+          <a:xfrm>
+            <a:off x="7981997" y="4242374"/>
+            <a:ext cx="1633717" cy="400110"/>
+          </a:xfrm>
+          <a:prstGeom prst="rect">
+            <a:avLst/>
+          </a:prstGeom>
+        </p:spPr>
+        <p:txBody>
+          <a:bodyPr wrap="none">
+            <a:spAutoFit/>
+          </a:bodyPr>
+          <a:lstStyle/>
+          <a:p>
+            <a:pPr fontAlgn="base">
+              <a:spcAft>
+                <a:spcPts val="1600"/>
+              </a:spcAft>
+              <a:buFont typeface="Arial" panose="020B0604020202020204" pitchFamily="34" charset="0"/>
+              <a:buChar char="•"/>
+            </a:pPr>
+            <a:r>
+              <a:rPr lang="en-US" sz="2000" dirty="0">
+                <a:solidFill>
+                  <a:srgbClr val="000000"/>
+                </a:solidFill>
+              </a:rPr>
+              <a:t>Type – safety</a:t>
+            </a:r>
+          </a:p>
+        </p:txBody>
+      </p:sp>
+      <p:pic>
+        <p:nvPicPr>
+          <p:cNvPr id="1026" name="Picture 2"/>
+          <p:cNvPicPr>
+            <a:picLocks noChangeAspect="1" noChangeArrowheads="1"/>
+          </p:cNvPicPr>
+          <p:nvPr/>
+        </p:nvPicPr>
+        <p:blipFill>
+          <a:blip r:embed="rId7">
+            <a:extLst>
+              <a:ext uri="{28A0092B-C50C-407E-A947-70E740481C1C}">
+                <a14:useLocalDpi xmlns:a14="http://schemas.microsoft.com/office/drawing/2010/main" val="0"/>
+              </a:ext>
+            </a:extLst>
+          </a:blip>
+          <a:srcRect/>
+          <a:stretch>
+            <a:fillRect/>
+          </a:stretch>
+        </p:blipFill>
+        <p:spPr bwMode="auto">
+          <a:xfrm>
+            <a:off x="6116873" y="4842460"/>
+            <a:ext cx="5561779" cy="1747225"/>
           </a:xfrm>
           <a:prstGeom prst="rect">
             <a:avLst/>
@@ -3379,10 +3865,49 @@
           </a:extLst>
         </p:spPr>
       </p:pic>
+      <p:sp>
+        <p:nvSpPr>
+          <p:cNvPr id="12" name="Rectangle 11"/>
+          <p:cNvSpPr/>
+          <p:nvPr/>
+        </p:nvSpPr>
+        <p:spPr>
+          <a:xfrm>
+            <a:off x="9615714" y="4247164"/>
+            <a:ext cx="2416239" cy="400110"/>
+          </a:xfrm>
+          <a:prstGeom prst="rect">
+            <a:avLst/>
+          </a:prstGeom>
+        </p:spPr>
+        <p:txBody>
+          <a:bodyPr wrap="none">
+            <a:spAutoFit/>
+          </a:bodyPr>
+          <a:lstStyle/>
+          <a:p>
+            <a:pPr fontAlgn="base">
+              <a:spcAft>
+                <a:spcPts val="1600"/>
+              </a:spcAft>
+              <a:buFont typeface="Arial" panose="020B0604020202020204" pitchFamily="34" charset="0"/>
+              <a:buChar char="•"/>
+            </a:pPr>
+            <a:r>
+              <a:rPr lang="en-US" sz="2000" dirty="0">
+                <a:solidFill>
+                  <a:srgbClr val="000000"/>
+                </a:solidFill>
+              </a:rPr>
+              <a:t>Ubiquitous language</a:t>
+            </a:r>
+          </a:p>
+        </p:txBody>
+      </p:sp>
     </p:spTree>
     <p:extLst>
       <p:ext uri="{BB962C8B-B14F-4D97-AF65-F5344CB8AC3E}">
-        <p14:creationId xmlns:p14="http://schemas.microsoft.com/office/powerpoint/2010/main" val="3199653885"/>
+        <p14:creationId xmlns:p14="http://schemas.microsoft.com/office/powerpoint/2010/main" val="1831765684"/>
       </p:ext>
     </p:extLst>
   </p:cSld>
@@ -3423,7 +3948,7 @@
       </p:grpSpPr>
       <p:pic>
         <p:nvPicPr>
-          <p:cNvPr id="5" name="Picture 4"/>
+          <p:cNvPr id="4" name="Picture 3"/>
           <p:cNvPicPr>
             <a:picLocks noChangeAspect="1"/>
           </p:cNvPicPr>
@@ -3443,8 +3968,8 @@
         </p:blipFill>
         <p:spPr>
           <a:xfrm>
-            <a:off x="-54429" y="0"/>
-            <a:ext cx="12192000" cy="6858000"/>
+            <a:off x="0" y="-26020"/>
+            <a:ext cx="12192000" cy="6874593"/>
           </a:xfrm>
           <a:prstGeom prst="rect">
             <a:avLst/>
@@ -3453,29 +3978,26 @@
       </p:pic>
       <p:sp>
         <p:nvSpPr>
-          <p:cNvPr id="4" name="Content Placeholder 2"/>
-          <p:cNvSpPr>
-            <a:spLocks noGrp="1"/>
-          </p:cNvSpPr>
-          <p:nvPr>
-            <p:ph idx="1"/>
-          </p:nvPr>
-        </p:nvSpPr>
-        <p:spPr>
-          <a:xfrm>
-            <a:off x="805544" y="376363"/>
-            <a:ext cx="10042071" cy="772051"/>
-          </a:xfrm>
-        </p:spPr>
-        <p:txBody>
-          <a:bodyPr>
-            <a:noAutofit/>
+          <p:cNvPr id="8" name="Rectangle 7"/>
+          <p:cNvSpPr/>
+          <p:nvPr/>
+        </p:nvSpPr>
+        <p:spPr>
+          <a:xfrm>
+            <a:off x="1786021" y="2712817"/>
+            <a:ext cx="8619958" cy="707886"/>
+          </a:xfrm>
+          <a:prstGeom prst="rect">
+            <a:avLst/>
+          </a:prstGeom>
+        </p:spPr>
+        <p:txBody>
+          <a:bodyPr wrap="square">
+            <a:spAutoFit/>
           </a:bodyPr>
           <a:lstStyle/>
           <a:p>
-            <a:pPr marL="0" indent="0" algn="just">
-              <a:buNone/>
-            </a:pPr>
+            <a:pPr algn="ctr"/>
             <a:r>
               <a:rPr lang="en-US" sz="4000" b="1" dirty="0">
                 <a:ln w="12700">
@@ -3505,101 +4027,107 @@
                   </a:outerShdw>
                 </a:effectLst>
               </a:rPr>
-              <a:t>Hypermedia as the Engine of Application State</a:t>
-            </a:r>
-            <a:endParaRPr lang="en-US" sz="4000" dirty="0"/>
-          </a:p>
-        </p:txBody>
-      </p:sp>
-      <p:sp>
-        <p:nvSpPr>
-          <p:cNvPr id="2" name="Rectangle 1"/>
-          <p:cNvSpPr/>
-          <p:nvPr/>
-        </p:nvSpPr>
-        <p:spPr>
-          <a:xfrm>
-            <a:off x="869544" y="1148414"/>
-            <a:ext cx="9140729" cy="646331"/>
-          </a:xfrm>
-          <a:prstGeom prst="rect">
-            <a:avLst/>
-          </a:prstGeom>
-        </p:spPr>
-        <p:txBody>
-          <a:bodyPr wrap="square">
-            <a:spAutoFit/>
-          </a:bodyPr>
-          <a:lstStyle/>
-          <a:p>
-            <a:pPr algn="just"/>
-            <a:r>
-              <a:rPr lang="en-US" dirty="0"/>
-              <a:t>Provides</a:t>
-            </a:r>
-            <a:r>
-              <a:rPr lang="bg-BG" dirty="0"/>
-              <a:t> </a:t>
-            </a:r>
-            <a:r>
-              <a:rPr lang="en-US" dirty="0"/>
-              <a:t>hypermedia links in the response contents so that the client can dynamically navigate to the appropriate resource by traversing the hypermedia links. </a:t>
-            </a:r>
+              <a:t>Thin Controllers</a:t>
+            </a:r>
+            <a:endParaRPr lang="en-US" sz="4000" b="1" cap="none" spc="0" dirty="0">
+              <a:ln w="12700">
+                <a:solidFill>
+                  <a:schemeClr val="tx2">
+                    <a:lumMod val="75000"/>
+                  </a:schemeClr>
+                </a:solidFill>
+                <a:prstDash val="solid"/>
+              </a:ln>
+              <a:pattFill prst="dkUpDiag">
+                <a:fgClr>
+                  <a:schemeClr val="tx2"/>
+                </a:fgClr>
+                <a:bgClr>
+                  <a:schemeClr val="tx2">
+                    <a:lumMod val="20000"/>
+                    <a:lumOff val="80000"/>
+                  </a:schemeClr>
+                </a:bgClr>
+              </a:pattFill>
+              <a:effectLst>
+                <a:outerShdw dist="38100" dir="2640000" algn="bl" rotWithShape="0">
+                  <a:schemeClr val="tx2">
+                    <a:lumMod val="75000"/>
+                  </a:schemeClr>
+                </a:outerShdw>
+              </a:effectLst>
+            </a:endParaRPr>
           </a:p>
         </p:txBody>
       </p:sp>
       <p:pic>
         <p:nvPicPr>
-          <p:cNvPr id="3" name="Picture 2"/>
+          <p:cNvPr id="2050" name="Picture 2"/>
           <p:cNvPicPr>
-            <a:picLocks noChangeAspect="1"/>
+            <a:picLocks noChangeAspect="1" noChangeArrowheads="1"/>
           </p:cNvPicPr>
           <p:nvPr/>
         </p:nvPicPr>
         <p:blipFill>
-          <a:blip r:embed="rId3"/>
+          <a:blip r:embed="rId3">
+            <a:extLst>
+              <a:ext uri="{28A0092B-C50C-407E-A947-70E740481C1C}">
+                <a14:useLocalDpi xmlns:a14="http://schemas.microsoft.com/office/drawing/2010/main" val="0"/>
+              </a:ext>
+            </a:extLst>
+          </a:blip>
+          <a:srcRect/>
           <a:stretch>
             <a:fillRect/>
           </a:stretch>
         </p:blipFill>
-        <p:spPr>
-          <a:xfrm>
-            <a:off x="482851" y="2154354"/>
-            <a:ext cx="8124825" cy="1752600"/>
+        <p:spPr bwMode="auto">
+          <a:xfrm>
+            <a:off x="2215064" y="3830053"/>
+            <a:ext cx="7761872" cy="2629392"/>
           </a:xfrm>
           <a:prstGeom prst="rect">
             <a:avLst/>
           </a:prstGeom>
-        </p:spPr>
-      </p:pic>
-      <p:pic>
-        <p:nvPicPr>
-          <p:cNvPr id="6" name="Picture 5"/>
-          <p:cNvPicPr>
-            <a:picLocks noChangeAspect="1"/>
-          </p:cNvPicPr>
-          <p:nvPr/>
-        </p:nvPicPr>
-        <p:blipFill>
-          <a:blip r:embed="rId4"/>
-          <a:stretch>
-            <a:fillRect/>
-          </a:stretch>
-        </p:blipFill>
-        <p:spPr>
-          <a:xfrm>
-            <a:off x="6587038" y="2154354"/>
-            <a:ext cx="4600575" cy="4448175"/>
-          </a:xfrm>
-          <a:prstGeom prst="rect">
-            <a:avLst/>
-          </a:prstGeom>
+          <a:noFill/>
+          <a:ln>
+            <a:noFill/>
+          </a:ln>
+          <a:effectLst/>
+          <a:extLst>
+            <a:ext uri="{909E8E84-426E-40DD-AFC4-6F175D3DCCD1}">
+              <a14:hiddenFill xmlns:a14="http://schemas.microsoft.com/office/drawing/2010/main">
+                <a:solidFill>
+                  <a:schemeClr val="accent1"/>
+                </a:solidFill>
+              </a14:hiddenFill>
+            </a:ext>
+            <a:ext uri="{91240B29-F687-4F45-9708-019B960494DF}">
+              <a14:hiddenLine xmlns:a14="http://schemas.microsoft.com/office/drawing/2010/main" w="9525">
+                <a:solidFill>
+                  <a:schemeClr val="tx1"/>
+                </a:solidFill>
+                <a:miter lim="800000"/>
+                <a:headEnd/>
+                <a:tailEnd/>
+              </a14:hiddenLine>
+            </a:ext>
+            <a:ext uri="{AF507438-7753-43E0-B8FC-AC1667EBCBE1}">
+              <a14:hiddenEffects xmlns:a14="http://schemas.microsoft.com/office/drawing/2010/main">
+                <a:effectLst>
+                  <a:outerShdw dist="35921" dir="2700000" algn="ctr" rotWithShape="0">
+                    <a:schemeClr val="bg2"/>
+                  </a:outerShdw>
+                </a:effectLst>
+              </a14:hiddenEffects>
+            </a:ext>
+          </a:extLst>
         </p:spPr>
       </p:pic>
     </p:spTree>
     <p:extLst>
       <p:ext uri="{BB962C8B-B14F-4D97-AF65-F5344CB8AC3E}">
-        <p14:creationId xmlns:p14="http://schemas.microsoft.com/office/powerpoint/2010/main" val="1744031093"/>
+        <p14:creationId xmlns:p14="http://schemas.microsoft.com/office/powerpoint/2010/main" val="3199653885"/>
       </p:ext>
     </p:extLst>
   </p:cSld>
@@ -3680,6 +4208,223 @@
         </p:nvSpPr>
         <p:spPr>
           <a:xfrm>
+            <a:off x="805544" y="376363"/>
+            <a:ext cx="10042071" cy="772051"/>
+          </a:xfrm>
+        </p:spPr>
+        <p:txBody>
+          <a:bodyPr>
+            <a:noAutofit/>
+          </a:bodyPr>
+          <a:lstStyle/>
+          <a:p>
+            <a:pPr marL="0" indent="0" algn="just">
+              <a:buNone/>
+            </a:pPr>
+            <a:r>
+              <a:rPr lang="en-US" sz="4000" b="1" dirty="0">
+                <a:ln w="12700">
+                  <a:solidFill>
+                    <a:schemeClr val="tx2">
+                      <a:lumMod val="75000"/>
+                    </a:schemeClr>
+                  </a:solidFill>
+                  <a:prstDash val="solid"/>
+                </a:ln>
+                <a:pattFill prst="dkUpDiag">
+                  <a:fgClr>
+                    <a:schemeClr val="tx2"/>
+                  </a:fgClr>
+                  <a:bgClr>
+                    <a:schemeClr val="tx2">
+                      <a:lumMod val="20000"/>
+                      <a:lumOff val="80000"/>
+                    </a:schemeClr>
+                  </a:bgClr>
+                </a:pattFill>
+                <a:effectLst>
+                  <a:outerShdw dist="38100" dir="2640000" algn="bl" rotWithShape="0">
+                    <a:schemeClr val="tx2">
+                      <a:lumMod val="75000"/>
+                    </a:schemeClr>
+                  </a:outerShdw>
+                </a:effectLst>
+              </a:rPr>
+              <a:t>Hypermedia as the Engine of Application State</a:t>
+            </a:r>
+            <a:endParaRPr lang="en-US" sz="4000" dirty="0"/>
+          </a:p>
+        </p:txBody>
+      </p:sp>
+      <p:sp>
+        <p:nvSpPr>
+          <p:cNvPr id="2" name="Rectangle 1"/>
+          <p:cNvSpPr/>
+          <p:nvPr/>
+        </p:nvSpPr>
+        <p:spPr>
+          <a:xfrm>
+            <a:off x="869544" y="1148414"/>
+            <a:ext cx="9140729" cy="646331"/>
+          </a:xfrm>
+          <a:prstGeom prst="rect">
+            <a:avLst/>
+          </a:prstGeom>
+        </p:spPr>
+        <p:txBody>
+          <a:bodyPr wrap="square">
+            <a:spAutoFit/>
+          </a:bodyPr>
+          <a:lstStyle/>
+          <a:p>
+            <a:pPr algn="just"/>
+            <a:r>
+              <a:rPr lang="en-US" dirty="0"/>
+              <a:t>Provides</a:t>
+            </a:r>
+            <a:r>
+              <a:rPr lang="bg-BG" dirty="0"/>
+              <a:t> </a:t>
+            </a:r>
+            <a:r>
+              <a:rPr lang="en-US" dirty="0"/>
+              <a:t>hypermedia links in the response contents so that the client can dynamically navigate to the appropriate resource by traversing the hypermedia links. </a:t>
+            </a:r>
+          </a:p>
+        </p:txBody>
+      </p:sp>
+      <p:pic>
+        <p:nvPicPr>
+          <p:cNvPr id="3" name="Picture 2"/>
+          <p:cNvPicPr>
+            <a:picLocks noChangeAspect="1"/>
+          </p:cNvPicPr>
+          <p:nvPr/>
+        </p:nvPicPr>
+        <p:blipFill>
+          <a:blip r:embed="rId3"/>
+          <a:stretch>
+            <a:fillRect/>
+          </a:stretch>
+        </p:blipFill>
+        <p:spPr>
+          <a:xfrm>
+            <a:off x="482851" y="2154354"/>
+            <a:ext cx="8124825" cy="1752600"/>
+          </a:xfrm>
+          <a:prstGeom prst="rect">
+            <a:avLst/>
+          </a:prstGeom>
+        </p:spPr>
+      </p:pic>
+      <p:pic>
+        <p:nvPicPr>
+          <p:cNvPr id="6" name="Picture 5"/>
+          <p:cNvPicPr>
+            <a:picLocks noChangeAspect="1"/>
+          </p:cNvPicPr>
+          <p:nvPr/>
+        </p:nvPicPr>
+        <p:blipFill>
+          <a:blip r:embed="rId4"/>
+          <a:stretch>
+            <a:fillRect/>
+          </a:stretch>
+        </p:blipFill>
+        <p:spPr>
+          <a:xfrm>
+            <a:off x="6587038" y="2154354"/>
+            <a:ext cx="4600575" cy="4448175"/>
+          </a:xfrm>
+          <a:prstGeom prst="rect">
+            <a:avLst/>
+          </a:prstGeom>
+        </p:spPr>
+      </p:pic>
+    </p:spTree>
+    <p:extLst>
+      <p:ext uri="{BB962C8B-B14F-4D97-AF65-F5344CB8AC3E}">
+        <p14:creationId xmlns:p14="http://schemas.microsoft.com/office/powerpoint/2010/main" val="1744031093"/>
+      </p:ext>
+    </p:extLst>
+  </p:cSld>
+  <p:clrMapOvr>
+    <a:masterClrMapping/>
+  </p:clrMapOvr>
+  <mc:AlternateContent xmlns:mc="http://schemas.openxmlformats.org/markup-compatibility/2006" xmlns:p14="http://schemas.microsoft.com/office/powerpoint/2010/main">
+    <mc:Choice Requires="p14">
+      <p:transition spd="slow" p14:dur="800">
+        <p:circle/>
+      </p:transition>
+    </mc:Choice>
+    <mc:Fallback xmlns="">
+      <p:transition spd="slow">
+        <p:circle/>
+      </p:transition>
+    </mc:Fallback>
+  </mc:AlternateContent>
+</p:sld>
+</file>
+
+<file path=ppt/slides/slide13.xml><?xml version="1.0" encoding="utf-8"?>
+<p:sld xmlns:a="http://schemas.openxmlformats.org/drawingml/2006/main" xmlns:r="http://schemas.openxmlformats.org/officeDocument/2006/relationships" xmlns:p="http://schemas.openxmlformats.org/presentationml/2006/main">
+  <p:cSld>
+    <p:spTree>
+      <p:nvGrpSpPr>
+        <p:cNvPr id="1" name=""/>
+        <p:cNvGrpSpPr/>
+        <p:nvPr/>
+      </p:nvGrpSpPr>
+      <p:grpSpPr>
+        <a:xfrm>
+          <a:off x="0" y="0"/>
+          <a:ext cx="0" cy="0"/>
+          <a:chOff x="0" y="0"/>
+          <a:chExt cx="0" cy="0"/>
+        </a:xfrm>
+      </p:grpSpPr>
+      <p:pic>
+        <p:nvPicPr>
+          <p:cNvPr id="5" name="Picture 4"/>
+          <p:cNvPicPr>
+            <a:picLocks noChangeAspect="1"/>
+          </p:cNvPicPr>
+          <p:nvPr/>
+        </p:nvPicPr>
+        <p:blipFill>
+          <a:blip r:embed="rId2">
+            <a:extLst>
+              <a:ext uri="{28A0092B-C50C-407E-A947-70E740481C1C}">
+                <a14:useLocalDpi xmlns:a14="http://schemas.microsoft.com/office/drawing/2010/main" val="0"/>
+              </a:ext>
+            </a:extLst>
+          </a:blip>
+          <a:stretch>
+            <a:fillRect/>
+          </a:stretch>
+        </p:blipFill>
+        <p:spPr>
+          <a:xfrm>
+            <a:off x="-54429" y="0"/>
+            <a:ext cx="12192000" cy="6858000"/>
+          </a:xfrm>
+          <a:prstGeom prst="rect">
+            <a:avLst/>
+          </a:prstGeom>
+        </p:spPr>
+      </p:pic>
+      <p:sp>
+        <p:nvSpPr>
+          <p:cNvPr id="4" name="Content Placeholder 2"/>
+          <p:cNvSpPr>
+            <a:spLocks noGrp="1"/>
+          </p:cNvSpPr>
+          <p:nvPr>
+            <p:ph idx="1"/>
+          </p:nvPr>
+        </p:nvSpPr>
+        <p:spPr>
+          <a:xfrm>
             <a:off x="1545880" y="554219"/>
             <a:ext cx="10042071" cy="772051"/>
           </a:xfrm>
@@ -3783,7 +4528,7 @@
 </p:sld>
 </file>
 
-<file path=ppt/slides/slide13.xml><?xml version="1.0" encoding="utf-8"?>
+<file path=ppt/slides/slide14.xml><?xml version="1.0" encoding="utf-8"?>
 <p:sld xmlns:a="http://schemas.openxmlformats.org/drawingml/2006/main" xmlns:r="http://schemas.openxmlformats.org/officeDocument/2006/relationships" xmlns:p="http://schemas.openxmlformats.org/presentationml/2006/main">
   <p:cSld>
     <p:spTree>
@@ -4080,7 +4825,7 @@
 </p:sld>
 </file>
 
-<file path=ppt/slides/slide14.xml><?xml version="1.0" encoding="utf-8"?>
+<file path=ppt/slides/slide15.xml><?xml version="1.0" encoding="utf-8"?>
 <p:sld xmlns:a="http://schemas.openxmlformats.org/drawingml/2006/main" xmlns:r="http://schemas.openxmlformats.org/officeDocument/2006/relationships" xmlns:p="http://schemas.openxmlformats.org/presentationml/2006/main">
   <p:cSld>
     <p:spTree>
@@ -4242,7 +4987,7 @@
 </p:sld>
 </file>
 
-<file path=ppt/slides/slide15.xml><?xml version="1.0" encoding="utf-8"?>
+<file path=ppt/slides/slide16.xml><?xml version="1.0" encoding="utf-8"?>
 <p:sld xmlns:a="http://schemas.openxmlformats.org/drawingml/2006/main" xmlns:r="http://schemas.openxmlformats.org/officeDocument/2006/relationships" xmlns:p="http://schemas.openxmlformats.org/presentationml/2006/main">
   <p:cSld>
     <p:spTree>
@@ -4302,7 +5047,7 @@
 </p:sld>
 </file>
 
-<file path=ppt/slides/slide16.xml><?xml version="1.0" encoding="utf-8"?>
+<file path=ppt/slides/slide17.xml><?xml version="1.0" encoding="utf-8"?>
 <p:sld xmlns:a="http://schemas.openxmlformats.org/drawingml/2006/main" xmlns:r="http://schemas.openxmlformats.org/officeDocument/2006/relationships" xmlns:p="http://schemas.openxmlformats.org/presentationml/2006/main">
   <p:cSld>
     <p:spTree>
@@ -4430,7 +5175,7 @@
 </p:sld>
 </file>
 
-<file path=ppt/slides/slide17.xml><?xml version="1.0" encoding="utf-8"?>
+<file path=ppt/slides/slide18.xml><?xml version="1.0" encoding="utf-8"?>
 <p:sld xmlns:a="http://schemas.openxmlformats.org/drawingml/2006/main" xmlns:r="http://schemas.openxmlformats.org/officeDocument/2006/relationships" xmlns:p="http://schemas.openxmlformats.org/presentationml/2006/main">
   <p:cSld>
     <p:spTree>
@@ -4679,6 +5424,232 @@
           <a:chExt cx="0" cy="0"/>
         </a:xfrm>
       </p:grpSpPr>
+      <p:sp>
+        <p:nvSpPr>
+          <p:cNvPr id="5" name="TextBox 4">
+            <a:extLst>
+              <a:ext uri="{FF2B5EF4-FFF2-40B4-BE49-F238E27FC236}">
+                <a16:creationId xmlns:a16="http://schemas.microsoft.com/office/drawing/2014/main" id="{5774FD8A-7791-4F59-B4AE-CCF8FFBC1084}"/>
+              </a:ext>
+            </a:extLst>
+          </p:cNvPr>
+          <p:cNvSpPr txBox="1"/>
+          <p:nvPr/>
+        </p:nvSpPr>
+        <p:spPr>
+          <a:xfrm>
+            <a:off x="4628467" y="101575"/>
+            <a:ext cx="2935066" cy="369332"/>
+          </a:xfrm>
+          <a:prstGeom prst="rect">
+            <a:avLst/>
+          </a:prstGeom>
+          <a:noFill/>
+        </p:spPr>
+        <p:txBody>
+          <a:bodyPr wrap="square">
+            <a:spAutoFit/>
+          </a:bodyPr>
+          <a:lstStyle/>
+          <a:p>
+            <a:r>
+              <a:rPr lang="en-US" u="sng" dirty="0">
+                <a:solidFill>
+                  <a:schemeClr val="accent1">
+                    <a:lumMod val="75000"/>
+                  </a:schemeClr>
+                </a:solidFill>
+              </a:rPr>
+              <a:t>https://demo.realworld.io/</a:t>
+            </a:r>
+          </a:p>
+        </p:txBody>
+      </p:sp>
+      <p:pic>
+        <p:nvPicPr>
+          <p:cNvPr id="7" name="Picture 6">
+            <a:extLst>
+              <a:ext uri="{FF2B5EF4-FFF2-40B4-BE49-F238E27FC236}">
+                <a16:creationId xmlns:a16="http://schemas.microsoft.com/office/drawing/2014/main" id="{C594866A-FC6E-4F83-A7E7-D15D87E11599}"/>
+              </a:ext>
+            </a:extLst>
+          </p:cNvPr>
+          <p:cNvPicPr>
+            <a:picLocks noChangeAspect="1"/>
+          </p:cNvPicPr>
+          <p:nvPr/>
+        </p:nvPicPr>
+        <p:blipFill>
+          <a:blip r:embed="rId2"/>
+          <a:stretch>
+            <a:fillRect/>
+          </a:stretch>
+        </p:blipFill>
+        <p:spPr>
+          <a:xfrm>
+            <a:off x="0" y="1205345"/>
+            <a:ext cx="5905850" cy="5934049"/>
+          </a:xfrm>
+          <a:prstGeom prst="rect">
+            <a:avLst/>
+          </a:prstGeom>
+        </p:spPr>
+      </p:pic>
+      <p:pic>
+        <p:nvPicPr>
+          <p:cNvPr id="9" name="Picture 8">
+            <a:extLst>
+              <a:ext uri="{FF2B5EF4-FFF2-40B4-BE49-F238E27FC236}">
+                <a16:creationId xmlns:a16="http://schemas.microsoft.com/office/drawing/2014/main" id="{837FFC60-CAE7-45A2-80A3-5F03F66B85DB}"/>
+              </a:ext>
+            </a:extLst>
+          </p:cNvPr>
+          <p:cNvPicPr>
+            <a:picLocks noChangeAspect="1"/>
+          </p:cNvPicPr>
+          <p:nvPr/>
+        </p:nvPicPr>
+        <p:blipFill>
+          <a:blip r:embed="rId3"/>
+          <a:stretch>
+            <a:fillRect/>
+          </a:stretch>
+        </p:blipFill>
+        <p:spPr>
+          <a:xfrm>
+            <a:off x="5558681" y="1205344"/>
+            <a:ext cx="7623291" cy="5652655"/>
+          </a:xfrm>
+          <a:prstGeom prst="rect">
+            <a:avLst/>
+          </a:prstGeom>
+        </p:spPr>
+      </p:pic>
+      <p:sp>
+        <p:nvSpPr>
+          <p:cNvPr id="11" name="TextBox 10">
+            <a:extLst>
+              <a:ext uri="{FF2B5EF4-FFF2-40B4-BE49-F238E27FC236}">
+                <a16:creationId xmlns:a16="http://schemas.microsoft.com/office/drawing/2014/main" id="{203158A7-8EA0-40CF-A131-E716FD61A3B4}"/>
+              </a:ext>
+            </a:extLst>
+          </p:cNvPr>
+          <p:cNvSpPr txBox="1"/>
+          <p:nvPr/>
+        </p:nvSpPr>
+        <p:spPr>
+          <a:xfrm>
+            <a:off x="2053205" y="645071"/>
+            <a:ext cx="9288710" cy="646331"/>
+          </a:xfrm>
+          <a:prstGeom prst="rect">
+            <a:avLst/>
+          </a:prstGeom>
+          <a:noFill/>
+        </p:spPr>
+        <p:txBody>
+          <a:bodyPr wrap="square">
+            <a:spAutoFit/>
+          </a:bodyPr>
+          <a:lstStyle/>
+          <a:p>
+            <a:r>
+              <a:rPr lang="bg-BG" dirty="0"/>
+              <a:t> И</a:t>
+            </a:r>
+            <a:r>
+              <a:rPr lang="en-US" dirty="0" err="1"/>
+              <a:t>зграден</a:t>
+            </a:r>
+            <a:r>
+              <a:rPr lang="en-US" dirty="0"/>
+              <a:t> с </a:t>
+            </a:r>
+            <a:r>
+              <a:rPr lang="en-US" dirty="0" err="1"/>
+              <a:t>помощта</a:t>
+            </a:r>
+            <a:r>
+              <a:rPr lang="en-US" dirty="0"/>
+              <a:t> </a:t>
+            </a:r>
+            <a:r>
+              <a:rPr lang="en-US" dirty="0" err="1"/>
+              <a:t>на</a:t>
+            </a:r>
+            <a:r>
+              <a:rPr lang="en-US" dirty="0"/>
+              <a:t> </a:t>
+            </a:r>
+            <a:r>
+              <a:rPr lang="en-US" dirty="0" err="1"/>
+              <a:t>различни</a:t>
+            </a:r>
+            <a:r>
+              <a:rPr lang="en-US" dirty="0"/>
+              <a:t> </a:t>
+            </a:r>
+            <a:r>
+              <a:rPr lang="bg-BG" dirty="0"/>
+              <a:t>технологии, които да </a:t>
+            </a:r>
+            <a:r>
+              <a:rPr lang="ru-RU" dirty="0" err="1"/>
+              <a:t>могат</a:t>
+            </a:r>
+            <a:r>
+              <a:rPr lang="ru-RU" dirty="0"/>
+              <a:t> да се </a:t>
+            </a:r>
+            <a:r>
+              <a:rPr lang="ru-RU" dirty="0" err="1"/>
+              <a:t>смесват</a:t>
+            </a:r>
+            <a:r>
+              <a:rPr lang="ru-RU" dirty="0"/>
+              <a:t> и </a:t>
+            </a:r>
+            <a:r>
+              <a:rPr lang="ru-RU" dirty="0" err="1"/>
+              <a:t>съпоставят</a:t>
+            </a:r>
+            <a:endParaRPr lang="en-US" dirty="0"/>
+          </a:p>
+          <a:p>
+            <a:endParaRPr lang="en-US" dirty="0"/>
+          </a:p>
+        </p:txBody>
+      </p:sp>
+    </p:spTree>
+    <p:extLst>
+      <p:ext uri="{BB962C8B-B14F-4D97-AF65-F5344CB8AC3E}">
+        <p14:creationId xmlns:p14="http://schemas.microsoft.com/office/powerpoint/2010/main" val="3899590041"/>
+      </p:ext>
+    </p:extLst>
+  </p:cSld>
+  <p:clrMapOvr>
+    <a:masterClrMapping/>
+  </p:clrMapOvr>
+</p:sld>
+</file>
+
+<file path=ppt/slides/slide3.xml><?xml version="1.0" encoding="utf-8"?>
+<p:sld xmlns:a="http://schemas.openxmlformats.org/drawingml/2006/main" xmlns:r="http://schemas.openxmlformats.org/officeDocument/2006/relationships" xmlns:p="http://schemas.openxmlformats.org/presentationml/2006/main">
+  <p:cSld>
+    <p:spTree>
+      <p:nvGrpSpPr>
+        <p:cNvPr id="1" name=""/>
+        <p:cNvGrpSpPr/>
+        <p:nvPr/>
+      </p:nvGrpSpPr>
+      <p:grpSpPr>
+        <a:xfrm>
+          <a:off x="0" y="0"/>
+          <a:ext cx="0" cy="0"/>
+          <a:chOff x="0" y="0"/>
+          <a:chExt cx="0" cy="0"/>
+        </a:xfrm>
+      </p:grpSpPr>
       <p:pic>
         <p:nvPicPr>
           <p:cNvPr id="3" name="Picture 2" descr="Diagram&#10;&#10;Description automatically generated">
@@ -4719,302 +5690,6 @@
     <p:extLst>
       <p:ext uri="{BB962C8B-B14F-4D97-AF65-F5344CB8AC3E}">
         <p14:creationId xmlns:p14="http://schemas.microsoft.com/office/powerpoint/2010/main" val="2782878533"/>
-      </p:ext>
-    </p:extLst>
-  </p:cSld>
-  <p:clrMapOvr>
-    <a:masterClrMapping/>
-  </p:clrMapOvr>
-  <mc:AlternateContent xmlns:mc="http://schemas.openxmlformats.org/markup-compatibility/2006" xmlns:p14="http://schemas.microsoft.com/office/powerpoint/2010/main">
-    <mc:Choice Requires="p14">
-      <p:transition spd="slow" p14:dur="800">
-        <p:circle/>
-      </p:transition>
-    </mc:Choice>
-    <mc:Fallback xmlns="">
-      <p:transition spd="slow">
-        <p:circle/>
-      </p:transition>
-    </mc:Fallback>
-  </mc:AlternateContent>
-</p:sld>
-</file>
-
-<file path=ppt/slides/slide3.xml><?xml version="1.0" encoding="utf-8"?>
-<p:sld xmlns:a="http://schemas.openxmlformats.org/drawingml/2006/main" xmlns:r="http://schemas.openxmlformats.org/officeDocument/2006/relationships" xmlns:p="http://schemas.openxmlformats.org/presentationml/2006/main">
-  <p:cSld>
-    <p:spTree>
-      <p:nvGrpSpPr>
-        <p:cNvPr id="1" name=""/>
-        <p:cNvGrpSpPr/>
-        <p:nvPr/>
-      </p:nvGrpSpPr>
-      <p:grpSpPr>
-        <a:xfrm>
-          <a:off x="0" y="0"/>
-          <a:ext cx="0" cy="0"/>
-          <a:chOff x="0" y="0"/>
-          <a:chExt cx="0" cy="0"/>
-        </a:xfrm>
-      </p:grpSpPr>
-      <p:pic>
-        <p:nvPicPr>
-          <p:cNvPr id="5" name="Picture 4"/>
-          <p:cNvPicPr>
-            <a:picLocks noChangeAspect="1"/>
-          </p:cNvPicPr>
-          <p:nvPr/>
-        </p:nvPicPr>
-        <p:blipFill>
-          <a:blip r:embed="rId2">
-            <a:extLst>
-              <a:ext uri="{28A0092B-C50C-407E-A947-70E740481C1C}">
-                <a14:useLocalDpi xmlns:a14="http://schemas.microsoft.com/office/drawing/2010/main" val="0"/>
-              </a:ext>
-            </a:extLst>
-          </a:blip>
-          <a:stretch>
-            <a:fillRect/>
-          </a:stretch>
-        </p:blipFill>
-        <p:spPr>
-          <a:xfrm>
-            <a:off x="-54429" y="0"/>
-            <a:ext cx="12192000" cy="6858000"/>
-          </a:xfrm>
-          <a:prstGeom prst="rect">
-            <a:avLst/>
-          </a:prstGeom>
-        </p:spPr>
-      </p:pic>
-      <p:sp>
-        <p:nvSpPr>
-          <p:cNvPr id="7" name="Content Placeholder 2"/>
-          <p:cNvSpPr>
-            <a:spLocks noGrp="1"/>
-          </p:cNvSpPr>
-          <p:nvPr>
-            <p:ph idx="1"/>
-          </p:nvPr>
-        </p:nvSpPr>
-        <p:spPr>
-          <a:xfrm>
-            <a:off x="1480456" y="366939"/>
-            <a:ext cx="8746671" cy="4351338"/>
-          </a:xfrm>
-        </p:spPr>
-        <p:txBody>
-          <a:bodyPr/>
-          <a:lstStyle/>
-          <a:p>
-            <a:pPr marL="0" indent="0" algn="just">
-              <a:buNone/>
-            </a:pPr>
-            <a:r>
-              <a:rPr lang="bg-BG" dirty="0"/>
-              <a:t>Р</a:t>
-            </a:r>
-            <a:r>
-              <a:rPr lang="ru-RU" dirty="0" err="1"/>
-              <a:t>еализация</a:t>
-            </a:r>
-            <a:r>
-              <a:rPr lang="ru-RU" dirty="0"/>
-              <a:t> чрез </a:t>
-            </a:r>
-            <a:r>
-              <a:rPr lang="ru-RU" dirty="0" err="1"/>
-              <a:t>ориентирана</a:t>
-            </a:r>
-            <a:r>
-              <a:rPr lang="ru-RU" dirty="0"/>
-              <a:t> </a:t>
-            </a:r>
-            <a:r>
-              <a:rPr lang="ru-RU" dirty="0" err="1"/>
-              <a:t>към</a:t>
-            </a:r>
-            <a:r>
-              <a:rPr lang="ru-RU" dirty="0"/>
-              <a:t> микро-услуги архитектура. </a:t>
-            </a:r>
-            <a:r>
-              <a:rPr lang="ru-RU" dirty="0" err="1"/>
-              <a:t>Изградена</a:t>
-            </a:r>
-            <a:r>
-              <a:rPr lang="ru-RU" dirty="0"/>
-              <a:t> от </a:t>
-            </a:r>
-            <a:r>
-              <a:rPr lang="ru-RU" dirty="0" err="1"/>
-              <a:t>клъстер</a:t>
-            </a:r>
-            <a:r>
-              <a:rPr lang="ru-RU" dirty="0"/>
-              <a:t> от </a:t>
-            </a:r>
-            <a:r>
-              <a:rPr lang="ru-RU" dirty="0" err="1"/>
-              <a:t>автономни</a:t>
-            </a:r>
-            <a:r>
-              <a:rPr lang="ru-RU" dirty="0"/>
-              <a:t> уеб услуги (всяка </a:t>
-            </a:r>
-            <a:r>
-              <a:rPr lang="ru-RU" dirty="0" err="1"/>
-              <a:t>притежаваща</a:t>
-            </a:r>
-            <a:r>
-              <a:rPr lang="ru-RU" dirty="0"/>
-              <a:t> </a:t>
-            </a:r>
-            <a:r>
-              <a:rPr lang="ru-RU" dirty="0" err="1"/>
-              <a:t>собствена</a:t>
-            </a:r>
-            <a:r>
-              <a:rPr lang="ru-RU" dirty="0"/>
-              <a:t> база от </a:t>
-            </a:r>
-            <a:r>
-              <a:rPr lang="ru-RU" dirty="0" err="1"/>
-              <a:t>данни</a:t>
-            </a:r>
-            <a:r>
-              <a:rPr lang="ru-RU" dirty="0"/>
-              <a:t>), </a:t>
-            </a:r>
-            <a:r>
-              <a:rPr lang="ru-RU" dirty="0" err="1"/>
-              <a:t>прилагащи</a:t>
-            </a:r>
-            <a:r>
-              <a:rPr lang="ru-RU" dirty="0"/>
-              <a:t> </a:t>
-            </a:r>
-            <a:r>
-              <a:rPr lang="bg-BG" dirty="0"/>
-              <a:t>подходите: управляван от домейн дизайн и </a:t>
-            </a:r>
-            <a:r>
-              <a:rPr lang="ru-RU" dirty="0" err="1"/>
-              <a:t>разделяне</a:t>
-            </a:r>
-            <a:r>
-              <a:rPr lang="ru-RU" dirty="0"/>
-              <a:t> на </a:t>
-            </a:r>
-            <a:r>
-              <a:rPr lang="ru-RU" dirty="0" err="1"/>
-              <a:t>отговорността</a:t>
-            </a:r>
-            <a:r>
-              <a:rPr lang="ru-RU" dirty="0"/>
-              <a:t> за </a:t>
-            </a:r>
-            <a:r>
-              <a:rPr lang="ru-RU" dirty="0" err="1"/>
-              <a:t>команди</a:t>
-            </a:r>
-            <a:r>
-              <a:rPr lang="ru-RU" dirty="0"/>
-              <a:t> и заявки.</a:t>
-            </a:r>
-            <a:br>
-              <a:rPr lang="ru-RU" dirty="0"/>
-            </a:br>
-            <a:r>
-              <a:rPr lang="ru-RU" dirty="0"/>
-              <a:t>HTTP е </a:t>
-            </a:r>
-            <a:r>
-              <a:rPr lang="ru-RU" dirty="0" err="1"/>
-              <a:t>комуникационният</a:t>
-            </a:r>
-            <a:r>
-              <a:rPr lang="ru-RU" dirty="0"/>
-              <a:t> протокол </a:t>
-            </a:r>
-            <a:r>
-              <a:rPr lang="ru-RU" dirty="0" err="1"/>
-              <a:t>към</a:t>
-            </a:r>
-            <a:r>
-              <a:rPr lang="ru-RU" dirty="0"/>
-              <a:t> </a:t>
-            </a:r>
-            <a:r>
-              <a:rPr lang="ru-RU" dirty="0" err="1"/>
-              <a:t>клиентските</a:t>
-            </a:r>
-            <a:r>
-              <a:rPr lang="ru-RU" dirty="0"/>
-              <a:t> приложения. Асинхронна </a:t>
-            </a:r>
-            <a:r>
-              <a:rPr lang="ru-RU" dirty="0" err="1"/>
-              <a:t>комуникация</a:t>
-            </a:r>
-            <a:r>
-              <a:rPr lang="ru-RU" dirty="0"/>
-              <a:t> за </a:t>
-            </a:r>
-            <a:r>
-              <a:rPr lang="ru-RU" dirty="0" err="1"/>
-              <a:t>изпращане</a:t>
-            </a:r>
-            <a:r>
-              <a:rPr lang="ru-RU" dirty="0"/>
-              <a:t> на </a:t>
-            </a:r>
-            <a:r>
-              <a:rPr lang="ru-RU" dirty="0" err="1"/>
-              <a:t>имейли</a:t>
-            </a:r>
-            <a:r>
-              <a:rPr lang="ru-RU" dirty="0"/>
-              <a:t> е </a:t>
-            </a:r>
-            <a:r>
-              <a:rPr lang="ru-RU" dirty="0" err="1"/>
-              <a:t>осъщесвена</a:t>
-            </a:r>
-            <a:r>
-              <a:rPr lang="ru-RU" dirty="0"/>
-              <a:t> чрез брокер на </a:t>
-            </a:r>
-            <a:r>
-              <a:rPr lang="ru-RU" dirty="0" err="1"/>
-              <a:t>съобщения</a:t>
-            </a:r>
-            <a:r>
-              <a:rPr lang="ru-RU" dirty="0"/>
-              <a:t> (</a:t>
-            </a:r>
-            <a:r>
-              <a:rPr lang="ru-RU" dirty="0" err="1"/>
-              <a:t>RabbitMQ</a:t>
-            </a:r>
-            <a:r>
-              <a:rPr lang="ru-RU" dirty="0"/>
-              <a:t>).</a:t>
-            </a:r>
-            <a:endParaRPr lang="en-US" dirty="0"/>
-          </a:p>
-          <a:p>
-            <a:pPr marL="0" indent="0" algn="just">
-              <a:buNone/>
-            </a:pPr>
-            <a:endParaRPr lang="en-US" dirty="0"/>
-          </a:p>
-        </p:txBody>
-      </p:sp>
-    </p:spTree>
-    <p:extLst>
-      <p:ext uri="{BB962C8B-B14F-4D97-AF65-F5344CB8AC3E}">
-        <p14:creationId xmlns:p14="http://schemas.microsoft.com/office/powerpoint/2010/main" val="4194558354"/>
       </p:ext>
     </p:extLst>
   </p:cSld>
@@ -5083,10 +5758,234 @@
           </a:prstGeom>
         </p:spPr>
       </p:pic>
+      <p:sp>
+        <p:nvSpPr>
+          <p:cNvPr id="7" name="Content Placeholder 2"/>
+          <p:cNvSpPr>
+            <a:spLocks noGrp="1"/>
+          </p:cNvSpPr>
+          <p:nvPr>
+            <p:ph idx="1"/>
+          </p:nvPr>
+        </p:nvSpPr>
+        <p:spPr>
+          <a:xfrm>
+            <a:off x="1480456" y="366939"/>
+            <a:ext cx="8746671" cy="4351338"/>
+          </a:xfrm>
+        </p:spPr>
+        <p:txBody>
+          <a:bodyPr/>
+          <a:lstStyle/>
+          <a:p>
+            <a:pPr marL="0" indent="0" algn="just">
+              <a:buNone/>
+            </a:pPr>
+            <a:r>
+              <a:rPr lang="bg-BG" dirty="0"/>
+              <a:t>Р</a:t>
+            </a:r>
+            <a:r>
+              <a:rPr lang="ru-RU" dirty="0" err="1"/>
+              <a:t>еализация</a:t>
+            </a:r>
+            <a:r>
+              <a:rPr lang="ru-RU" dirty="0"/>
+              <a:t> чрез </a:t>
+            </a:r>
+            <a:r>
+              <a:rPr lang="ru-RU" dirty="0" err="1"/>
+              <a:t>ориентирана</a:t>
+            </a:r>
+            <a:r>
+              <a:rPr lang="ru-RU" dirty="0"/>
+              <a:t> </a:t>
+            </a:r>
+            <a:r>
+              <a:rPr lang="ru-RU" dirty="0" err="1"/>
+              <a:t>към</a:t>
+            </a:r>
+            <a:r>
+              <a:rPr lang="ru-RU" dirty="0"/>
+              <a:t> микро-услуги архитектура. </a:t>
+            </a:r>
+            <a:r>
+              <a:rPr lang="ru-RU" dirty="0" err="1"/>
+              <a:t>Изградена</a:t>
+            </a:r>
+            <a:r>
+              <a:rPr lang="ru-RU" dirty="0"/>
+              <a:t> от </a:t>
+            </a:r>
+            <a:r>
+              <a:rPr lang="ru-RU" dirty="0" err="1"/>
+              <a:t>клъстер</a:t>
+            </a:r>
+            <a:r>
+              <a:rPr lang="ru-RU" dirty="0"/>
+              <a:t> от </a:t>
+            </a:r>
+            <a:r>
+              <a:rPr lang="ru-RU" dirty="0" err="1"/>
+              <a:t>автономни</a:t>
+            </a:r>
+            <a:r>
+              <a:rPr lang="ru-RU" dirty="0"/>
+              <a:t> уеб услуги (всяка </a:t>
+            </a:r>
+            <a:r>
+              <a:rPr lang="ru-RU" dirty="0" err="1"/>
+              <a:t>притежаваща</a:t>
+            </a:r>
+            <a:r>
+              <a:rPr lang="ru-RU" dirty="0"/>
+              <a:t> </a:t>
+            </a:r>
+            <a:r>
+              <a:rPr lang="ru-RU" dirty="0" err="1"/>
+              <a:t>собствена</a:t>
+            </a:r>
+            <a:r>
+              <a:rPr lang="ru-RU" dirty="0"/>
+              <a:t> база от </a:t>
+            </a:r>
+            <a:r>
+              <a:rPr lang="ru-RU" dirty="0" err="1"/>
+              <a:t>данни</a:t>
+            </a:r>
+            <a:r>
+              <a:rPr lang="ru-RU" dirty="0"/>
+              <a:t>), </a:t>
+            </a:r>
+            <a:r>
+              <a:rPr lang="ru-RU" dirty="0" err="1"/>
+              <a:t>прилагащи</a:t>
+            </a:r>
+            <a:r>
+              <a:rPr lang="ru-RU" dirty="0"/>
+              <a:t> </a:t>
+            </a:r>
+            <a:r>
+              <a:rPr lang="bg-BG" dirty="0"/>
+              <a:t>подходите: управляван от домейн дизайн и </a:t>
+            </a:r>
+            <a:r>
+              <a:rPr lang="ru-RU" dirty="0" err="1"/>
+              <a:t>разделяне</a:t>
+            </a:r>
+            <a:r>
+              <a:rPr lang="ru-RU" dirty="0"/>
+              <a:t> на </a:t>
+            </a:r>
+            <a:r>
+              <a:rPr lang="ru-RU" dirty="0" err="1"/>
+              <a:t>отговорността</a:t>
+            </a:r>
+            <a:r>
+              <a:rPr lang="ru-RU" dirty="0"/>
+              <a:t> за </a:t>
+            </a:r>
+            <a:r>
+              <a:rPr lang="ru-RU" dirty="0" err="1"/>
+              <a:t>команди</a:t>
+            </a:r>
+            <a:r>
+              <a:rPr lang="ru-RU" dirty="0"/>
+              <a:t> и заявки.</a:t>
+            </a:r>
+            <a:br>
+              <a:rPr lang="ru-RU" dirty="0"/>
+            </a:br>
+            <a:r>
+              <a:rPr lang="ru-RU" dirty="0"/>
+              <a:t>HTTP е </a:t>
+            </a:r>
+            <a:r>
+              <a:rPr lang="ru-RU" dirty="0" err="1"/>
+              <a:t>комуникационният</a:t>
+            </a:r>
+            <a:r>
+              <a:rPr lang="ru-RU" dirty="0"/>
+              <a:t> протокол </a:t>
+            </a:r>
+            <a:r>
+              <a:rPr lang="ru-RU" dirty="0" err="1"/>
+              <a:t>към</a:t>
+            </a:r>
+            <a:r>
+              <a:rPr lang="ru-RU" dirty="0"/>
+              <a:t> </a:t>
+            </a:r>
+            <a:r>
+              <a:rPr lang="ru-RU" dirty="0" err="1"/>
+              <a:t>клиентските</a:t>
+            </a:r>
+            <a:r>
+              <a:rPr lang="ru-RU" dirty="0"/>
+              <a:t> приложения. Асинхронна </a:t>
+            </a:r>
+            <a:r>
+              <a:rPr lang="ru-RU" dirty="0" err="1"/>
+              <a:t>комуникация</a:t>
+            </a:r>
+            <a:r>
+              <a:rPr lang="ru-RU" dirty="0"/>
+              <a:t> за </a:t>
+            </a:r>
+            <a:r>
+              <a:rPr lang="ru-RU" dirty="0" err="1"/>
+              <a:t>изпращане</a:t>
+            </a:r>
+            <a:r>
+              <a:rPr lang="ru-RU" dirty="0"/>
+              <a:t> на </a:t>
+            </a:r>
+            <a:r>
+              <a:rPr lang="ru-RU" dirty="0" err="1"/>
+              <a:t>имейли</a:t>
+            </a:r>
+            <a:r>
+              <a:rPr lang="ru-RU" dirty="0"/>
+              <a:t> е </a:t>
+            </a:r>
+            <a:r>
+              <a:rPr lang="ru-RU" dirty="0" err="1"/>
+              <a:t>осъщесвена</a:t>
+            </a:r>
+            <a:r>
+              <a:rPr lang="ru-RU" dirty="0"/>
+              <a:t> чрез брокер на </a:t>
+            </a:r>
+            <a:r>
+              <a:rPr lang="ru-RU" dirty="0" err="1"/>
+              <a:t>съобщения</a:t>
+            </a:r>
+            <a:r>
+              <a:rPr lang="ru-RU" dirty="0"/>
+              <a:t> (</a:t>
+            </a:r>
+            <a:r>
+              <a:rPr lang="ru-RU" dirty="0" err="1"/>
+              <a:t>RabbitMQ</a:t>
+            </a:r>
+            <a:r>
+              <a:rPr lang="ru-RU" dirty="0"/>
+              <a:t>).</a:t>
+            </a:r>
+            <a:endParaRPr lang="en-US" dirty="0"/>
+          </a:p>
+          <a:p>
+            <a:pPr marL="0" indent="0" algn="just">
+              <a:buNone/>
+            </a:pPr>
+            <a:endParaRPr lang="en-US" dirty="0"/>
+          </a:p>
+        </p:txBody>
+      </p:sp>
     </p:spTree>
     <p:extLst>
       <p:ext uri="{BB962C8B-B14F-4D97-AF65-F5344CB8AC3E}">
-        <p14:creationId xmlns:p14="http://schemas.microsoft.com/office/powerpoint/2010/main" val="3285270981"/>
+        <p14:creationId xmlns:p14="http://schemas.microsoft.com/office/powerpoint/2010/main" val="4194558354"/>
       </p:ext>
     </p:extLst>
   </p:cSld>
@@ -5127,7 +6026,7 @@
       </p:grpSpPr>
       <p:pic>
         <p:nvPicPr>
-          <p:cNvPr id="4" name="Picture 3"/>
+          <p:cNvPr id="5" name="Picture 4"/>
           <p:cNvPicPr>
             <a:picLocks noChangeAspect="1"/>
           </p:cNvPicPr>
@@ -5147,7 +6046,7 @@
         </p:blipFill>
         <p:spPr>
           <a:xfrm>
-            <a:off x="0" y="0"/>
+            <a:off x="-54429" y="0"/>
             <a:ext cx="12192000" cy="6858000"/>
           </a:xfrm>
           <a:prstGeom prst="rect">
@@ -5155,119 +6054,10 @@
           </a:prstGeom>
         </p:spPr>
       </p:pic>
-      <p:pic>
-        <p:nvPicPr>
-          <p:cNvPr id="7" name="Picture 6"/>
-          <p:cNvPicPr>
-            <a:picLocks noChangeAspect="1"/>
-          </p:cNvPicPr>
-          <p:nvPr/>
-        </p:nvPicPr>
-        <p:blipFill>
-          <a:blip r:embed="rId3"/>
-          <a:stretch>
-            <a:fillRect/>
-          </a:stretch>
-        </p:blipFill>
-        <p:spPr>
-          <a:xfrm>
-            <a:off x="2125436" y="4627109"/>
-            <a:ext cx="8115300" cy="1762125"/>
-          </a:xfrm>
-          <a:prstGeom prst="rect">
-            <a:avLst/>
-          </a:prstGeom>
-        </p:spPr>
-      </p:pic>
-      <p:sp>
-        <p:nvSpPr>
-          <p:cNvPr id="8" name="Rectangle 7"/>
-          <p:cNvSpPr/>
-          <p:nvPr/>
-        </p:nvSpPr>
-        <p:spPr>
-          <a:xfrm>
-            <a:off x="1786021" y="2656896"/>
-            <a:ext cx="8619958" cy="1323439"/>
-          </a:xfrm>
-          <a:prstGeom prst="rect">
-            <a:avLst/>
-          </a:prstGeom>
-        </p:spPr>
-        <p:txBody>
-          <a:bodyPr wrap="square">
-            <a:spAutoFit/>
-          </a:bodyPr>
-          <a:lstStyle/>
-          <a:p>
-            <a:pPr algn="ctr"/>
-            <a:r>
-              <a:rPr lang="en-US" sz="4000" b="1" cap="none" spc="0" dirty="0">
-                <a:ln w="12700">
-                  <a:solidFill>
-                    <a:schemeClr val="tx2">
-                      <a:lumMod val="75000"/>
-                    </a:schemeClr>
-                  </a:solidFill>
-                  <a:prstDash val="solid"/>
-                </a:ln>
-                <a:pattFill prst="dkUpDiag">
-                  <a:fgClr>
-                    <a:schemeClr val="tx2"/>
-                  </a:fgClr>
-                  <a:bgClr>
-                    <a:schemeClr val="tx2">
-                      <a:lumMod val="20000"/>
-                      <a:lumOff val="80000"/>
-                    </a:schemeClr>
-                  </a:bgClr>
-                </a:pattFill>
-                <a:effectLst>
-                  <a:outerShdw dist="38100" dir="2640000" algn="bl" rotWithShape="0">
-                    <a:schemeClr val="tx2">
-                      <a:lumMod val="75000"/>
-                    </a:schemeClr>
-                  </a:outerShdw>
-                </a:effectLst>
-              </a:rPr>
-              <a:t>Command and Query Responsibility Segregation</a:t>
-            </a:r>
-          </a:p>
-        </p:txBody>
-      </p:sp>
-      <p:sp>
-        <p:nvSpPr>
-          <p:cNvPr id="9" name="TextBox 8"/>
-          <p:cNvSpPr txBox="1"/>
-          <p:nvPr/>
-        </p:nvSpPr>
-        <p:spPr>
-          <a:xfrm>
-            <a:off x="5312229" y="4182836"/>
-            <a:ext cx="2024743" cy="369332"/>
-          </a:xfrm>
-          <a:prstGeom prst="rect">
-            <a:avLst/>
-          </a:prstGeom>
-          <a:noFill/>
-        </p:spPr>
-        <p:txBody>
-          <a:bodyPr wrap="square" rtlCol="0">
-            <a:spAutoFit/>
-          </a:bodyPr>
-          <a:lstStyle/>
-          <a:p>
-            <a:r>
-              <a:rPr lang="en-US" dirty="0"/>
-              <a:t>Implemented by</a:t>
-            </a:r>
-          </a:p>
-        </p:txBody>
-      </p:sp>
     </p:spTree>
     <p:extLst>
       <p:ext uri="{BB962C8B-B14F-4D97-AF65-F5344CB8AC3E}">
-        <p14:creationId xmlns:p14="http://schemas.microsoft.com/office/powerpoint/2010/main" val="1626103811"/>
+        <p14:creationId xmlns:p14="http://schemas.microsoft.com/office/powerpoint/2010/main" val="3285270981"/>
       </p:ext>
     </p:extLst>
   </p:cSld>
@@ -5315,6 +6105,187 @@
           <p:nvPr/>
         </p:nvPicPr>
         <p:blipFill>
+          <a:blip r:embed="rId2">
+            <a:extLst>
+              <a:ext uri="{28A0092B-C50C-407E-A947-70E740481C1C}">
+                <a14:useLocalDpi xmlns:a14="http://schemas.microsoft.com/office/drawing/2010/main" val="0"/>
+              </a:ext>
+            </a:extLst>
+          </a:blip>
+          <a:stretch>
+            <a:fillRect/>
+          </a:stretch>
+        </p:blipFill>
+        <p:spPr>
+          <a:xfrm>
+            <a:off x="0" y="0"/>
+            <a:ext cx="12192000" cy="6858000"/>
+          </a:xfrm>
+          <a:prstGeom prst="rect">
+            <a:avLst/>
+          </a:prstGeom>
+        </p:spPr>
+      </p:pic>
+      <p:pic>
+        <p:nvPicPr>
+          <p:cNvPr id="7" name="Picture 6"/>
+          <p:cNvPicPr>
+            <a:picLocks noChangeAspect="1"/>
+          </p:cNvPicPr>
+          <p:nvPr/>
+        </p:nvPicPr>
+        <p:blipFill>
+          <a:blip r:embed="rId3"/>
+          <a:stretch>
+            <a:fillRect/>
+          </a:stretch>
+        </p:blipFill>
+        <p:spPr>
+          <a:xfrm>
+            <a:off x="2125436" y="4627109"/>
+            <a:ext cx="8115300" cy="1762125"/>
+          </a:xfrm>
+          <a:prstGeom prst="rect">
+            <a:avLst/>
+          </a:prstGeom>
+        </p:spPr>
+      </p:pic>
+      <p:sp>
+        <p:nvSpPr>
+          <p:cNvPr id="8" name="Rectangle 7"/>
+          <p:cNvSpPr/>
+          <p:nvPr/>
+        </p:nvSpPr>
+        <p:spPr>
+          <a:xfrm>
+            <a:off x="1786021" y="2656896"/>
+            <a:ext cx="8619958" cy="1323439"/>
+          </a:xfrm>
+          <a:prstGeom prst="rect">
+            <a:avLst/>
+          </a:prstGeom>
+        </p:spPr>
+        <p:txBody>
+          <a:bodyPr wrap="square">
+            <a:spAutoFit/>
+          </a:bodyPr>
+          <a:lstStyle/>
+          <a:p>
+            <a:pPr algn="ctr"/>
+            <a:r>
+              <a:rPr lang="en-US" sz="4000" b="1" cap="none" spc="0" dirty="0">
+                <a:ln w="12700">
+                  <a:solidFill>
+                    <a:schemeClr val="tx2">
+                      <a:lumMod val="75000"/>
+                    </a:schemeClr>
+                  </a:solidFill>
+                  <a:prstDash val="solid"/>
+                </a:ln>
+                <a:pattFill prst="dkUpDiag">
+                  <a:fgClr>
+                    <a:schemeClr val="tx2"/>
+                  </a:fgClr>
+                  <a:bgClr>
+                    <a:schemeClr val="tx2">
+                      <a:lumMod val="20000"/>
+                      <a:lumOff val="80000"/>
+                    </a:schemeClr>
+                  </a:bgClr>
+                </a:pattFill>
+                <a:effectLst>
+                  <a:outerShdw dist="38100" dir="2640000" algn="bl" rotWithShape="0">
+                    <a:schemeClr val="tx2">
+                      <a:lumMod val="75000"/>
+                    </a:schemeClr>
+                  </a:outerShdw>
+                </a:effectLst>
+              </a:rPr>
+              <a:t>Command and Query Responsibility Segregation</a:t>
+            </a:r>
+          </a:p>
+        </p:txBody>
+      </p:sp>
+      <p:sp>
+        <p:nvSpPr>
+          <p:cNvPr id="9" name="TextBox 8"/>
+          <p:cNvSpPr txBox="1"/>
+          <p:nvPr/>
+        </p:nvSpPr>
+        <p:spPr>
+          <a:xfrm>
+            <a:off x="5312229" y="4182836"/>
+            <a:ext cx="2024743" cy="369332"/>
+          </a:xfrm>
+          <a:prstGeom prst="rect">
+            <a:avLst/>
+          </a:prstGeom>
+          <a:noFill/>
+        </p:spPr>
+        <p:txBody>
+          <a:bodyPr wrap="square" rtlCol="0">
+            <a:spAutoFit/>
+          </a:bodyPr>
+          <a:lstStyle/>
+          <a:p>
+            <a:r>
+              <a:rPr lang="en-US" dirty="0"/>
+              <a:t>Implemented by</a:t>
+            </a:r>
+          </a:p>
+        </p:txBody>
+      </p:sp>
+    </p:spTree>
+    <p:extLst>
+      <p:ext uri="{BB962C8B-B14F-4D97-AF65-F5344CB8AC3E}">
+        <p14:creationId xmlns:p14="http://schemas.microsoft.com/office/powerpoint/2010/main" val="1626103811"/>
+      </p:ext>
+    </p:extLst>
+  </p:cSld>
+  <p:clrMapOvr>
+    <a:masterClrMapping/>
+  </p:clrMapOvr>
+  <mc:AlternateContent xmlns:mc="http://schemas.openxmlformats.org/markup-compatibility/2006" xmlns:p14="http://schemas.microsoft.com/office/powerpoint/2010/main">
+    <mc:Choice Requires="p14">
+      <p:transition spd="slow" p14:dur="800">
+        <p:circle/>
+      </p:transition>
+    </mc:Choice>
+    <mc:Fallback xmlns="">
+      <p:transition spd="slow">
+        <p:circle/>
+      </p:transition>
+    </mc:Fallback>
+  </mc:AlternateContent>
+</p:sld>
+</file>
+
+<file path=ppt/slides/slide7.xml><?xml version="1.0" encoding="utf-8"?>
+<p:sld xmlns:a="http://schemas.openxmlformats.org/drawingml/2006/main" xmlns:r="http://schemas.openxmlformats.org/officeDocument/2006/relationships" xmlns:p="http://schemas.openxmlformats.org/presentationml/2006/main">
+  <p:cSld>
+    <p:spTree>
+      <p:nvGrpSpPr>
+        <p:cNvPr id="1" name=""/>
+        <p:cNvGrpSpPr/>
+        <p:nvPr/>
+      </p:nvGrpSpPr>
+      <p:grpSpPr>
+        <a:xfrm>
+          <a:off x="0" y="0"/>
+          <a:ext cx="0" cy="0"/>
+          <a:chOff x="0" y="0"/>
+          <a:chExt cx="0" cy="0"/>
+        </a:xfrm>
+      </p:grpSpPr>
+      <p:pic>
+        <p:nvPicPr>
+          <p:cNvPr id="4" name="Picture 3"/>
+          <p:cNvPicPr>
+            <a:picLocks noChangeAspect="1"/>
+          </p:cNvPicPr>
+          <p:nvPr/>
+        </p:nvPicPr>
+        <p:blipFill>
           <a:blip r:embed="rId2"/>
           <a:stretch>
             <a:fillRect/>
@@ -6099,7 +7070,7 @@
 </p:sld>
 </file>
 
-<file path=ppt/slides/slide7.xml><?xml version="1.0" encoding="utf-8"?>
+<file path=ppt/slides/slide8.xml><?xml version="1.0" encoding="utf-8"?>
 <p:sld xmlns:a="http://schemas.openxmlformats.org/drawingml/2006/main" xmlns:r="http://schemas.openxmlformats.org/officeDocument/2006/relationships" xmlns:p="http://schemas.openxmlformats.org/presentationml/2006/main">
   <p:cSld>
     <p:spTree>
@@ -6582,7 +7553,7 @@
 </p:sld>
 </file>
 
-<file path=ppt/slides/slide8.xml><?xml version="1.0" encoding="utf-8"?>
+<file path=ppt/slides/slide9.xml><?xml version="1.0" encoding="utf-8"?>
 <p:sld xmlns:a="http://schemas.openxmlformats.org/drawingml/2006/main" xmlns:r="http://schemas.openxmlformats.org/officeDocument/2006/relationships" xmlns:p="http://schemas.openxmlformats.org/presentationml/2006/main">
   <p:cSld>
     <p:spTree>
@@ -6697,617 +7668,6 @@
     <p:extLst>
       <p:ext uri="{BB962C8B-B14F-4D97-AF65-F5344CB8AC3E}">
         <p14:creationId xmlns:p14="http://schemas.microsoft.com/office/powerpoint/2010/main" val="1371196094"/>
-      </p:ext>
-    </p:extLst>
-  </p:cSld>
-  <p:clrMapOvr>
-    <a:masterClrMapping/>
-  </p:clrMapOvr>
-  <mc:AlternateContent xmlns:mc="http://schemas.openxmlformats.org/markup-compatibility/2006" xmlns:p14="http://schemas.microsoft.com/office/powerpoint/2010/main">
-    <mc:Choice Requires="p14">
-      <p:transition spd="slow" p14:dur="800">
-        <p:circle/>
-      </p:transition>
-    </mc:Choice>
-    <mc:Fallback xmlns="">
-      <p:transition spd="slow">
-        <p:circle/>
-      </p:transition>
-    </mc:Fallback>
-  </mc:AlternateContent>
-</p:sld>
-</file>
-
-<file path=ppt/slides/slide9.xml><?xml version="1.0" encoding="utf-8"?>
-<p:sld xmlns:a="http://schemas.openxmlformats.org/drawingml/2006/main" xmlns:r="http://schemas.openxmlformats.org/officeDocument/2006/relationships" xmlns:p="http://schemas.openxmlformats.org/presentationml/2006/main">
-  <p:cSld>
-    <p:spTree>
-      <p:nvGrpSpPr>
-        <p:cNvPr id="1" name=""/>
-        <p:cNvGrpSpPr/>
-        <p:nvPr/>
-      </p:nvGrpSpPr>
-      <p:grpSpPr>
-        <a:xfrm>
-          <a:off x="0" y="0"/>
-          <a:ext cx="0" cy="0"/>
-          <a:chOff x="0" y="0"/>
-          <a:chExt cx="0" cy="0"/>
-        </a:xfrm>
-      </p:grpSpPr>
-      <p:pic>
-        <p:nvPicPr>
-          <p:cNvPr id="4" name="Picture 3"/>
-          <p:cNvPicPr>
-            <a:picLocks noChangeAspect="1"/>
-          </p:cNvPicPr>
-          <p:nvPr/>
-        </p:nvPicPr>
-        <p:blipFill>
-          <a:blip r:embed="rId2">
-            <a:extLst>
-              <a:ext uri="{28A0092B-C50C-407E-A947-70E740481C1C}">
-                <a14:useLocalDpi xmlns:a14="http://schemas.microsoft.com/office/drawing/2010/main" val="0"/>
-              </a:ext>
-            </a:extLst>
-          </a:blip>
-          <a:stretch>
-            <a:fillRect/>
-          </a:stretch>
-        </p:blipFill>
-        <p:spPr>
-          <a:xfrm>
-            <a:off x="0" y="-7166"/>
-            <a:ext cx="12192000" cy="6874593"/>
-          </a:xfrm>
-          <a:prstGeom prst="rect">
-            <a:avLst/>
-          </a:prstGeom>
-        </p:spPr>
-      </p:pic>
-      <p:sp>
-        <p:nvSpPr>
-          <p:cNvPr id="8" name="Rectangle 7"/>
-          <p:cNvSpPr/>
-          <p:nvPr/>
-        </p:nvSpPr>
-        <p:spPr>
-          <a:xfrm>
-            <a:off x="2368407" y="2625226"/>
-            <a:ext cx="8619958" cy="707886"/>
-          </a:xfrm>
-          <a:prstGeom prst="rect">
-            <a:avLst/>
-          </a:prstGeom>
-        </p:spPr>
-        <p:txBody>
-          <a:bodyPr wrap="square">
-            <a:spAutoFit/>
-          </a:bodyPr>
-          <a:lstStyle/>
-          <a:p>
-            <a:pPr algn="ctr"/>
-            <a:r>
-              <a:rPr lang="en-US" sz="4000" b="1" cap="none" spc="0" dirty="0">
-                <a:ln w="12700">
-                  <a:solidFill>
-                    <a:schemeClr val="tx2">
-                      <a:lumMod val="75000"/>
-                    </a:schemeClr>
-                  </a:solidFill>
-                  <a:prstDash val="solid"/>
-                </a:ln>
-                <a:pattFill prst="dkUpDiag">
-                  <a:fgClr>
-                    <a:schemeClr val="tx2"/>
-                  </a:fgClr>
-                  <a:bgClr>
-                    <a:schemeClr val="tx2">
-                      <a:lumMod val="20000"/>
-                      <a:lumOff val="80000"/>
-                    </a:schemeClr>
-                  </a:bgClr>
-                </a:pattFill>
-                <a:effectLst>
-                  <a:outerShdw dist="38100" dir="2640000" algn="bl" rotWithShape="0">
-                    <a:schemeClr val="tx2">
-                      <a:lumMod val="75000"/>
-                    </a:schemeClr>
-                  </a:outerShdw>
-                </a:effectLst>
-              </a:rPr>
-              <a:t>Functional Programming</a:t>
-            </a:r>
-          </a:p>
-        </p:txBody>
-      </p:sp>
-      <p:pic>
-        <p:nvPicPr>
-          <p:cNvPr id="6" name="Picture 5" descr="https://devadventures.net/wp-content/uploads/2018/09/lambda-c-sharp.png"/>
-          <p:cNvPicPr>
-            <a:picLocks noChangeAspect="1" noChangeArrowheads="1"/>
-          </p:cNvPicPr>
-          <p:nvPr/>
-        </p:nvPicPr>
-        <p:blipFill>
-          <a:blip r:embed="rId3">
-            <a:extLst>
-              <a:ext uri="{28A0092B-C50C-407E-A947-70E740481C1C}">
-                <a14:useLocalDpi xmlns:a14="http://schemas.microsoft.com/office/drawing/2010/main" val="0"/>
-              </a:ext>
-            </a:extLst>
-          </a:blip>
-          <a:srcRect/>
-          <a:stretch>
-            <a:fillRect/>
-          </a:stretch>
-        </p:blipFill>
-        <p:spPr bwMode="auto">
-          <a:xfrm>
-            <a:off x="-52134" y="3266381"/>
-            <a:ext cx="6943725" cy="3905846"/>
-          </a:xfrm>
-          <a:prstGeom prst="rect">
-            <a:avLst/>
-          </a:prstGeom>
-          <a:noFill/>
-          <a:extLst>
-            <a:ext uri="{909E8E84-426E-40DD-AFC4-6F175D3DCCD1}">
-              <a14:hiddenFill xmlns:a14="http://schemas.microsoft.com/office/drawing/2010/main">
-                <a:solidFill>
-                  <a:srgbClr val="FFFFFF"/>
-                </a:solidFill>
-              </a14:hiddenFill>
-            </a:ext>
-          </a:extLst>
-        </p:spPr>
-      </p:pic>
-      <p:sp>
-        <p:nvSpPr>
-          <p:cNvPr id="10" name="Rectangle 9"/>
-          <p:cNvSpPr/>
-          <p:nvPr/>
-        </p:nvSpPr>
-        <p:spPr>
-          <a:xfrm>
-            <a:off x="5377026" y="3560476"/>
-            <a:ext cx="2100263" cy="1077218"/>
-          </a:xfrm>
-          <a:prstGeom prst="rect">
-            <a:avLst/>
-          </a:prstGeom>
-        </p:spPr>
-        <p:txBody>
-          <a:bodyPr wrap="square">
-            <a:spAutoFit/>
-          </a:bodyPr>
-          <a:lstStyle>
-            <a:defPPr>
-              <a:defRPr lang="en-US"/>
-            </a:defPPr>
-            <a:lvl1pPr marL="0" algn="l" defTabSz="914400" rtl="0" eaLnBrk="1" latinLnBrk="0" hangingPunct="1">
-              <a:defRPr sz="1800" kern="1200">
-                <a:solidFill>
-                  <a:schemeClr val="tx1"/>
-                </a:solidFill>
-                <a:latin typeface="+mn-lt"/>
-                <a:ea typeface="+mn-ea"/>
-                <a:cs typeface="+mn-cs"/>
-              </a:defRPr>
-            </a:lvl1pPr>
-            <a:lvl2pPr marL="457200" algn="l" defTabSz="914400" rtl="0" eaLnBrk="1" latinLnBrk="0" hangingPunct="1">
-              <a:defRPr sz="1800" kern="1200">
-                <a:solidFill>
-                  <a:schemeClr val="tx1"/>
-                </a:solidFill>
-                <a:latin typeface="+mn-lt"/>
-                <a:ea typeface="+mn-ea"/>
-                <a:cs typeface="+mn-cs"/>
-              </a:defRPr>
-            </a:lvl2pPr>
-            <a:lvl3pPr marL="914400" algn="l" defTabSz="914400" rtl="0" eaLnBrk="1" latinLnBrk="0" hangingPunct="1">
-              <a:defRPr sz="1800" kern="1200">
-                <a:solidFill>
-                  <a:schemeClr val="tx1"/>
-                </a:solidFill>
-                <a:latin typeface="+mn-lt"/>
-                <a:ea typeface="+mn-ea"/>
-                <a:cs typeface="+mn-cs"/>
-              </a:defRPr>
-            </a:lvl3pPr>
-            <a:lvl4pPr marL="1371600" algn="l" defTabSz="914400" rtl="0" eaLnBrk="1" latinLnBrk="0" hangingPunct="1">
-              <a:defRPr sz="1800" kern="1200">
-                <a:solidFill>
-                  <a:schemeClr val="tx1"/>
-                </a:solidFill>
-                <a:latin typeface="+mn-lt"/>
-                <a:ea typeface="+mn-ea"/>
-                <a:cs typeface="+mn-cs"/>
-              </a:defRPr>
-            </a:lvl4pPr>
-            <a:lvl5pPr marL="1828800" algn="l" defTabSz="914400" rtl="0" eaLnBrk="1" latinLnBrk="0" hangingPunct="1">
-              <a:defRPr sz="1800" kern="1200">
-                <a:solidFill>
-                  <a:schemeClr val="tx1"/>
-                </a:solidFill>
-                <a:latin typeface="+mn-lt"/>
-                <a:ea typeface="+mn-ea"/>
-                <a:cs typeface="+mn-cs"/>
-              </a:defRPr>
-            </a:lvl5pPr>
-            <a:lvl6pPr marL="2286000" algn="l" defTabSz="914400" rtl="0" eaLnBrk="1" latinLnBrk="0" hangingPunct="1">
-              <a:defRPr sz="1800" kern="1200">
-                <a:solidFill>
-                  <a:schemeClr val="tx1"/>
-                </a:solidFill>
-                <a:latin typeface="+mn-lt"/>
-                <a:ea typeface="+mn-ea"/>
-                <a:cs typeface="+mn-cs"/>
-              </a:defRPr>
-            </a:lvl6pPr>
-            <a:lvl7pPr marL="2743200" algn="l" defTabSz="914400" rtl="0" eaLnBrk="1" latinLnBrk="0" hangingPunct="1">
-              <a:defRPr sz="1800" kern="1200">
-                <a:solidFill>
-                  <a:schemeClr val="tx1"/>
-                </a:solidFill>
-                <a:latin typeface="+mn-lt"/>
-                <a:ea typeface="+mn-ea"/>
-                <a:cs typeface="+mn-cs"/>
-              </a:defRPr>
-            </a:lvl7pPr>
-            <a:lvl8pPr marL="3200400" algn="l" defTabSz="914400" rtl="0" eaLnBrk="1" latinLnBrk="0" hangingPunct="1">
-              <a:defRPr sz="1800" kern="1200">
-                <a:solidFill>
-                  <a:schemeClr val="tx1"/>
-                </a:solidFill>
-                <a:latin typeface="+mn-lt"/>
-                <a:ea typeface="+mn-ea"/>
-                <a:cs typeface="+mn-cs"/>
-              </a:defRPr>
-            </a:lvl8pPr>
-            <a:lvl9pPr marL="3657600" algn="l" defTabSz="914400" rtl="0" eaLnBrk="1" latinLnBrk="0" hangingPunct="1">
-              <a:defRPr sz="1800" kern="1200">
-                <a:solidFill>
-                  <a:schemeClr val="tx1"/>
-                </a:solidFill>
-                <a:latin typeface="+mn-lt"/>
-                <a:ea typeface="+mn-ea"/>
-                <a:cs typeface="+mn-cs"/>
-              </a:defRPr>
-            </a:lvl9pPr>
-          </a:lstStyle>
-          <a:p>
-            <a:r>
-              <a:rPr lang="en-US" sz="4400" dirty="0">
-                <a:solidFill>
-                  <a:srgbClr val="000000"/>
-                </a:solidFill>
-              </a:rPr>
-              <a:t>Why?</a:t>
-            </a:r>
-            <a:endParaRPr lang="en-US" sz="2000" dirty="0"/>
-          </a:p>
-          <a:p>
-            <a:pPr fontAlgn="base">
-              <a:buFont typeface="Arial" panose="020B0604020202020204" pitchFamily="34" charset="0"/>
-              <a:buChar char="•"/>
-            </a:pPr>
-            <a:r>
-              <a:rPr lang="en-US" sz="2000" dirty="0">
-                <a:solidFill>
-                  <a:srgbClr val="000000"/>
-                </a:solidFill>
-              </a:rPr>
-              <a:t>Purity</a:t>
-            </a:r>
-          </a:p>
-        </p:txBody>
-      </p:sp>
-      <p:pic>
-        <p:nvPicPr>
-          <p:cNvPr id="7" name="Picture 2" descr="https://devadventures.net/wp-content/uploads/2018/09/lambda-c-sharp.png"/>
-          <p:cNvPicPr>
-            <a:picLocks noChangeAspect="1" noChangeArrowheads="1"/>
-          </p:cNvPicPr>
-          <p:nvPr/>
-        </p:nvPicPr>
-        <p:blipFill>
-          <a:blip r:embed="rId4">
-            <a:extLst>
-              <a:ext uri="{28A0092B-C50C-407E-A947-70E740481C1C}">
-                <a14:useLocalDpi xmlns:a14="http://schemas.microsoft.com/office/drawing/2010/main" val="0"/>
-              </a:ext>
-            </a:extLst>
-          </a:blip>
-          <a:srcRect/>
-          <a:stretch>
-            <a:fillRect/>
-          </a:stretch>
-        </p:blipFill>
-        <p:spPr bwMode="auto">
-          <a:xfrm>
-            <a:off x="-1334040" y="3168313"/>
-            <a:ext cx="6943725" cy="3905846"/>
-          </a:xfrm>
-          <a:prstGeom prst="rect">
-            <a:avLst/>
-          </a:prstGeom>
-          <a:noFill/>
-          <a:extLst>
-            <a:ext uri="{909E8E84-426E-40DD-AFC4-6F175D3DCCD1}">
-              <a14:hiddenFill xmlns:a14="http://schemas.microsoft.com/office/drawing/2010/main">
-                <a:solidFill>
-                  <a:srgbClr val="FFFFFF"/>
-                </a:solidFill>
-              </a14:hiddenFill>
-            </a:ext>
-          </a:extLst>
-        </p:spPr>
-      </p:pic>
-      <p:pic>
-        <p:nvPicPr>
-          <p:cNvPr id="9" name="Picture 2" descr="https://devadventures.net/wp-content/uploads/2018/09/lambda-c-sharp.png"/>
-          <p:cNvPicPr>
-            <a:picLocks noChangeAspect="1" noChangeArrowheads="1"/>
-          </p:cNvPicPr>
-          <p:nvPr/>
-        </p:nvPicPr>
-        <p:blipFill>
-          <a:blip r:embed="rId5">
-            <a:extLst>
-              <a:ext uri="{28A0092B-C50C-407E-A947-70E740481C1C}">
-                <a14:useLocalDpi xmlns:a14="http://schemas.microsoft.com/office/drawing/2010/main" val="0"/>
-              </a:ext>
-            </a:extLst>
-          </a:blip>
-          <a:srcRect/>
-          <a:stretch>
-            <a:fillRect/>
-          </a:stretch>
-        </p:blipFill>
-        <p:spPr bwMode="auto">
-          <a:xfrm>
-            <a:off x="-1360107" y="3266381"/>
-            <a:ext cx="6943725" cy="3905846"/>
-          </a:xfrm>
-          <a:prstGeom prst="rect">
-            <a:avLst/>
-          </a:prstGeom>
-          <a:noFill/>
-          <a:extLst>
-            <a:ext uri="{909E8E84-426E-40DD-AFC4-6F175D3DCCD1}">
-              <a14:hiddenFill xmlns:a14="http://schemas.microsoft.com/office/drawing/2010/main">
-                <a:solidFill>
-                  <a:srgbClr val="FFFFFF"/>
-                </a:solidFill>
-              </a14:hiddenFill>
-            </a:ext>
-          </a:extLst>
-        </p:spPr>
-      </p:pic>
-      <p:pic>
-        <p:nvPicPr>
-          <p:cNvPr id="11" name="Picture 2" descr="https://devadventures.net/wp-content/uploads/2018/09/lambda-c-sharp.png"/>
-          <p:cNvPicPr>
-            <a:picLocks noChangeAspect="1" noChangeArrowheads="1"/>
-          </p:cNvPicPr>
-          <p:nvPr/>
-        </p:nvPicPr>
-        <p:blipFill>
-          <a:blip r:embed="rId6">
-            <a:extLst>
-              <a:ext uri="{28A0092B-C50C-407E-A947-70E740481C1C}">
-                <a14:useLocalDpi xmlns:a14="http://schemas.microsoft.com/office/drawing/2010/main" val="0"/>
-              </a:ext>
-            </a:extLst>
-          </a:blip>
-          <a:srcRect/>
-          <a:stretch>
-            <a:fillRect/>
-          </a:stretch>
-        </p:blipFill>
-        <p:spPr bwMode="auto">
-          <a:xfrm>
-            <a:off x="-826851" y="3266381"/>
-            <a:ext cx="6943725" cy="3905846"/>
-          </a:xfrm>
-          <a:prstGeom prst="rect">
-            <a:avLst/>
-          </a:prstGeom>
-          <a:noFill/>
-          <a:extLst>
-            <a:ext uri="{909E8E84-426E-40DD-AFC4-6F175D3DCCD1}">
-              <a14:hiddenFill xmlns:a14="http://schemas.microsoft.com/office/drawing/2010/main">
-                <a:solidFill>
-                  <a:srgbClr val="FFFFFF"/>
-                </a:solidFill>
-              </a14:hiddenFill>
-            </a:ext>
-          </a:extLst>
-        </p:spPr>
-      </p:pic>
-      <p:sp>
-        <p:nvSpPr>
-          <p:cNvPr id="3" name="Rectangle 2"/>
-          <p:cNvSpPr/>
-          <p:nvPr/>
-        </p:nvSpPr>
-        <p:spPr>
-          <a:xfrm>
-            <a:off x="6237122" y="4237584"/>
-            <a:ext cx="6096000" cy="400110"/>
-          </a:xfrm>
-          <a:prstGeom prst="rect">
-            <a:avLst/>
-          </a:prstGeom>
-        </p:spPr>
-        <p:txBody>
-          <a:bodyPr>
-            <a:spAutoFit/>
-          </a:bodyPr>
-          <a:lstStyle/>
-          <a:p>
-            <a:pPr fontAlgn="base">
-              <a:buFont typeface="Arial" panose="020B0604020202020204" pitchFamily="34" charset="0"/>
-              <a:buChar char="•"/>
-            </a:pPr>
-            <a:r>
-              <a:rPr lang="en-US" sz="2000" dirty="0">
-                <a:solidFill>
-                  <a:srgbClr val="000000"/>
-                </a:solidFill>
-              </a:rPr>
-              <a:t>Expressiveness</a:t>
-            </a:r>
-          </a:p>
-        </p:txBody>
-      </p:sp>
-      <p:sp>
-        <p:nvSpPr>
-          <p:cNvPr id="5" name="Rectangle 4"/>
-          <p:cNvSpPr/>
-          <p:nvPr/>
-        </p:nvSpPr>
-        <p:spPr>
-          <a:xfrm>
-            <a:off x="7981997" y="4242374"/>
-            <a:ext cx="1633717" cy="400110"/>
-          </a:xfrm>
-          <a:prstGeom prst="rect">
-            <a:avLst/>
-          </a:prstGeom>
-        </p:spPr>
-        <p:txBody>
-          <a:bodyPr wrap="none">
-            <a:spAutoFit/>
-          </a:bodyPr>
-          <a:lstStyle/>
-          <a:p>
-            <a:pPr fontAlgn="base">
-              <a:spcAft>
-                <a:spcPts val="1600"/>
-              </a:spcAft>
-              <a:buFont typeface="Arial" panose="020B0604020202020204" pitchFamily="34" charset="0"/>
-              <a:buChar char="•"/>
-            </a:pPr>
-            <a:r>
-              <a:rPr lang="en-US" sz="2000" dirty="0">
-                <a:solidFill>
-                  <a:srgbClr val="000000"/>
-                </a:solidFill>
-              </a:rPr>
-              <a:t>Type – safety</a:t>
-            </a:r>
-          </a:p>
-        </p:txBody>
-      </p:sp>
-      <p:pic>
-        <p:nvPicPr>
-          <p:cNvPr id="1026" name="Picture 2"/>
-          <p:cNvPicPr>
-            <a:picLocks noChangeAspect="1" noChangeArrowheads="1"/>
-          </p:cNvPicPr>
-          <p:nvPr/>
-        </p:nvPicPr>
-        <p:blipFill>
-          <a:blip r:embed="rId7">
-            <a:extLst>
-              <a:ext uri="{28A0092B-C50C-407E-A947-70E740481C1C}">
-                <a14:useLocalDpi xmlns:a14="http://schemas.microsoft.com/office/drawing/2010/main" val="0"/>
-              </a:ext>
-            </a:extLst>
-          </a:blip>
-          <a:srcRect/>
-          <a:stretch>
-            <a:fillRect/>
-          </a:stretch>
-        </p:blipFill>
-        <p:spPr bwMode="auto">
-          <a:xfrm>
-            <a:off x="6116873" y="4842460"/>
-            <a:ext cx="5561779" cy="1747225"/>
-          </a:xfrm>
-          <a:prstGeom prst="rect">
-            <a:avLst/>
-          </a:prstGeom>
-          <a:noFill/>
-          <a:ln>
-            <a:noFill/>
-          </a:ln>
-          <a:effectLst/>
-          <a:extLst>
-            <a:ext uri="{909E8E84-426E-40DD-AFC4-6F175D3DCCD1}">
-              <a14:hiddenFill xmlns:a14="http://schemas.microsoft.com/office/drawing/2010/main">
-                <a:solidFill>
-                  <a:schemeClr val="accent1"/>
-                </a:solidFill>
-              </a14:hiddenFill>
-            </a:ext>
-            <a:ext uri="{91240B29-F687-4F45-9708-019B960494DF}">
-              <a14:hiddenLine xmlns:a14="http://schemas.microsoft.com/office/drawing/2010/main" w="9525">
-                <a:solidFill>
-                  <a:schemeClr val="tx1"/>
-                </a:solidFill>
-                <a:miter lim="800000"/>
-                <a:headEnd/>
-                <a:tailEnd/>
-              </a14:hiddenLine>
-            </a:ext>
-            <a:ext uri="{AF507438-7753-43E0-B8FC-AC1667EBCBE1}">
-              <a14:hiddenEffects xmlns:a14="http://schemas.microsoft.com/office/drawing/2010/main">
-                <a:effectLst>
-                  <a:outerShdw dist="35921" dir="2700000" algn="ctr" rotWithShape="0">
-                    <a:schemeClr val="bg2"/>
-                  </a:outerShdw>
-                </a:effectLst>
-              </a14:hiddenEffects>
-            </a:ext>
-          </a:extLst>
-        </p:spPr>
-      </p:pic>
-      <p:sp>
-        <p:nvSpPr>
-          <p:cNvPr id="12" name="Rectangle 11"/>
-          <p:cNvSpPr/>
-          <p:nvPr/>
-        </p:nvSpPr>
-        <p:spPr>
-          <a:xfrm>
-            <a:off x="9615714" y="4247164"/>
-            <a:ext cx="2416239" cy="400110"/>
-          </a:xfrm>
-          <a:prstGeom prst="rect">
-            <a:avLst/>
-          </a:prstGeom>
-        </p:spPr>
-        <p:txBody>
-          <a:bodyPr wrap="none">
-            <a:spAutoFit/>
-          </a:bodyPr>
-          <a:lstStyle/>
-          <a:p>
-            <a:pPr fontAlgn="base">
-              <a:spcAft>
-                <a:spcPts val="1600"/>
-              </a:spcAft>
-              <a:buFont typeface="Arial" panose="020B0604020202020204" pitchFamily="34" charset="0"/>
-              <a:buChar char="•"/>
-            </a:pPr>
-            <a:r>
-              <a:rPr lang="en-US" sz="2000" dirty="0">
-                <a:solidFill>
-                  <a:srgbClr val="000000"/>
-                </a:solidFill>
-              </a:rPr>
-              <a:t>Ubiquitous language</a:t>
-            </a:r>
-          </a:p>
-        </p:txBody>
-      </p:sp>
-    </p:spTree>
-    <p:extLst>
-      <p:ext uri="{BB962C8B-B14F-4D97-AF65-F5344CB8AC3E}">
-        <p14:creationId xmlns:p14="http://schemas.microsoft.com/office/powerpoint/2010/main" val="1831765684"/>
       </p:ext>
     </p:extLst>
   </p:cSld>

--- a/article/present/uevarna.pptx
+++ b/article/present/uevarna.pptx
@@ -9,20 +9,14 @@
     <p:sldId id="270" r:id="rId3"/>
     <p:sldId id="256" r:id="rId4"/>
     <p:sldId id="258" r:id="rId5"/>
-    <p:sldId id="271" r:id="rId6"/>
-    <p:sldId id="259" r:id="rId7"/>
-    <p:sldId id="260" r:id="rId8"/>
-    <p:sldId id="261" r:id="rId9"/>
-    <p:sldId id="269" r:id="rId10"/>
-    <p:sldId id="262" r:id="rId11"/>
-    <p:sldId id="267" r:id="rId12"/>
-    <p:sldId id="263" r:id="rId13"/>
-    <p:sldId id="264" r:id="rId14"/>
-    <p:sldId id="275" r:id="rId15"/>
-    <p:sldId id="266" r:id="rId16"/>
-    <p:sldId id="272" r:id="rId17"/>
-    <p:sldId id="274" r:id="rId18"/>
-    <p:sldId id="268" r:id="rId19"/>
+    <p:sldId id="281" r:id="rId6"/>
+    <p:sldId id="278" r:id="rId7"/>
+    <p:sldId id="282" r:id="rId8"/>
+    <p:sldId id="262" r:id="rId9"/>
+    <p:sldId id="263" r:id="rId10"/>
+    <p:sldId id="264" r:id="rId11"/>
+    <p:sldId id="275" r:id="rId12"/>
+    <p:sldId id="268" r:id="rId13"/>
   </p:sldIdLst>
   <p:sldSz cx="12192000" cy="6858000"/>
   <p:notesSz cx="6858000" cy="9144000"/>
@@ -269,7 +263,7 @@
           <a:p>
             <a:fld id="{41635E24-1D81-43C6-A33F-0FC55214D91A}" type="datetimeFigureOut">
               <a:rPr lang="en-US" smtClean="0"/>
-              <a:t>4/13/2023</a:t>
+              <a:t>4/16/2023</a:t>
             </a:fld>
             <a:endParaRPr lang="en-US"/>
           </a:p>
@@ -437,7 +431,7 @@
           <a:p>
             <a:fld id="{41635E24-1D81-43C6-A33F-0FC55214D91A}" type="datetimeFigureOut">
               <a:rPr lang="en-US" smtClean="0"/>
-              <a:t>4/13/2023</a:t>
+              <a:t>4/16/2023</a:t>
             </a:fld>
             <a:endParaRPr lang="en-US"/>
           </a:p>
@@ -615,7 +609,7 @@
           <a:p>
             <a:fld id="{41635E24-1D81-43C6-A33F-0FC55214D91A}" type="datetimeFigureOut">
               <a:rPr lang="en-US" smtClean="0"/>
-              <a:t>4/13/2023</a:t>
+              <a:t>4/16/2023</a:t>
             </a:fld>
             <a:endParaRPr lang="en-US"/>
           </a:p>
@@ -783,7 +777,7 @@
           <a:p>
             <a:fld id="{41635E24-1D81-43C6-A33F-0FC55214D91A}" type="datetimeFigureOut">
               <a:rPr lang="en-US" smtClean="0"/>
-              <a:t>4/13/2023</a:t>
+              <a:t>4/16/2023</a:t>
             </a:fld>
             <a:endParaRPr lang="en-US"/>
           </a:p>
@@ -1028,7 +1022,7 @@
           <a:p>
             <a:fld id="{41635E24-1D81-43C6-A33F-0FC55214D91A}" type="datetimeFigureOut">
               <a:rPr lang="en-US" smtClean="0"/>
-              <a:t>4/13/2023</a:t>
+              <a:t>4/16/2023</a:t>
             </a:fld>
             <a:endParaRPr lang="en-US"/>
           </a:p>
@@ -1257,7 +1251,7 @@
           <a:p>
             <a:fld id="{41635E24-1D81-43C6-A33F-0FC55214D91A}" type="datetimeFigureOut">
               <a:rPr lang="en-US" smtClean="0"/>
-              <a:t>4/13/2023</a:t>
+              <a:t>4/16/2023</a:t>
             </a:fld>
             <a:endParaRPr lang="en-US"/>
           </a:p>
@@ -1621,7 +1615,7 @@
           <a:p>
             <a:fld id="{41635E24-1D81-43C6-A33F-0FC55214D91A}" type="datetimeFigureOut">
               <a:rPr lang="en-US" smtClean="0"/>
-              <a:t>4/13/2023</a:t>
+              <a:t>4/16/2023</a:t>
             </a:fld>
             <a:endParaRPr lang="en-US"/>
           </a:p>
@@ -1738,7 +1732,7 @@
           <a:p>
             <a:fld id="{41635E24-1D81-43C6-A33F-0FC55214D91A}" type="datetimeFigureOut">
               <a:rPr lang="en-US" smtClean="0"/>
-              <a:t>4/13/2023</a:t>
+              <a:t>4/16/2023</a:t>
             </a:fld>
             <a:endParaRPr lang="en-US"/>
           </a:p>
@@ -1833,7 +1827,7 @@
           <a:p>
             <a:fld id="{41635E24-1D81-43C6-A33F-0FC55214D91A}" type="datetimeFigureOut">
               <a:rPr lang="en-US" smtClean="0"/>
-              <a:t>4/13/2023</a:t>
+              <a:t>4/16/2023</a:t>
             </a:fld>
             <a:endParaRPr lang="en-US"/>
           </a:p>
@@ -2108,7 +2102,7 @@
           <a:p>
             <a:fld id="{41635E24-1D81-43C6-A33F-0FC55214D91A}" type="datetimeFigureOut">
               <a:rPr lang="en-US" smtClean="0"/>
-              <a:t>4/13/2023</a:t>
+              <a:t>4/16/2023</a:t>
             </a:fld>
             <a:endParaRPr lang="en-US"/>
           </a:p>
@@ -2360,7 +2354,7 @@
           <a:p>
             <a:fld id="{41635E24-1D81-43C6-A33F-0FC55214D91A}" type="datetimeFigureOut">
               <a:rPr lang="en-US" smtClean="0"/>
-              <a:t>4/13/2023</a:t>
+              <a:t>4/16/2023</a:t>
             </a:fld>
             <a:endParaRPr lang="en-US"/>
           </a:p>
@@ -2571,7 +2565,7 @@
           <a:p>
             <a:fld id="{41635E24-1D81-43C6-A33F-0FC55214D91A}" type="datetimeFigureOut">
               <a:rPr lang="en-US" smtClean="0"/>
-              <a:t>4/13/2023</a:t>
+              <a:t>4/16/2023</a:t>
             </a:fld>
             <a:endParaRPr lang="en-US"/>
           </a:p>
@@ -3008,10 +3002,10 @@
       </p:pic>
       <p:sp>
         <p:nvSpPr>
-          <p:cNvPr id="2" name="Rectangle 1">
+          <p:cNvPr id="7" name="Rectangle 6">
             <a:extLst>
               <a:ext uri="{FF2B5EF4-FFF2-40B4-BE49-F238E27FC236}">
-                <a16:creationId xmlns:a16="http://schemas.microsoft.com/office/drawing/2014/main" id="{F7729023-EFAE-4EDA-8FC1-B9522C3F1882}"/>
+                <a16:creationId xmlns:a16="http://schemas.microsoft.com/office/drawing/2014/main" id="{5615CD4C-C6D7-4469-AB0F-935D29983A37}"/>
               </a:ext>
             </a:extLst>
           </p:cNvPr>
@@ -3020,276 +3014,367 @@
         </p:nvSpPr>
         <p:spPr>
           <a:xfrm>
-            <a:off x="583144" y="843677"/>
-            <a:ext cx="11025711" cy="2585323"/>
+            <a:off x="504737" y="991888"/>
+            <a:ext cx="11182524" cy="1938992"/>
           </a:xfrm>
           <a:prstGeom prst="rect">
             <a:avLst/>
           </a:prstGeom>
-          <a:noFill/>
         </p:spPr>
         <p:txBody>
-          <a:bodyPr wrap="none" lIns="91440" tIns="45720" rIns="91440" bIns="45720">
+          <a:bodyPr wrap="square">
             <a:spAutoFit/>
           </a:bodyPr>
           <a:lstStyle/>
           <a:p>
             <a:pPr algn="ctr"/>
             <a:r>
-              <a:rPr lang="bg-BG" sz="5400" b="1" cap="none" spc="0" dirty="0">
+              <a:rPr lang="ru-RU" sz="4000" b="1" dirty="0">
                 <a:ln w="12700">
                   <a:solidFill>
-                    <a:schemeClr val="accent5"/>
+                    <a:schemeClr val="tx2">
+                      <a:lumMod val="75000"/>
+                    </a:schemeClr>
                   </a:solidFill>
                   <a:prstDash val="solid"/>
                 </a:ln>
-                <a:pattFill prst="ltDnDiag">
+                <a:pattFill prst="dkUpDiag">
                   <a:fgClr>
-                    <a:schemeClr val="accent5">
-                      <a:lumMod val="60000"/>
-                      <a:lumOff val="40000"/>
-                    </a:schemeClr>
+                    <a:schemeClr val="tx2"/>
                   </a:fgClr>
                   <a:bgClr>
-                    <a:schemeClr val="bg1"/>
+                    <a:schemeClr val="tx2">
+                      <a:lumMod val="20000"/>
+                      <a:lumOff val="80000"/>
+                    </a:schemeClr>
                   </a:bgClr>
                 </a:pattFill>
-                <a:effectLst/>
+                <a:effectLst>
+                  <a:outerShdw dist="38100" dir="2640000" algn="bl" rotWithShape="0">
+                    <a:schemeClr val="tx2">
+                      <a:lumMod val="75000"/>
+                    </a:schemeClr>
+                  </a:outerShdw>
+                </a:effectLst>
               </a:rPr>
-              <a:t>Платформа за онлайн публикуване,</a:t>
-            </a:r>
-          </a:p>
-          <a:p>
-            <a:pPr algn="ctr"/>
-            <a:r>
-              <a:rPr lang="ru-RU" sz="5400" b="1" dirty="0" err="1">
+              <a:t>Платформа за онлайн </a:t>
+            </a:r>
+            <a:r>
+              <a:rPr lang="ru-RU" sz="4000" b="1" dirty="0" err="1">
                 <a:ln w="12700">
                   <a:solidFill>
-                    <a:schemeClr val="accent5"/>
+                    <a:schemeClr val="tx2">
+                      <a:lumMod val="75000"/>
+                    </a:schemeClr>
                   </a:solidFill>
                   <a:prstDash val="solid"/>
                 </a:ln>
-                <a:pattFill prst="ltDnDiag">
+                <a:pattFill prst="dkUpDiag">
                   <a:fgClr>
-                    <a:schemeClr val="accent5">
-                      <a:lumMod val="60000"/>
-                      <a:lumOff val="40000"/>
-                    </a:schemeClr>
+                    <a:schemeClr val="tx2"/>
                   </a:fgClr>
                   <a:bgClr>
-                    <a:schemeClr val="bg1"/>
+                    <a:schemeClr val="tx2">
+                      <a:lumMod val="20000"/>
+                      <a:lumOff val="80000"/>
+                    </a:schemeClr>
                   </a:bgClr>
                 </a:pattFill>
+                <a:effectLst>
+                  <a:outerShdw dist="38100" dir="2640000" algn="bl" rotWithShape="0">
+                    <a:schemeClr val="tx2">
+                      <a:lumMod val="75000"/>
+                    </a:schemeClr>
+                  </a:outerShdw>
+                </a:effectLst>
               </a:rPr>
-              <a:t>и</a:t>
-            </a:r>
-            <a:r>
-              <a:rPr lang="ru-RU" sz="5400" b="1" cap="none" spc="0" dirty="0" err="1">
+              <a:t>публикуване</a:t>
+            </a:r>
+            <a:r>
+              <a:rPr lang="ru-RU" sz="4000" b="1" dirty="0">
                 <a:ln w="12700">
                   <a:solidFill>
-                    <a:schemeClr val="accent5"/>
+                    <a:schemeClr val="tx2">
+                      <a:lumMod val="75000"/>
+                    </a:schemeClr>
                   </a:solidFill>
                   <a:prstDash val="solid"/>
                 </a:ln>
-                <a:pattFill prst="ltDnDiag">
+                <a:pattFill prst="dkUpDiag">
                   <a:fgClr>
-                    <a:schemeClr val="accent5">
-                      <a:lumMod val="60000"/>
-                      <a:lumOff val="40000"/>
-                    </a:schemeClr>
+                    <a:schemeClr val="tx2"/>
                   </a:fgClr>
                   <a:bgClr>
-                    <a:schemeClr val="bg1"/>
+                    <a:schemeClr val="tx2">
+                      <a:lumMod val="20000"/>
+                      <a:lumOff val="80000"/>
+                    </a:schemeClr>
                   </a:bgClr>
                 </a:pattFill>
-                <a:effectLst/>
+                <a:effectLst>
+                  <a:outerShdw dist="38100" dir="2640000" algn="bl" rotWithShape="0">
+                    <a:schemeClr val="tx2">
+                      <a:lumMod val="75000"/>
+                    </a:schemeClr>
+                  </a:outerShdw>
+                </a:effectLst>
               </a:rPr>
-              <a:t>зградена</a:t>
-            </a:r>
-            <a:r>
-              <a:rPr lang="ru-RU" sz="5400" b="1" cap="none" spc="0" dirty="0">
+              <a:t>,</a:t>
+            </a:r>
+          </a:p>
+          <a:p>
+            <a:pPr algn="ctr"/>
+            <a:r>
+              <a:rPr lang="ru-RU" sz="4000" b="1" dirty="0" err="1">
                 <a:ln w="12700">
                   <a:solidFill>
-                    <a:schemeClr val="accent5"/>
+                    <a:schemeClr val="tx2">
+                      <a:lumMod val="75000"/>
+                    </a:schemeClr>
                   </a:solidFill>
                   <a:prstDash val="solid"/>
                 </a:ln>
-                <a:pattFill prst="ltDnDiag">
+                <a:pattFill prst="dkUpDiag">
                   <a:fgClr>
-                    <a:schemeClr val="accent5">
-                      <a:lumMod val="60000"/>
-                      <a:lumOff val="40000"/>
-                    </a:schemeClr>
+                    <a:schemeClr val="tx2"/>
                   </a:fgClr>
                   <a:bgClr>
-                    <a:schemeClr val="bg1"/>
+                    <a:schemeClr val="tx2">
+                      <a:lumMod val="20000"/>
+                      <a:lumOff val="80000"/>
+                    </a:schemeClr>
                   </a:bgClr>
                 </a:pattFill>
-                <a:effectLst/>
+                <a:effectLst>
+                  <a:outerShdw dist="38100" dir="2640000" algn="bl" rotWithShape="0">
+                    <a:schemeClr val="tx2">
+                      <a:lumMod val="75000"/>
+                    </a:schemeClr>
+                  </a:outerShdw>
+                </a:effectLst>
               </a:rPr>
-              <a:t> от </a:t>
-            </a:r>
-            <a:r>
-              <a:rPr lang="ru-RU" sz="5400" b="1" cap="none" spc="0" dirty="0" err="1">
+              <a:t>изградена</a:t>
+            </a:r>
+            <a:r>
+              <a:rPr lang="ru-RU" sz="4000" b="1" dirty="0">
                 <a:ln w="12700">
                   <a:solidFill>
-                    <a:schemeClr val="accent5"/>
+                    <a:schemeClr val="tx2">
+                      <a:lumMod val="75000"/>
+                    </a:schemeClr>
                   </a:solidFill>
                   <a:prstDash val="solid"/>
                 </a:ln>
-                <a:pattFill prst="ltDnDiag">
+                <a:pattFill prst="dkUpDiag">
                   <a:fgClr>
-                    <a:schemeClr val="accent5">
-                      <a:lumMod val="60000"/>
-                      <a:lumOff val="40000"/>
-                    </a:schemeClr>
+                    <a:schemeClr val="tx2"/>
                   </a:fgClr>
                   <a:bgClr>
-                    <a:schemeClr val="bg1"/>
+                    <a:schemeClr val="tx2">
+                      <a:lumMod val="20000"/>
+                      <a:lumOff val="80000"/>
+                    </a:schemeClr>
                   </a:bgClr>
                 </a:pattFill>
-                <a:effectLst/>
+                <a:effectLst>
+                  <a:outerShdw dist="38100" dir="2640000" algn="bl" rotWithShape="0">
+                    <a:schemeClr val="tx2">
+                      <a:lumMod val="75000"/>
+                    </a:schemeClr>
+                  </a:outerShdw>
+                </a:effectLst>
               </a:rPr>
-              <a:t>микроуслуги</a:t>
-            </a:r>
-            <a:r>
-              <a:rPr lang="ru-RU" sz="5400" b="1" cap="none" spc="0" dirty="0">
+              <a:t> от </a:t>
+            </a:r>
+            <a:r>
+              <a:rPr lang="ru-RU" sz="4000" b="1" dirty="0" err="1">
                 <a:ln w="12700">
                   <a:solidFill>
-                    <a:schemeClr val="accent5"/>
+                    <a:schemeClr val="tx2">
+                      <a:lumMod val="75000"/>
+                    </a:schemeClr>
                   </a:solidFill>
                   <a:prstDash val="solid"/>
                 </a:ln>
-                <a:pattFill prst="ltDnDiag">
+                <a:pattFill prst="dkUpDiag">
                   <a:fgClr>
-                    <a:schemeClr val="accent5">
-                      <a:lumMod val="60000"/>
-                      <a:lumOff val="40000"/>
-                    </a:schemeClr>
+                    <a:schemeClr val="tx2"/>
                   </a:fgClr>
                   <a:bgClr>
-                    <a:schemeClr val="bg1"/>
+                    <a:schemeClr val="tx2">
+                      <a:lumMod val="20000"/>
+                      <a:lumOff val="80000"/>
+                    </a:schemeClr>
                   </a:bgClr>
                 </a:pattFill>
-                <a:effectLst/>
+                <a:effectLst>
+                  <a:outerShdw dist="38100" dir="2640000" algn="bl" rotWithShape="0">
+                    <a:schemeClr val="tx2">
+                      <a:lumMod val="75000"/>
+                    </a:schemeClr>
+                  </a:outerShdw>
+                </a:effectLst>
               </a:rPr>
-              <a:t> и </a:t>
-            </a:r>
-          </a:p>
-          <a:p>
-            <a:pPr algn="ctr"/>
-            <a:r>
-              <a:rPr lang="ru-RU" sz="5400" b="1" cap="none" spc="0" dirty="0" err="1">
+              <a:t>микроуслуги</a:t>
+            </a:r>
+            <a:r>
+              <a:rPr lang="ru-RU" sz="4000" b="1" dirty="0">
                 <a:ln w="12700">
                   <a:solidFill>
-                    <a:schemeClr val="accent5"/>
+                    <a:schemeClr val="tx2">
+                      <a:lumMod val="75000"/>
+                    </a:schemeClr>
                   </a:solidFill>
                   <a:prstDash val="solid"/>
                 </a:ln>
-                <a:pattFill prst="ltDnDiag">
+                <a:pattFill prst="dkUpDiag">
                   <a:fgClr>
-                    <a:schemeClr val="accent5">
-                      <a:lumMod val="60000"/>
-                      <a:lumOff val="40000"/>
-                    </a:schemeClr>
+                    <a:schemeClr val="tx2"/>
                   </a:fgClr>
                   <a:bgClr>
-                    <a:schemeClr val="bg1"/>
+                    <a:schemeClr val="tx2">
+                      <a:lumMod val="20000"/>
+                      <a:lumOff val="80000"/>
+                    </a:schemeClr>
                   </a:bgClr>
                 </a:pattFill>
-                <a:effectLst/>
+                <a:effectLst>
+                  <a:outerShdw dist="38100" dir="2640000" algn="bl" rotWithShape="0">
+                    <a:schemeClr val="tx2">
+                      <a:lumMod val="75000"/>
+                    </a:schemeClr>
+                  </a:outerShdw>
+                </a:effectLst>
               </a:rPr>
-              <a:t>управлявана</a:t>
-            </a:r>
-            <a:r>
-              <a:rPr lang="ru-RU" sz="5400" b="1" cap="none" spc="0" dirty="0">
+              <a:t> и </a:t>
+            </a:r>
+          </a:p>
+          <a:p>
+            <a:pPr algn="ctr"/>
+            <a:r>
+              <a:rPr lang="ru-RU" sz="4000" b="1" dirty="0" err="1">
                 <a:ln w="12700">
                   <a:solidFill>
-                    <a:schemeClr val="accent5"/>
+                    <a:schemeClr val="tx2">
+                      <a:lumMod val="75000"/>
+                    </a:schemeClr>
                   </a:solidFill>
                   <a:prstDash val="solid"/>
                 </a:ln>
-                <a:pattFill prst="ltDnDiag">
+                <a:pattFill prst="dkUpDiag">
                   <a:fgClr>
-                    <a:schemeClr val="accent5">
-                      <a:lumMod val="60000"/>
-                      <a:lumOff val="40000"/>
-                    </a:schemeClr>
+                    <a:schemeClr val="tx2"/>
                   </a:fgClr>
                   <a:bgClr>
-                    <a:schemeClr val="bg1"/>
+                    <a:schemeClr val="tx2">
+                      <a:lumMod val="20000"/>
+                      <a:lumOff val="80000"/>
+                    </a:schemeClr>
                   </a:bgClr>
                 </a:pattFill>
-                <a:effectLst/>
+                <a:effectLst>
+                  <a:outerShdw dist="38100" dir="2640000" algn="bl" rotWithShape="0">
+                    <a:schemeClr val="tx2">
+                      <a:lumMod val="75000"/>
+                    </a:schemeClr>
+                  </a:outerShdw>
+                </a:effectLst>
               </a:rPr>
-              <a:t> от </a:t>
-            </a:r>
-            <a:r>
-              <a:rPr lang="ru-RU" sz="5400" b="1" cap="none" spc="0" dirty="0" err="1">
+              <a:t>управлявана</a:t>
+            </a:r>
+            <a:r>
+              <a:rPr lang="ru-RU" sz="4000" b="1" dirty="0">
                 <a:ln w="12700">
                   <a:solidFill>
-                    <a:schemeClr val="accent5"/>
+                    <a:schemeClr val="tx2">
+                      <a:lumMod val="75000"/>
+                    </a:schemeClr>
                   </a:solidFill>
                   <a:prstDash val="solid"/>
                 </a:ln>
-                <a:pattFill prst="ltDnDiag">
+                <a:pattFill prst="dkUpDiag">
                   <a:fgClr>
-                    <a:schemeClr val="accent5">
-                      <a:lumMod val="60000"/>
-                      <a:lumOff val="40000"/>
-                    </a:schemeClr>
+                    <a:schemeClr val="tx2"/>
                   </a:fgClr>
                   <a:bgClr>
-                    <a:schemeClr val="bg1"/>
+                    <a:schemeClr val="tx2">
+                      <a:lumMod val="20000"/>
+                      <a:lumOff val="80000"/>
+                    </a:schemeClr>
                   </a:bgClr>
                 </a:pattFill>
-                <a:effectLst/>
+                <a:effectLst>
+                  <a:outerShdw dist="38100" dir="2640000" algn="bl" rotWithShape="0">
+                    <a:schemeClr val="tx2">
+                      <a:lumMod val="75000"/>
+                    </a:schemeClr>
+                  </a:outerShdw>
+                </a:effectLst>
               </a:rPr>
-              <a:t>домейн</a:t>
-            </a:r>
-            <a:r>
-              <a:rPr lang="ru-RU" sz="5400" b="1" cap="none" spc="0" dirty="0">
+              <a:t> от </a:t>
+            </a:r>
+            <a:r>
+              <a:rPr lang="ru-RU" sz="4000" b="1" dirty="0" err="1">
                 <a:ln w="12700">
                   <a:solidFill>
-                    <a:schemeClr val="accent5"/>
+                    <a:schemeClr val="tx2">
+                      <a:lumMod val="75000"/>
+                    </a:schemeClr>
                   </a:solidFill>
                   <a:prstDash val="solid"/>
                 </a:ln>
-                <a:pattFill prst="ltDnDiag">
+                <a:pattFill prst="dkUpDiag">
                   <a:fgClr>
-                    <a:schemeClr val="accent5">
-                      <a:lumMod val="60000"/>
-                      <a:lumOff val="40000"/>
-                    </a:schemeClr>
+                    <a:schemeClr val="tx2"/>
                   </a:fgClr>
                   <a:bgClr>
-                    <a:schemeClr val="bg1"/>
+                    <a:schemeClr val="tx2">
+                      <a:lumMod val="20000"/>
+                      <a:lumOff val="80000"/>
+                    </a:schemeClr>
                   </a:bgClr>
                 </a:pattFill>
-                <a:effectLst/>
+                <a:effectLst>
+                  <a:outerShdw dist="38100" dir="2640000" algn="bl" rotWithShape="0">
+                    <a:schemeClr val="tx2">
+                      <a:lumMod val="75000"/>
+                    </a:schemeClr>
+                  </a:outerShdw>
+                </a:effectLst>
+              </a:rPr>
+              <a:t>домейн</a:t>
+            </a:r>
+            <a:r>
+              <a:rPr lang="ru-RU" sz="4000" b="1" dirty="0">
+                <a:ln w="12700">
+                  <a:solidFill>
+                    <a:schemeClr val="tx2">
+                      <a:lumMod val="75000"/>
+                    </a:schemeClr>
+                  </a:solidFill>
+                  <a:prstDash val="solid"/>
+                </a:ln>
+                <a:pattFill prst="dkUpDiag">
+                  <a:fgClr>
+                    <a:schemeClr val="tx2"/>
+                  </a:fgClr>
+                  <a:bgClr>
+                    <a:schemeClr val="tx2">
+                      <a:lumMod val="20000"/>
+                      <a:lumOff val="80000"/>
+                    </a:schemeClr>
+                  </a:bgClr>
+                </a:pattFill>
+                <a:effectLst>
+                  <a:outerShdw dist="38100" dir="2640000" algn="bl" rotWithShape="0">
+                    <a:schemeClr val="tx2">
+                      <a:lumMod val="75000"/>
+                    </a:schemeClr>
+                  </a:outerShdw>
+                </a:effectLst>
               </a:rPr>
               <a:t> дизайн</a:t>
             </a:r>
-            <a:endParaRPr lang="en-US" sz="5400" b="1" cap="none" spc="0" dirty="0">
-              <a:ln w="12700">
-                <a:solidFill>
-                  <a:schemeClr val="accent5"/>
-                </a:solidFill>
-                <a:prstDash val="solid"/>
-              </a:ln>
-              <a:pattFill prst="ltDnDiag">
-                <a:fgClr>
-                  <a:schemeClr val="accent5">
-                    <a:lumMod val="60000"/>
-                    <a:lumOff val="40000"/>
-                  </a:schemeClr>
-                </a:fgClr>
-                <a:bgClr>
-                  <a:schemeClr val="bg1"/>
-                </a:bgClr>
-              </a:pattFill>
-              <a:effectLst/>
-            </a:endParaRPr>
           </a:p>
         </p:txBody>
       </p:sp>
@@ -3319,837 +3404,6 @@
 </file>
 
 <file path=ppt/slides/slide10.xml><?xml version="1.0" encoding="utf-8"?>
-<p:sld xmlns:a="http://schemas.openxmlformats.org/drawingml/2006/main" xmlns:r="http://schemas.openxmlformats.org/officeDocument/2006/relationships" xmlns:p="http://schemas.openxmlformats.org/presentationml/2006/main">
-  <p:cSld>
-    <p:spTree>
-      <p:nvGrpSpPr>
-        <p:cNvPr id="1" name=""/>
-        <p:cNvGrpSpPr/>
-        <p:nvPr/>
-      </p:nvGrpSpPr>
-      <p:grpSpPr>
-        <a:xfrm>
-          <a:off x="0" y="0"/>
-          <a:ext cx="0" cy="0"/>
-          <a:chOff x="0" y="0"/>
-          <a:chExt cx="0" cy="0"/>
-        </a:xfrm>
-      </p:grpSpPr>
-      <p:pic>
-        <p:nvPicPr>
-          <p:cNvPr id="4" name="Picture 3"/>
-          <p:cNvPicPr>
-            <a:picLocks noChangeAspect="1"/>
-          </p:cNvPicPr>
-          <p:nvPr/>
-        </p:nvPicPr>
-        <p:blipFill>
-          <a:blip r:embed="rId2">
-            <a:extLst>
-              <a:ext uri="{28A0092B-C50C-407E-A947-70E740481C1C}">
-                <a14:useLocalDpi xmlns:a14="http://schemas.microsoft.com/office/drawing/2010/main" val="0"/>
-              </a:ext>
-            </a:extLst>
-          </a:blip>
-          <a:stretch>
-            <a:fillRect/>
-          </a:stretch>
-        </p:blipFill>
-        <p:spPr>
-          <a:xfrm>
-            <a:off x="0" y="-7166"/>
-            <a:ext cx="12192000" cy="6874593"/>
-          </a:xfrm>
-          <a:prstGeom prst="rect">
-            <a:avLst/>
-          </a:prstGeom>
-        </p:spPr>
-      </p:pic>
-      <p:sp>
-        <p:nvSpPr>
-          <p:cNvPr id="8" name="Rectangle 7"/>
-          <p:cNvSpPr/>
-          <p:nvPr/>
-        </p:nvSpPr>
-        <p:spPr>
-          <a:xfrm>
-            <a:off x="2368407" y="2625226"/>
-            <a:ext cx="8619958" cy="707886"/>
-          </a:xfrm>
-          <a:prstGeom prst="rect">
-            <a:avLst/>
-          </a:prstGeom>
-        </p:spPr>
-        <p:txBody>
-          <a:bodyPr wrap="square">
-            <a:spAutoFit/>
-          </a:bodyPr>
-          <a:lstStyle/>
-          <a:p>
-            <a:pPr algn="ctr"/>
-            <a:r>
-              <a:rPr lang="en-US" sz="4000" b="1" cap="none" spc="0" dirty="0">
-                <a:ln w="12700">
-                  <a:solidFill>
-                    <a:schemeClr val="tx2">
-                      <a:lumMod val="75000"/>
-                    </a:schemeClr>
-                  </a:solidFill>
-                  <a:prstDash val="solid"/>
-                </a:ln>
-                <a:pattFill prst="dkUpDiag">
-                  <a:fgClr>
-                    <a:schemeClr val="tx2"/>
-                  </a:fgClr>
-                  <a:bgClr>
-                    <a:schemeClr val="tx2">
-                      <a:lumMod val="20000"/>
-                      <a:lumOff val="80000"/>
-                    </a:schemeClr>
-                  </a:bgClr>
-                </a:pattFill>
-                <a:effectLst>
-                  <a:outerShdw dist="38100" dir="2640000" algn="bl" rotWithShape="0">
-                    <a:schemeClr val="tx2">
-                      <a:lumMod val="75000"/>
-                    </a:schemeClr>
-                  </a:outerShdw>
-                </a:effectLst>
-              </a:rPr>
-              <a:t>Functional Programming</a:t>
-            </a:r>
-          </a:p>
-        </p:txBody>
-      </p:sp>
-      <p:pic>
-        <p:nvPicPr>
-          <p:cNvPr id="6" name="Picture 5" descr="https://devadventures.net/wp-content/uploads/2018/09/lambda-c-sharp.png"/>
-          <p:cNvPicPr>
-            <a:picLocks noChangeAspect="1" noChangeArrowheads="1"/>
-          </p:cNvPicPr>
-          <p:nvPr/>
-        </p:nvPicPr>
-        <p:blipFill>
-          <a:blip r:embed="rId3">
-            <a:extLst>
-              <a:ext uri="{28A0092B-C50C-407E-A947-70E740481C1C}">
-                <a14:useLocalDpi xmlns:a14="http://schemas.microsoft.com/office/drawing/2010/main" val="0"/>
-              </a:ext>
-            </a:extLst>
-          </a:blip>
-          <a:srcRect/>
-          <a:stretch>
-            <a:fillRect/>
-          </a:stretch>
-        </p:blipFill>
-        <p:spPr bwMode="auto">
-          <a:xfrm>
-            <a:off x="-52134" y="3266381"/>
-            <a:ext cx="6943725" cy="3905846"/>
-          </a:xfrm>
-          <a:prstGeom prst="rect">
-            <a:avLst/>
-          </a:prstGeom>
-          <a:noFill/>
-          <a:extLst>
-            <a:ext uri="{909E8E84-426E-40DD-AFC4-6F175D3DCCD1}">
-              <a14:hiddenFill xmlns:a14="http://schemas.microsoft.com/office/drawing/2010/main">
-                <a:solidFill>
-                  <a:srgbClr val="FFFFFF"/>
-                </a:solidFill>
-              </a14:hiddenFill>
-            </a:ext>
-          </a:extLst>
-        </p:spPr>
-      </p:pic>
-      <p:sp>
-        <p:nvSpPr>
-          <p:cNvPr id="10" name="Rectangle 9"/>
-          <p:cNvSpPr/>
-          <p:nvPr/>
-        </p:nvSpPr>
-        <p:spPr>
-          <a:xfrm>
-            <a:off x="5377026" y="3560476"/>
-            <a:ext cx="2100263" cy="1077218"/>
-          </a:xfrm>
-          <a:prstGeom prst="rect">
-            <a:avLst/>
-          </a:prstGeom>
-        </p:spPr>
-        <p:txBody>
-          <a:bodyPr wrap="square">
-            <a:spAutoFit/>
-          </a:bodyPr>
-          <a:lstStyle>
-            <a:defPPr>
-              <a:defRPr lang="en-US"/>
-            </a:defPPr>
-            <a:lvl1pPr marL="0" algn="l" defTabSz="914400" rtl="0" eaLnBrk="1" latinLnBrk="0" hangingPunct="1">
-              <a:defRPr sz="1800" kern="1200">
-                <a:solidFill>
-                  <a:schemeClr val="tx1"/>
-                </a:solidFill>
-                <a:latin typeface="+mn-lt"/>
-                <a:ea typeface="+mn-ea"/>
-                <a:cs typeface="+mn-cs"/>
-              </a:defRPr>
-            </a:lvl1pPr>
-            <a:lvl2pPr marL="457200" algn="l" defTabSz="914400" rtl="0" eaLnBrk="1" latinLnBrk="0" hangingPunct="1">
-              <a:defRPr sz="1800" kern="1200">
-                <a:solidFill>
-                  <a:schemeClr val="tx1"/>
-                </a:solidFill>
-                <a:latin typeface="+mn-lt"/>
-                <a:ea typeface="+mn-ea"/>
-                <a:cs typeface="+mn-cs"/>
-              </a:defRPr>
-            </a:lvl2pPr>
-            <a:lvl3pPr marL="914400" algn="l" defTabSz="914400" rtl="0" eaLnBrk="1" latinLnBrk="0" hangingPunct="1">
-              <a:defRPr sz="1800" kern="1200">
-                <a:solidFill>
-                  <a:schemeClr val="tx1"/>
-                </a:solidFill>
-                <a:latin typeface="+mn-lt"/>
-                <a:ea typeface="+mn-ea"/>
-                <a:cs typeface="+mn-cs"/>
-              </a:defRPr>
-            </a:lvl3pPr>
-            <a:lvl4pPr marL="1371600" algn="l" defTabSz="914400" rtl="0" eaLnBrk="1" latinLnBrk="0" hangingPunct="1">
-              <a:defRPr sz="1800" kern="1200">
-                <a:solidFill>
-                  <a:schemeClr val="tx1"/>
-                </a:solidFill>
-                <a:latin typeface="+mn-lt"/>
-                <a:ea typeface="+mn-ea"/>
-                <a:cs typeface="+mn-cs"/>
-              </a:defRPr>
-            </a:lvl4pPr>
-            <a:lvl5pPr marL="1828800" algn="l" defTabSz="914400" rtl="0" eaLnBrk="1" latinLnBrk="0" hangingPunct="1">
-              <a:defRPr sz="1800" kern="1200">
-                <a:solidFill>
-                  <a:schemeClr val="tx1"/>
-                </a:solidFill>
-                <a:latin typeface="+mn-lt"/>
-                <a:ea typeface="+mn-ea"/>
-                <a:cs typeface="+mn-cs"/>
-              </a:defRPr>
-            </a:lvl5pPr>
-            <a:lvl6pPr marL="2286000" algn="l" defTabSz="914400" rtl="0" eaLnBrk="1" latinLnBrk="0" hangingPunct="1">
-              <a:defRPr sz="1800" kern="1200">
-                <a:solidFill>
-                  <a:schemeClr val="tx1"/>
-                </a:solidFill>
-                <a:latin typeface="+mn-lt"/>
-                <a:ea typeface="+mn-ea"/>
-                <a:cs typeface="+mn-cs"/>
-              </a:defRPr>
-            </a:lvl6pPr>
-            <a:lvl7pPr marL="2743200" algn="l" defTabSz="914400" rtl="0" eaLnBrk="1" latinLnBrk="0" hangingPunct="1">
-              <a:defRPr sz="1800" kern="1200">
-                <a:solidFill>
-                  <a:schemeClr val="tx1"/>
-                </a:solidFill>
-                <a:latin typeface="+mn-lt"/>
-                <a:ea typeface="+mn-ea"/>
-                <a:cs typeface="+mn-cs"/>
-              </a:defRPr>
-            </a:lvl7pPr>
-            <a:lvl8pPr marL="3200400" algn="l" defTabSz="914400" rtl="0" eaLnBrk="1" latinLnBrk="0" hangingPunct="1">
-              <a:defRPr sz="1800" kern="1200">
-                <a:solidFill>
-                  <a:schemeClr val="tx1"/>
-                </a:solidFill>
-                <a:latin typeface="+mn-lt"/>
-                <a:ea typeface="+mn-ea"/>
-                <a:cs typeface="+mn-cs"/>
-              </a:defRPr>
-            </a:lvl8pPr>
-            <a:lvl9pPr marL="3657600" algn="l" defTabSz="914400" rtl="0" eaLnBrk="1" latinLnBrk="0" hangingPunct="1">
-              <a:defRPr sz="1800" kern="1200">
-                <a:solidFill>
-                  <a:schemeClr val="tx1"/>
-                </a:solidFill>
-                <a:latin typeface="+mn-lt"/>
-                <a:ea typeface="+mn-ea"/>
-                <a:cs typeface="+mn-cs"/>
-              </a:defRPr>
-            </a:lvl9pPr>
-          </a:lstStyle>
-          <a:p>
-            <a:r>
-              <a:rPr lang="en-US" sz="4400" dirty="0">
-                <a:solidFill>
-                  <a:srgbClr val="000000"/>
-                </a:solidFill>
-              </a:rPr>
-              <a:t>Why?</a:t>
-            </a:r>
-            <a:endParaRPr lang="en-US" sz="2000" dirty="0"/>
-          </a:p>
-          <a:p>
-            <a:pPr fontAlgn="base">
-              <a:buFont typeface="Arial" panose="020B0604020202020204" pitchFamily="34" charset="0"/>
-              <a:buChar char="•"/>
-            </a:pPr>
-            <a:r>
-              <a:rPr lang="en-US" sz="2000" dirty="0">
-                <a:solidFill>
-                  <a:srgbClr val="000000"/>
-                </a:solidFill>
-              </a:rPr>
-              <a:t>Purity</a:t>
-            </a:r>
-          </a:p>
-        </p:txBody>
-      </p:sp>
-      <p:pic>
-        <p:nvPicPr>
-          <p:cNvPr id="7" name="Picture 2" descr="https://devadventures.net/wp-content/uploads/2018/09/lambda-c-sharp.png"/>
-          <p:cNvPicPr>
-            <a:picLocks noChangeAspect="1" noChangeArrowheads="1"/>
-          </p:cNvPicPr>
-          <p:nvPr/>
-        </p:nvPicPr>
-        <p:blipFill>
-          <a:blip r:embed="rId4">
-            <a:extLst>
-              <a:ext uri="{28A0092B-C50C-407E-A947-70E740481C1C}">
-                <a14:useLocalDpi xmlns:a14="http://schemas.microsoft.com/office/drawing/2010/main" val="0"/>
-              </a:ext>
-            </a:extLst>
-          </a:blip>
-          <a:srcRect/>
-          <a:stretch>
-            <a:fillRect/>
-          </a:stretch>
-        </p:blipFill>
-        <p:spPr bwMode="auto">
-          <a:xfrm>
-            <a:off x="-1334040" y="3168313"/>
-            <a:ext cx="6943725" cy="3905846"/>
-          </a:xfrm>
-          <a:prstGeom prst="rect">
-            <a:avLst/>
-          </a:prstGeom>
-          <a:noFill/>
-          <a:extLst>
-            <a:ext uri="{909E8E84-426E-40DD-AFC4-6F175D3DCCD1}">
-              <a14:hiddenFill xmlns:a14="http://schemas.microsoft.com/office/drawing/2010/main">
-                <a:solidFill>
-                  <a:srgbClr val="FFFFFF"/>
-                </a:solidFill>
-              </a14:hiddenFill>
-            </a:ext>
-          </a:extLst>
-        </p:spPr>
-      </p:pic>
-      <p:pic>
-        <p:nvPicPr>
-          <p:cNvPr id="9" name="Picture 2" descr="https://devadventures.net/wp-content/uploads/2018/09/lambda-c-sharp.png"/>
-          <p:cNvPicPr>
-            <a:picLocks noChangeAspect="1" noChangeArrowheads="1"/>
-          </p:cNvPicPr>
-          <p:nvPr/>
-        </p:nvPicPr>
-        <p:blipFill>
-          <a:blip r:embed="rId5">
-            <a:extLst>
-              <a:ext uri="{28A0092B-C50C-407E-A947-70E740481C1C}">
-                <a14:useLocalDpi xmlns:a14="http://schemas.microsoft.com/office/drawing/2010/main" val="0"/>
-              </a:ext>
-            </a:extLst>
-          </a:blip>
-          <a:srcRect/>
-          <a:stretch>
-            <a:fillRect/>
-          </a:stretch>
-        </p:blipFill>
-        <p:spPr bwMode="auto">
-          <a:xfrm>
-            <a:off x="-1360107" y="3266381"/>
-            <a:ext cx="6943725" cy="3905846"/>
-          </a:xfrm>
-          <a:prstGeom prst="rect">
-            <a:avLst/>
-          </a:prstGeom>
-          <a:noFill/>
-          <a:extLst>
-            <a:ext uri="{909E8E84-426E-40DD-AFC4-6F175D3DCCD1}">
-              <a14:hiddenFill xmlns:a14="http://schemas.microsoft.com/office/drawing/2010/main">
-                <a:solidFill>
-                  <a:srgbClr val="FFFFFF"/>
-                </a:solidFill>
-              </a14:hiddenFill>
-            </a:ext>
-          </a:extLst>
-        </p:spPr>
-      </p:pic>
-      <p:pic>
-        <p:nvPicPr>
-          <p:cNvPr id="11" name="Picture 2" descr="https://devadventures.net/wp-content/uploads/2018/09/lambda-c-sharp.png"/>
-          <p:cNvPicPr>
-            <a:picLocks noChangeAspect="1" noChangeArrowheads="1"/>
-          </p:cNvPicPr>
-          <p:nvPr/>
-        </p:nvPicPr>
-        <p:blipFill>
-          <a:blip r:embed="rId6">
-            <a:extLst>
-              <a:ext uri="{28A0092B-C50C-407E-A947-70E740481C1C}">
-                <a14:useLocalDpi xmlns:a14="http://schemas.microsoft.com/office/drawing/2010/main" val="0"/>
-              </a:ext>
-            </a:extLst>
-          </a:blip>
-          <a:srcRect/>
-          <a:stretch>
-            <a:fillRect/>
-          </a:stretch>
-        </p:blipFill>
-        <p:spPr bwMode="auto">
-          <a:xfrm>
-            <a:off x="-826851" y="3266381"/>
-            <a:ext cx="6943725" cy="3905846"/>
-          </a:xfrm>
-          <a:prstGeom prst="rect">
-            <a:avLst/>
-          </a:prstGeom>
-          <a:noFill/>
-          <a:extLst>
-            <a:ext uri="{909E8E84-426E-40DD-AFC4-6F175D3DCCD1}">
-              <a14:hiddenFill xmlns:a14="http://schemas.microsoft.com/office/drawing/2010/main">
-                <a:solidFill>
-                  <a:srgbClr val="FFFFFF"/>
-                </a:solidFill>
-              </a14:hiddenFill>
-            </a:ext>
-          </a:extLst>
-        </p:spPr>
-      </p:pic>
-      <p:sp>
-        <p:nvSpPr>
-          <p:cNvPr id="3" name="Rectangle 2"/>
-          <p:cNvSpPr/>
-          <p:nvPr/>
-        </p:nvSpPr>
-        <p:spPr>
-          <a:xfrm>
-            <a:off x="6237122" y="4237584"/>
-            <a:ext cx="6096000" cy="400110"/>
-          </a:xfrm>
-          <a:prstGeom prst="rect">
-            <a:avLst/>
-          </a:prstGeom>
-        </p:spPr>
-        <p:txBody>
-          <a:bodyPr>
-            <a:spAutoFit/>
-          </a:bodyPr>
-          <a:lstStyle/>
-          <a:p>
-            <a:pPr fontAlgn="base">
-              <a:buFont typeface="Arial" panose="020B0604020202020204" pitchFamily="34" charset="0"/>
-              <a:buChar char="•"/>
-            </a:pPr>
-            <a:r>
-              <a:rPr lang="en-US" sz="2000" dirty="0">
-                <a:solidFill>
-                  <a:srgbClr val="000000"/>
-                </a:solidFill>
-              </a:rPr>
-              <a:t>Expressiveness</a:t>
-            </a:r>
-          </a:p>
-        </p:txBody>
-      </p:sp>
-      <p:sp>
-        <p:nvSpPr>
-          <p:cNvPr id="5" name="Rectangle 4"/>
-          <p:cNvSpPr/>
-          <p:nvPr/>
-        </p:nvSpPr>
-        <p:spPr>
-          <a:xfrm>
-            <a:off x="7981997" y="4242374"/>
-            <a:ext cx="1633717" cy="400110"/>
-          </a:xfrm>
-          <a:prstGeom prst="rect">
-            <a:avLst/>
-          </a:prstGeom>
-        </p:spPr>
-        <p:txBody>
-          <a:bodyPr wrap="none">
-            <a:spAutoFit/>
-          </a:bodyPr>
-          <a:lstStyle/>
-          <a:p>
-            <a:pPr fontAlgn="base">
-              <a:spcAft>
-                <a:spcPts val="1600"/>
-              </a:spcAft>
-              <a:buFont typeface="Arial" panose="020B0604020202020204" pitchFamily="34" charset="0"/>
-              <a:buChar char="•"/>
-            </a:pPr>
-            <a:r>
-              <a:rPr lang="en-US" sz="2000" dirty="0">
-                <a:solidFill>
-                  <a:srgbClr val="000000"/>
-                </a:solidFill>
-              </a:rPr>
-              <a:t>Type – safety</a:t>
-            </a:r>
-          </a:p>
-        </p:txBody>
-      </p:sp>
-      <p:pic>
-        <p:nvPicPr>
-          <p:cNvPr id="1026" name="Picture 2"/>
-          <p:cNvPicPr>
-            <a:picLocks noChangeAspect="1" noChangeArrowheads="1"/>
-          </p:cNvPicPr>
-          <p:nvPr/>
-        </p:nvPicPr>
-        <p:blipFill>
-          <a:blip r:embed="rId7">
-            <a:extLst>
-              <a:ext uri="{28A0092B-C50C-407E-A947-70E740481C1C}">
-                <a14:useLocalDpi xmlns:a14="http://schemas.microsoft.com/office/drawing/2010/main" val="0"/>
-              </a:ext>
-            </a:extLst>
-          </a:blip>
-          <a:srcRect/>
-          <a:stretch>
-            <a:fillRect/>
-          </a:stretch>
-        </p:blipFill>
-        <p:spPr bwMode="auto">
-          <a:xfrm>
-            <a:off x="6116873" y="4842460"/>
-            <a:ext cx="5561779" cy="1747225"/>
-          </a:xfrm>
-          <a:prstGeom prst="rect">
-            <a:avLst/>
-          </a:prstGeom>
-          <a:noFill/>
-          <a:ln>
-            <a:noFill/>
-          </a:ln>
-          <a:effectLst/>
-          <a:extLst>
-            <a:ext uri="{909E8E84-426E-40DD-AFC4-6F175D3DCCD1}">
-              <a14:hiddenFill xmlns:a14="http://schemas.microsoft.com/office/drawing/2010/main">
-                <a:solidFill>
-                  <a:schemeClr val="accent1"/>
-                </a:solidFill>
-              </a14:hiddenFill>
-            </a:ext>
-            <a:ext uri="{91240B29-F687-4F45-9708-019B960494DF}">
-              <a14:hiddenLine xmlns:a14="http://schemas.microsoft.com/office/drawing/2010/main" w="9525">
-                <a:solidFill>
-                  <a:schemeClr val="tx1"/>
-                </a:solidFill>
-                <a:miter lim="800000"/>
-                <a:headEnd/>
-                <a:tailEnd/>
-              </a14:hiddenLine>
-            </a:ext>
-            <a:ext uri="{AF507438-7753-43E0-B8FC-AC1667EBCBE1}">
-              <a14:hiddenEffects xmlns:a14="http://schemas.microsoft.com/office/drawing/2010/main">
-                <a:effectLst>
-                  <a:outerShdw dist="35921" dir="2700000" algn="ctr" rotWithShape="0">
-                    <a:schemeClr val="bg2"/>
-                  </a:outerShdw>
-                </a:effectLst>
-              </a14:hiddenEffects>
-            </a:ext>
-          </a:extLst>
-        </p:spPr>
-      </p:pic>
-      <p:sp>
-        <p:nvSpPr>
-          <p:cNvPr id="12" name="Rectangle 11"/>
-          <p:cNvSpPr/>
-          <p:nvPr/>
-        </p:nvSpPr>
-        <p:spPr>
-          <a:xfrm>
-            <a:off x="9615714" y="4247164"/>
-            <a:ext cx="2416239" cy="400110"/>
-          </a:xfrm>
-          <a:prstGeom prst="rect">
-            <a:avLst/>
-          </a:prstGeom>
-        </p:spPr>
-        <p:txBody>
-          <a:bodyPr wrap="none">
-            <a:spAutoFit/>
-          </a:bodyPr>
-          <a:lstStyle/>
-          <a:p>
-            <a:pPr fontAlgn="base">
-              <a:spcAft>
-                <a:spcPts val="1600"/>
-              </a:spcAft>
-              <a:buFont typeface="Arial" panose="020B0604020202020204" pitchFamily="34" charset="0"/>
-              <a:buChar char="•"/>
-            </a:pPr>
-            <a:r>
-              <a:rPr lang="en-US" sz="2000" dirty="0">
-                <a:solidFill>
-                  <a:srgbClr val="000000"/>
-                </a:solidFill>
-              </a:rPr>
-              <a:t>Ubiquitous language</a:t>
-            </a:r>
-          </a:p>
-        </p:txBody>
-      </p:sp>
-    </p:spTree>
-    <p:extLst>
-      <p:ext uri="{BB962C8B-B14F-4D97-AF65-F5344CB8AC3E}">
-        <p14:creationId xmlns:p14="http://schemas.microsoft.com/office/powerpoint/2010/main" val="1831765684"/>
-      </p:ext>
-    </p:extLst>
-  </p:cSld>
-  <p:clrMapOvr>
-    <a:masterClrMapping/>
-  </p:clrMapOvr>
-  <mc:AlternateContent xmlns:mc="http://schemas.openxmlformats.org/markup-compatibility/2006" xmlns:p14="http://schemas.microsoft.com/office/powerpoint/2010/main">
-    <mc:Choice Requires="p14">
-      <p:transition spd="slow" p14:dur="800">
-        <p:circle/>
-      </p:transition>
-    </mc:Choice>
-    <mc:Fallback xmlns="">
-      <p:transition spd="slow">
-        <p:circle/>
-      </p:transition>
-    </mc:Fallback>
-  </mc:AlternateContent>
-</p:sld>
-</file>
-
-<file path=ppt/slides/slide11.xml><?xml version="1.0" encoding="utf-8"?>
-<p:sld xmlns:a="http://schemas.openxmlformats.org/drawingml/2006/main" xmlns:r="http://schemas.openxmlformats.org/officeDocument/2006/relationships" xmlns:p="http://schemas.openxmlformats.org/presentationml/2006/main">
-  <p:cSld>
-    <p:spTree>
-      <p:nvGrpSpPr>
-        <p:cNvPr id="1" name=""/>
-        <p:cNvGrpSpPr/>
-        <p:nvPr/>
-      </p:nvGrpSpPr>
-      <p:grpSpPr>
-        <a:xfrm>
-          <a:off x="0" y="0"/>
-          <a:ext cx="0" cy="0"/>
-          <a:chOff x="0" y="0"/>
-          <a:chExt cx="0" cy="0"/>
-        </a:xfrm>
-      </p:grpSpPr>
-      <p:pic>
-        <p:nvPicPr>
-          <p:cNvPr id="4" name="Picture 3"/>
-          <p:cNvPicPr>
-            <a:picLocks noChangeAspect="1"/>
-          </p:cNvPicPr>
-          <p:nvPr/>
-        </p:nvPicPr>
-        <p:blipFill>
-          <a:blip r:embed="rId2">
-            <a:extLst>
-              <a:ext uri="{28A0092B-C50C-407E-A947-70E740481C1C}">
-                <a14:useLocalDpi xmlns:a14="http://schemas.microsoft.com/office/drawing/2010/main" val="0"/>
-              </a:ext>
-            </a:extLst>
-          </a:blip>
-          <a:stretch>
-            <a:fillRect/>
-          </a:stretch>
-        </p:blipFill>
-        <p:spPr>
-          <a:xfrm>
-            <a:off x="0" y="-26020"/>
-            <a:ext cx="12192000" cy="6874593"/>
-          </a:xfrm>
-          <a:prstGeom prst="rect">
-            <a:avLst/>
-          </a:prstGeom>
-        </p:spPr>
-      </p:pic>
-      <p:sp>
-        <p:nvSpPr>
-          <p:cNvPr id="8" name="Rectangle 7"/>
-          <p:cNvSpPr/>
-          <p:nvPr/>
-        </p:nvSpPr>
-        <p:spPr>
-          <a:xfrm>
-            <a:off x="1786021" y="2712817"/>
-            <a:ext cx="8619958" cy="707886"/>
-          </a:xfrm>
-          <a:prstGeom prst="rect">
-            <a:avLst/>
-          </a:prstGeom>
-        </p:spPr>
-        <p:txBody>
-          <a:bodyPr wrap="square">
-            <a:spAutoFit/>
-          </a:bodyPr>
-          <a:lstStyle/>
-          <a:p>
-            <a:pPr algn="ctr"/>
-            <a:r>
-              <a:rPr lang="en-US" sz="4000" b="1" dirty="0">
-                <a:ln w="12700">
-                  <a:solidFill>
-                    <a:schemeClr val="tx2">
-                      <a:lumMod val="75000"/>
-                    </a:schemeClr>
-                  </a:solidFill>
-                  <a:prstDash val="solid"/>
-                </a:ln>
-                <a:pattFill prst="dkUpDiag">
-                  <a:fgClr>
-                    <a:schemeClr val="tx2"/>
-                  </a:fgClr>
-                  <a:bgClr>
-                    <a:schemeClr val="tx2">
-                      <a:lumMod val="20000"/>
-                      <a:lumOff val="80000"/>
-                    </a:schemeClr>
-                  </a:bgClr>
-                </a:pattFill>
-                <a:effectLst>
-                  <a:outerShdw dist="38100" dir="2640000" algn="bl" rotWithShape="0">
-                    <a:schemeClr val="tx2">
-                      <a:lumMod val="75000"/>
-                    </a:schemeClr>
-                  </a:outerShdw>
-                </a:effectLst>
-              </a:rPr>
-              <a:t>Thin Controllers</a:t>
-            </a:r>
-            <a:endParaRPr lang="en-US" sz="4000" b="1" cap="none" spc="0" dirty="0">
-              <a:ln w="12700">
-                <a:solidFill>
-                  <a:schemeClr val="tx2">
-                    <a:lumMod val="75000"/>
-                  </a:schemeClr>
-                </a:solidFill>
-                <a:prstDash val="solid"/>
-              </a:ln>
-              <a:pattFill prst="dkUpDiag">
-                <a:fgClr>
-                  <a:schemeClr val="tx2"/>
-                </a:fgClr>
-                <a:bgClr>
-                  <a:schemeClr val="tx2">
-                    <a:lumMod val="20000"/>
-                    <a:lumOff val="80000"/>
-                  </a:schemeClr>
-                </a:bgClr>
-              </a:pattFill>
-              <a:effectLst>
-                <a:outerShdw dist="38100" dir="2640000" algn="bl" rotWithShape="0">
-                  <a:schemeClr val="tx2">
-                    <a:lumMod val="75000"/>
-                  </a:schemeClr>
-                </a:outerShdw>
-              </a:effectLst>
-            </a:endParaRPr>
-          </a:p>
-        </p:txBody>
-      </p:sp>
-      <p:pic>
-        <p:nvPicPr>
-          <p:cNvPr id="2050" name="Picture 2"/>
-          <p:cNvPicPr>
-            <a:picLocks noChangeAspect="1" noChangeArrowheads="1"/>
-          </p:cNvPicPr>
-          <p:nvPr/>
-        </p:nvPicPr>
-        <p:blipFill>
-          <a:blip r:embed="rId3">
-            <a:extLst>
-              <a:ext uri="{28A0092B-C50C-407E-A947-70E740481C1C}">
-                <a14:useLocalDpi xmlns:a14="http://schemas.microsoft.com/office/drawing/2010/main" val="0"/>
-              </a:ext>
-            </a:extLst>
-          </a:blip>
-          <a:srcRect/>
-          <a:stretch>
-            <a:fillRect/>
-          </a:stretch>
-        </p:blipFill>
-        <p:spPr bwMode="auto">
-          <a:xfrm>
-            <a:off x="2215064" y="3830053"/>
-            <a:ext cx="7761872" cy="2629392"/>
-          </a:xfrm>
-          <a:prstGeom prst="rect">
-            <a:avLst/>
-          </a:prstGeom>
-          <a:noFill/>
-          <a:ln>
-            <a:noFill/>
-          </a:ln>
-          <a:effectLst/>
-          <a:extLst>
-            <a:ext uri="{909E8E84-426E-40DD-AFC4-6F175D3DCCD1}">
-              <a14:hiddenFill xmlns:a14="http://schemas.microsoft.com/office/drawing/2010/main">
-                <a:solidFill>
-                  <a:schemeClr val="accent1"/>
-                </a:solidFill>
-              </a14:hiddenFill>
-            </a:ext>
-            <a:ext uri="{91240B29-F687-4F45-9708-019B960494DF}">
-              <a14:hiddenLine xmlns:a14="http://schemas.microsoft.com/office/drawing/2010/main" w="9525">
-                <a:solidFill>
-                  <a:schemeClr val="tx1"/>
-                </a:solidFill>
-                <a:miter lim="800000"/>
-                <a:headEnd/>
-                <a:tailEnd/>
-              </a14:hiddenLine>
-            </a:ext>
-            <a:ext uri="{AF507438-7753-43E0-B8FC-AC1667EBCBE1}">
-              <a14:hiddenEffects xmlns:a14="http://schemas.microsoft.com/office/drawing/2010/main">
-                <a:effectLst>
-                  <a:outerShdw dist="35921" dir="2700000" algn="ctr" rotWithShape="0">
-                    <a:schemeClr val="bg2"/>
-                  </a:outerShdw>
-                </a:effectLst>
-              </a14:hiddenEffects>
-            </a:ext>
-          </a:extLst>
-        </p:spPr>
-      </p:pic>
-    </p:spTree>
-    <p:extLst>
-      <p:ext uri="{BB962C8B-B14F-4D97-AF65-F5344CB8AC3E}">
-        <p14:creationId xmlns:p14="http://schemas.microsoft.com/office/powerpoint/2010/main" val="3199653885"/>
-      </p:ext>
-    </p:extLst>
-  </p:cSld>
-  <p:clrMapOvr>
-    <a:masterClrMapping/>
-  </p:clrMapOvr>
-  <mc:AlternateContent xmlns:mc="http://schemas.openxmlformats.org/markup-compatibility/2006" xmlns:p14="http://schemas.microsoft.com/office/powerpoint/2010/main">
-    <mc:Choice Requires="p14">
-      <p:transition spd="slow" p14:dur="800">
-        <p:circle/>
-      </p:transition>
-    </mc:Choice>
-    <mc:Fallback xmlns="">
-      <p:transition spd="slow">
-        <p:circle/>
-      </p:transition>
-    </mc:Fallback>
-  </mc:AlternateContent>
-</p:sld>
-</file>
-
-<file path=ppt/slides/slide12.xml><?xml version="1.0" encoding="utf-8"?>
 <p:sld xmlns:a="http://schemas.openxmlformats.org/drawingml/2006/main" xmlns:r="http://schemas.openxmlformats.org/officeDocument/2006/relationships" xmlns:p="http://schemas.openxmlformats.org/presentationml/2006/main">
   <p:cSld>
     <p:spTree>
@@ -4196,106 +3450,15 @@
           </a:prstGeom>
         </p:spPr>
       </p:pic>
-      <p:sp>
-        <p:nvSpPr>
-          <p:cNvPr id="4" name="Content Placeholder 2"/>
-          <p:cNvSpPr>
-            <a:spLocks noGrp="1"/>
-          </p:cNvSpPr>
-          <p:nvPr>
-            <p:ph idx="1"/>
-          </p:nvPr>
-        </p:nvSpPr>
-        <p:spPr>
-          <a:xfrm>
-            <a:off x="805544" y="376363"/>
-            <a:ext cx="10042071" cy="772051"/>
-          </a:xfrm>
-        </p:spPr>
-        <p:txBody>
-          <a:bodyPr>
-            <a:noAutofit/>
-          </a:bodyPr>
-          <a:lstStyle/>
-          <a:p>
-            <a:pPr marL="0" indent="0" algn="just">
-              <a:buNone/>
-            </a:pPr>
-            <a:r>
-              <a:rPr lang="en-US" sz="4000" b="1" dirty="0">
-                <a:ln w="12700">
-                  <a:solidFill>
-                    <a:schemeClr val="tx2">
-                      <a:lumMod val="75000"/>
-                    </a:schemeClr>
-                  </a:solidFill>
-                  <a:prstDash val="solid"/>
-                </a:ln>
-                <a:pattFill prst="dkUpDiag">
-                  <a:fgClr>
-                    <a:schemeClr val="tx2"/>
-                  </a:fgClr>
-                  <a:bgClr>
-                    <a:schemeClr val="tx2">
-                      <a:lumMod val="20000"/>
-                      <a:lumOff val="80000"/>
-                    </a:schemeClr>
-                  </a:bgClr>
-                </a:pattFill>
-                <a:effectLst>
-                  <a:outerShdw dist="38100" dir="2640000" algn="bl" rotWithShape="0">
-                    <a:schemeClr val="tx2">
-                      <a:lumMod val="75000"/>
-                    </a:schemeClr>
-                  </a:outerShdw>
-                </a:effectLst>
-              </a:rPr>
-              <a:t>Hypermedia as the Engine of Application State</a:t>
-            </a:r>
-            <a:endParaRPr lang="en-US" sz="4000" dirty="0"/>
-          </a:p>
-        </p:txBody>
-      </p:sp>
-      <p:sp>
-        <p:nvSpPr>
-          <p:cNvPr id="2" name="Rectangle 1"/>
-          <p:cNvSpPr/>
-          <p:nvPr/>
-        </p:nvSpPr>
-        <p:spPr>
-          <a:xfrm>
-            <a:off x="869544" y="1148414"/>
-            <a:ext cx="9140729" cy="646331"/>
-          </a:xfrm>
-          <a:prstGeom prst="rect">
-            <a:avLst/>
-          </a:prstGeom>
-        </p:spPr>
-        <p:txBody>
-          <a:bodyPr wrap="square">
-            <a:spAutoFit/>
-          </a:bodyPr>
-          <a:lstStyle/>
-          <a:p>
-            <a:pPr algn="just"/>
-            <a:r>
-              <a:rPr lang="en-US" dirty="0"/>
-              <a:t>Provides</a:t>
-            </a:r>
-            <a:r>
-              <a:rPr lang="bg-BG" dirty="0"/>
-              <a:t> </a:t>
-            </a:r>
-            <a:r>
-              <a:rPr lang="en-US" dirty="0"/>
-              <a:t>hypermedia links in the response contents so that the client can dynamically navigate to the appropriate resource by traversing the hypermedia links. </a:t>
-            </a:r>
-          </a:p>
-        </p:txBody>
-      </p:sp>
       <p:pic>
         <p:nvPicPr>
-          <p:cNvPr id="3" name="Picture 2"/>
+          <p:cNvPr id="3" name="Picture 2">
+            <a:extLst>
+              <a:ext uri="{FF2B5EF4-FFF2-40B4-BE49-F238E27FC236}">
+                <a16:creationId xmlns:a16="http://schemas.microsoft.com/office/drawing/2014/main" id="{EEE78259-B7D7-4206-89DC-67412F5C9335}"/>
+              </a:ext>
+            </a:extLst>
+          </p:cNvPr>
           <p:cNvPicPr>
             <a:picLocks noChangeAspect="1"/>
           </p:cNvPicPr>
@@ -4309,113 +3472,23 @@
         </p:blipFill>
         <p:spPr>
           <a:xfrm>
-            <a:off x="482851" y="2154354"/>
-            <a:ext cx="8124825" cy="1752600"/>
+            <a:off x="-917358" y="-822121"/>
+            <a:ext cx="16007024" cy="8918043"/>
           </a:xfrm>
           <a:prstGeom prst="rect">
             <a:avLst/>
           </a:prstGeom>
         </p:spPr>
       </p:pic>
-      <p:pic>
-        <p:nvPicPr>
-          <p:cNvPr id="6" name="Picture 5"/>
-          <p:cNvPicPr>
-            <a:picLocks noChangeAspect="1"/>
-          </p:cNvPicPr>
-          <p:nvPr/>
-        </p:nvPicPr>
-        <p:blipFill>
-          <a:blip r:embed="rId4"/>
-          <a:stretch>
-            <a:fillRect/>
-          </a:stretch>
-        </p:blipFill>
-        <p:spPr>
-          <a:xfrm>
-            <a:off x="6587038" y="2154354"/>
-            <a:ext cx="4600575" cy="4448175"/>
-          </a:xfrm>
-          <a:prstGeom prst="rect">
-            <a:avLst/>
-          </a:prstGeom>
-        </p:spPr>
-      </p:pic>
-    </p:spTree>
-    <p:extLst>
-      <p:ext uri="{BB962C8B-B14F-4D97-AF65-F5344CB8AC3E}">
-        <p14:creationId xmlns:p14="http://schemas.microsoft.com/office/powerpoint/2010/main" val="1744031093"/>
-      </p:ext>
-    </p:extLst>
-  </p:cSld>
-  <p:clrMapOvr>
-    <a:masterClrMapping/>
-  </p:clrMapOvr>
-  <mc:AlternateContent xmlns:mc="http://schemas.openxmlformats.org/markup-compatibility/2006" xmlns:p14="http://schemas.microsoft.com/office/powerpoint/2010/main">
-    <mc:Choice Requires="p14">
-      <p:transition spd="slow" p14:dur="800">
-        <p:circle/>
-      </p:transition>
-    </mc:Choice>
-    <mc:Fallback xmlns="">
-      <p:transition spd="slow">
-        <p:circle/>
-      </p:transition>
-    </mc:Fallback>
-  </mc:AlternateContent>
-</p:sld>
-</file>
-
-<file path=ppt/slides/slide13.xml><?xml version="1.0" encoding="utf-8"?>
-<p:sld xmlns:a="http://schemas.openxmlformats.org/drawingml/2006/main" xmlns:r="http://schemas.openxmlformats.org/officeDocument/2006/relationships" xmlns:p="http://schemas.openxmlformats.org/presentationml/2006/main">
-  <p:cSld>
-    <p:spTree>
-      <p:nvGrpSpPr>
-        <p:cNvPr id="1" name=""/>
-        <p:cNvGrpSpPr/>
-        <p:nvPr/>
-      </p:nvGrpSpPr>
-      <p:grpSpPr>
-        <a:xfrm>
-          <a:off x="0" y="0"/>
-          <a:ext cx="0" cy="0"/>
-          <a:chOff x="0" y="0"/>
-          <a:chExt cx="0" cy="0"/>
-        </a:xfrm>
-      </p:grpSpPr>
-      <p:pic>
-        <p:nvPicPr>
-          <p:cNvPr id="5" name="Picture 4"/>
-          <p:cNvPicPr>
-            <a:picLocks noChangeAspect="1"/>
-          </p:cNvPicPr>
-          <p:nvPr/>
-        </p:nvPicPr>
-        <p:blipFill>
-          <a:blip r:embed="rId2">
+      <p:sp>
+        <p:nvSpPr>
+          <p:cNvPr id="9" name="Content Placeholder 2">
             <a:extLst>
-              <a:ext uri="{28A0092B-C50C-407E-A947-70E740481C1C}">
-                <a14:useLocalDpi xmlns:a14="http://schemas.microsoft.com/office/drawing/2010/main" val="0"/>
+              <a:ext uri="{FF2B5EF4-FFF2-40B4-BE49-F238E27FC236}">
+                <a16:creationId xmlns:a16="http://schemas.microsoft.com/office/drawing/2014/main" id="{E352CE76-D096-4298-BEE5-9D13307B332A}"/>
               </a:ext>
             </a:extLst>
-          </a:blip>
-          <a:stretch>
-            <a:fillRect/>
-          </a:stretch>
-        </p:blipFill>
-        <p:spPr>
-          <a:xfrm>
-            <a:off x="-54429" y="0"/>
-            <a:ext cx="12192000" cy="6858000"/>
-          </a:xfrm>
-          <a:prstGeom prst="rect">
-            <a:avLst/>
-          </a:prstGeom>
-        </p:spPr>
-      </p:pic>
-      <p:sp>
-        <p:nvSpPr>
-          <p:cNvPr id="4" name="Content Placeholder 2"/>
+          </p:cNvPr>
           <p:cNvSpPr>
             <a:spLocks noGrp="1"/>
           </p:cNvSpPr>
@@ -4425,8 +3498,8 @@
         </p:nvSpPr>
         <p:spPr>
           <a:xfrm>
-            <a:off x="1545880" y="554219"/>
-            <a:ext cx="10042071" cy="772051"/>
+            <a:off x="6560190" y="3305808"/>
+            <a:ext cx="5394121" cy="1903755"/>
           </a:xfrm>
         </p:spPr>
         <p:txBody>
@@ -4439,7 +3512,7 @@
               <a:buNone/>
             </a:pPr>
             <a:r>
-              <a:rPr lang="sv-SE" sz="4000" b="1" dirty="0">
+              <a:rPr lang="bg-BG" sz="4000" b="1" dirty="0">
                 <a:ln w="12700">
                   <a:solidFill>
                     <a:schemeClr val="tx2">
@@ -4467,42 +3540,12 @@
                   </a:outerShdw>
                 </a:effectLst>
               </a:rPr>
-              <a:t>Integration testing via Kastrel and Docker</a:t>
+              <a:t>Интеграционно тестване</a:t>
             </a:r>
             <a:endParaRPr lang="en-US" sz="4000" dirty="0"/>
           </a:p>
         </p:txBody>
       </p:sp>
-      <p:pic>
-        <p:nvPicPr>
-          <p:cNvPr id="7" name="Picture 6"/>
-          <p:cNvPicPr>
-            <a:picLocks noChangeAspect="1"/>
-          </p:cNvPicPr>
-          <p:nvPr/>
-        </p:nvPicPr>
-        <p:blipFill>
-          <a:blip r:embed="rId3">
-            <a:extLst>
-              <a:ext uri="{28A0092B-C50C-407E-A947-70E740481C1C}">
-                <a14:useLocalDpi xmlns:a14="http://schemas.microsoft.com/office/drawing/2010/main" val="0"/>
-              </a:ext>
-            </a:extLst>
-          </a:blip>
-          <a:stretch>
-            <a:fillRect/>
-          </a:stretch>
-        </p:blipFill>
-        <p:spPr>
-          <a:xfrm>
-            <a:off x="603456" y="1550174"/>
-            <a:ext cx="10876227" cy="5307826"/>
-          </a:xfrm>
-          <a:prstGeom prst="rect">
-            <a:avLst/>
-          </a:prstGeom>
-        </p:spPr>
-      </p:pic>
     </p:spTree>
     <p:extLst>
       <p:ext uri="{BB962C8B-B14F-4D97-AF65-F5344CB8AC3E}">
@@ -4528,7 +3571,7 @@
 </p:sld>
 </file>
 
-<file path=ppt/slides/slide14.xml><?xml version="1.0" encoding="utf-8"?>
+<file path=ppt/slides/slide11.xml><?xml version="1.0" encoding="utf-8"?>
 <p:sld xmlns:a="http://schemas.openxmlformats.org/drawingml/2006/main" xmlns:r="http://schemas.openxmlformats.org/officeDocument/2006/relationships" xmlns:p="http://schemas.openxmlformats.org/presentationml/2006/main">
   <p:cSld>
     <p:spTree>
@@ -4825,357 +3868,7 @@
 </p:sld>
 </file>
 
-<file path=ppt/slides/slide15.xml><?xml version="1.0" encoding="utf-8"?>
-<p:sld xmlns:a="http://schemas.openxmlformats.org/drawingml/2006/main" xmlns:r="http://schemas.openxmlformats.org/officeDocument/2006/relationships" xmlns:p="http://schemas.openxmlformats.org/presentationml/2006/main">
-  <p:cSld>
-    <p:spTree>
-      <p:nvGrpSpPr>
-        <p:cNvPr id="1" name=""/>
-        <p:cNvGrpSpPr/>
-        <p:nvPr/>
-      </p:nvGrpSpPr>
-      <p:grpSpPr>
-        <a:xfrm>
-          <a:off x="0" y="0"/>
-          <a:ext cx="0" cy="0"/>
-          <a:chOff x="0" y="0"/>
-          <a:chExt cx="0" cy="0"/>
-        </a:xfrm>
-      </p:grpSpPr>
-      <p:pic>
-        <p:nvPicPr>
-          <p:cNvPr id="5" name="Picture 4"/>
-          <p:cNvPicPr>
-            <a:picLocks noChangeAspect="1"/>
-          </p:cNvPicPr>
-          <p:nvPr/>
-        </p:nvPicPr>
-        <p:blipFill>
-          <a:blip r:embed="rId2">
-            <a:extLst>
-              <a:ext uri="{28A0092B-C50C-407E-A947-70E740481C1C}">
-                <a14:useLocalDpi xmlns:a14="http://schemas.microsoft.com/office/drawing/2010/main" val="0"/>
-              </a:ext>
-            </a:extLst>
-          </a:blip>
-          <a:stretch>
-            <a:fillRect/>
-          </a:stretch>
-        </p:blipFill>
-        <p:spPr>
-          <a:xfrm>
-            <a:off x="-54429" y="0"/>
-            <a:ext cx="12192000" cy="6858000"/>
-          </a:xfrm>
-          <a:prstGeom prst="rect">
-            <a:avLst/>
-          </a:prstGeom>
-        </p:spPr>
-      </p:pic>
-      <p:sp>
-        <p:nvSpPr>
-          <p:cNvPr id="4" name="Content Placeholder 2"/>
-          <p:cNvSpPr>
-            <a:spLocks noGrp="1"/>
-          </p:cNvSpPr>
-          <p:nvPr>
-            <p:ph idx="1"/>
-          </p:nvPr>
-        </p:nvSpPr>
-        <p:spPr>
-          <a:xfrm>
-            <a:off x="1020534" y="535931"/>
-            <a:ext cx="10042071" cy="772051"/>
-          </a:xfrm>
-        </p:spPr>
-        <p:txBody>
-          <a:bodyPr>
-            <a:noAutofit/>
-          </a:bodyPr>
-          <a:lstStyle/>
-          <a:p>
-            <a:pPr marL="0" indent="0" algn="ctr">
-              <a:buNone/>
-            </a:pPr>
-            <a:r>
-              <a:rPr lang="sv-SE" sz="4000" b="1" dirty="0">
-                <a:ln w="12700">
-                  <a:solidFill>
-                    <a:schemeClr val="tx2">
-                      <a:lumMod val="75000"/>
-                    </a:schemeClr>
-                  </a:solidFill>
-                  <a:prstDash val="solid"/>
-                </a:ln>
-                <a:pattFill prst="dkUpDiag">
-                  <a:fgClr>
-                    <a:schemeClr val="tx2"/>
-                  </a:fgClr>
-                  <a:bgClr>
-                    <a:schemeClr val="tx2">
-                      <a:lumMod val="20000"/>
-                      <a:lumOff val="80000"/>
-                    </a:schemeClr>
-                  </a:bgClr>
-                </a:pattFill>
-                <a:effectLst>
-                  <a:outerShdw dist="38100" dir="2640000" algn="bl" rotWithShape="0">
-                    <a:schemeClr val="tx2">
-                      <a:lumMod val="75000"/>
-                    </a:schemeClr>
-                  </a:outerShdw>
-                </a:effectLst>
-              </a:rPr>
-              <a:t>Health Checks UI</a:t>
-            </a:r>
-            <a:endParaRPr lang="en-US" sz="4000" dirty="0"/>
-          </a:p>
-        </p:txBody>
-      </p:sp>
-      <p:pic>
-        <p:nvPicPr>
-          <p:cNvPr id="2" name="Picture 1"/>
-          <p:cNvPicPr>
-            <a:picLocks noChangeAspect="1"/>
-          </p:cNvPicPr>
-          <p:nvPr/>
-        </p:nvPicPr>
-        <p:blipFill>
-          <a:blip r:embed="rId3">
-            <a:extLst>
-              <a:ext uri="{28A0092B-C50C-407E-A947-70E740481C1C}">
-                <a14:useLocalDpi xmlns:a14="http://schemas.microsoft.com/office/drawing/2010/main" val="0"/>
-              </a:ext>
-            </a:extLst>
-          </a:blip>
-          <a:stretch>
-            <a:fillRect/>
-          </a:stretch>
-        </p:blipFill>
-        <p:spPr>
-          <a:xfrm>
-            <a:off x="21461" y="1417710"/>
-            <a:ext cx="12040219" cy="5759746"/>
-          </a:xfrm>
-          <a:prstGeom prst="rect">
-            <a:avLst/>
-          </a:prstGeom>
-        </p:spPr>
-      </p:pic>
-    </p:spTree>
-    <p:extLst>
-      <p:ext uri="{BB962C8B-B14F-4D97-AF65-F5344CB8AC3E}">
-        <p14:creationId xmlns:p14="http://schemas.microsoft.com/office/powerpoint/2010/main" val="3392341862"/>
-      </p:ext>
-    </p:extLst>
-  </p:cSld>
-  <p:clrMapOvr>
-    <a:masterClrMapping/>
-  </p:clrMapOvr>
-  <mc:AlternateContent xmlns:mc="http://schemas.openxmlformats.org/markup-compatibility/2006" xmlns:p14="http://schemas.microsoft.com/office/powerpoint/2010/main">
-    <mc:Choice Requires="p14">
-      <p:transition spd="slow" p14:dur="800">
-        <p:circle/>
-      </p:transition>
-    </mc:Choice>
-    <mc:Fallback xmlns="">
-      <p:transition spd="slow">
-        <p:circle/>
-      </p:transition>
-    </mc:Fallback>
-  </mc:AlternateContent>
-</p:sld>
-</file>
-
-<file path=ppt/slides/slide16.xml><?xml version="1.0" encoding="utf-8"?>
-<p:sld xmlns:a="http://schemas.openxmlformats.org/drawingml/2006/main" xmlns:r="http://schemas.openxmlformats.org/officeDocument/2006/relationships" xmlns:p="http://schemas.openxmlformats.org/presentationml/2006/main">
-  <p:cSld>
-    <p:spTree>
-      <p:nvGrpSpPr>
-        <p:cNvPr id="1" name=""/>
-        <p:cNvGrpSpPr/>
-        <p:nvPr/>
-      </p:nvGrpSpPr>
-      <p:grpSpPr>
-        <a:xfrm>
-          <a:off x="0" y="0"/>
-          <a:ext cx="0" cy="0"/>
-          <a:chOff x="0" y="0"/>
-          <a:chExt cx="0" cy="0"/>
-        </a:xfrm>
-      </p:grpSpPr>
-      <p:pic>
-        <p:nvPicPr>
-          <p:cNvPr id="5" name="Picture 4">
-            <a:extLst>
-              <a:ext uri="{FF2B5EF4-FFF2-40B4-BE49-F238E27FC236}">
-                <a16:creationId xmlns:a16="http://schemas.microsoft.com/office/drawing/2014/main" id="{FB6FAC46-E960-4B9F-971E-A4BBA3FC43E7}"/>
-              </a:ext>
-            </a:extLst>
-          </p:cNvPr>
-          <p:cNvPicPr>
-            <a:picLocks noChangeAspect="1"/>
-          </p:cNvPicPr>
-          <p:nvPr/>
-        </p:nvPicPr>
-        <p:blipFill>
-          <a:blip r:embed="rId2"/>
-          <a:stretch>
-            <a:fillRect/>
-          </a:stretch>
-        </p:blipFill>
-        <p:spPr>
-          <a:xfrm>
-            <a:off x="1862361" y="0"/>
-            <a:ext cx="8467278" cy="6858000"/>
-          </a:xfrm>
-          <a:prstGeom prst="rect">
-            <a:avLst/>
-          </a:prstGeom>
-        </p:spPr>
-      </p:pic>
-    </p:spTree>
-    <p:extLst>
-      <p:ext uri="{BB962C8B-B14F-4D97-AF65-F5344CB8AC3E}">
-        <p14:creationId xmlns:p14="http://schemas.microsoft.com/office/powerpoint/2010/main" val="220256182"/>
-      </p:ext>
-    </p:extLst>
-  </p:cSld>
-  <p:clrMapOvr>
-    <a:masterClrMapping/>
-  </p:clrMapOvr>
-</p:sld>
-</file>
-
-<file path=ppt/slides/slide17.xml><?xml version="1.0" encoding="utf-8"?>
-<p:sld xmlns:a="http://schemas.openxmlformats.org/drawingml/2006/main" xmlns:r="http://schemas.openxmlformats.org/officeDocument/2006/relationships" xmlns:p="http://schemas.openxmlformats.org/presentationml/2006/main">
-  <p:cSld>
-    <p:spTree>
-      <p:nvGrpSpPr>
-        <p:cNvPr id="1" name=""/>
-        <p:cNvGrpSpPr/>
-        <p:nvPr/>
-      </p:nvGrpSpPr>
-      <p:grpSpPr>
-        <a:xfrm>
-          <a:off x="0" y="0"/>
-          <a:ext cx="0" cy="0"/>
-          <a:chOff x="0" y="0"/>
-          <a:chExt cx="0" cy="0"/>
-        </a:xfrm>
-      </p:grpSpPr>
-      <p:pic>
-        <p:nvPicPr>
-          <p:cNvPr id="5" name="Picture 4"/>
-          <p:cNvPicPr>
-            <a:picLocks noChangeAspect="1"/>
-          </p:cNvPicPr>
-          <p:nvPr/>
-        </p:nvPicPr>
-        <p:blipFill>
-          <a:blip r:embed="rId2">
-            <a:extLst>
-              <a:ext uri="{28A0092B-C50C-407E-A947-70E740481C1C}">
-                <a14:useLocalDpi xmlns:a14="http://schemas.microsoft.com/office/drawing/2010/main" val="0"/>
-              </a:ext>
-            </a:extLst>
-          </a:blip>
-          <a:stretch>
-            <a:fillRect/>
-          </a:stretch>
-        </p:blipFill>
-        <p:spPr>
-          <a:xfrm>
-            <a:off x="-54429" y="0"/>
-            <a:ext cx="12192000" cy="6858000"/>
-          </a:xfrm>
-          <a:prstGeom prst="rect">
-            <a:avLst/>
-          </a:prstGeom>
-        </p:spPr>
-      </p:pic>
-      <p:pic>
-        <p:nvPicPr>
-          <p:cNvPr id="3" name="Picture 2">
-            <a:extLst>
-              <a:ext uri="{FF2B5EF4-FFF2-40B4-BE49-F238E27FC236}">
-                <a16:creationId xmlns:a16="http://schemas.microsoft.com/office/drawing/2014/main" id="{421E34B1-0BC2-4335-8D0A-064C0A6DC5B6}"/>
-              </a:ext>
-            </a:extLst>
-          </p:cNvPr>
-          <p:cNvPicPr>
-            <a:picLocks noChangeAspect="1"/>
-          </p:cNvPicPr>
-          <p:nvPr/>
-        </p:nvPicPr>
-        <p:blipFill>
-          <a:blip r:embed="rId3"/>
-          <a:stretch>
-            <a:fillRect/>
-          </a:stretch>
-        </p:blipFill>
-        <p:spPr>
-          <a:xfrm>
-            <a:off x="2177791" y="1138631"/>
-            <a:ext cx="7836418" cy="1898183"/>
-          </a:xfrm>
-          <a:prstGeom prst="roundRect">
-            <a:avLst>
-              <a:gd name="adj" fmla="val 4167"/>
-            </a:avLst>
-          </a:prstGeom>
-          <a:solidFill>
-            <a:srgbClr val="FFFFFF"/>
-          </a:solidFill>
-          <a:ln w="76200" cap="sq">
-            <a:solidFill>
-              <a:srgbClr val="EAEAEA"/>
-            </a:solidFill>
-            <a:miter lim="800000"/>
-          </a:ln>
-          <a:effectLst>
-            <a:reflection blurRad="12700" stA="33000" endPos="28000" dist="5000" dir="5400000" sy="-100000" algn="bl" rotWithShape="0"/>
-          </a:effectLst>
-          <a:scene3d>
-            <a:camera prst="orthographicFront"/>
-            <a:lightRig rig="threePt" dir="t">
-              <a:rot lat="0" lon="0" rev="2700000"/>
-            </a:lightRig>
-          </a:scene3d>
-          <a:sp3d contourW="6350">
-            <a:bevelT h="38100"/>
-            <a:contourClr>
-              <a:srgbClr val="C0C0C0"/>
-            </a:contourClr>
-          </a:sp3d>
-        </p:spPr>
-      </p:pic>
-    </p:spTree>
-    <p:extLst>
-      <p:ext uri="{BB962C8B-B14F-4D97-AF65-F5344CB8AC3E}">
-        <p14:creationId xmlns:p14="http://schemas.microsoft.com/office/powerpoint/2010/main" val="1399558479"/>
-      </p:ext>
-    </p:extLst>
-  </p:cSld>
-  <p:clrMapOvr>
-    <a:masterClrMapping/>
-  </p:clrMapOvr>
-  <mc:AlternateContent xmlns:mc="http://schemas.openxmlformats.org/markup-compatibility/2006" xmlns:p14="http://schemas.microsoft.com/office/powerpoint/2010/main">
-    <mc:Choice Requires="p14">
-      <p:transition spd="slow" p14:dur="800">
-        <p:circle/>
-      </p:transition>
-    </mc:Choice>
-    <mc:Fallback xmlns="">
-      <p:transition spd="slow">
-        <p:circle/>
-      </p:transition>
-    </mc:Fallback>
-  </mc:AlternateContent>
-</p:sld>
-</file>
-
-<file path=ppt/slides/slide18.xml><?xml version="1.0" encoding="utf-8"?>
+<file path=ppt/slides/slide12.xml><?xml version="1.0" encoding="utf-8"?>
 <p:sld xmlns:a="http://schemas.openxmlformats.org/drawingml/2006/main" xmlns:r="http://schemas.openxmlformats.org/officeDocument/2006/relationships" xmlns:p="http://schemas.openxmlformats.org/presentationml/2006/main">
   <p:cSld>
     <p:spTree>
@@ -5246,7 +3939,7 @@
           <a:p>
             <a:pPr algn="ctr"/>
             <a:r>
-              <a:rPr lang="en-US" sz="7200" b="1" cap="none" spc="0" dirty="0">
+              <a:rPr lang="bg-BG" sz="7200" b="1" cap="none" spc="0" dirty="0">
                 <a:ln w="12700">
                   <a:solidFill>
                     <a:schemeClr val="tx2">
@@ -5274,42 +3967,11 @@
                   </a:outerShdw>
                 </a:effectLst>
               </a:rPr>
-              <a:t>Thank you!</a:t>
+              <a:t>Благодаря за вниманието.</a:t>
             </a:r>
           </a:p>
           <a:p>
             <a:pPr algn="ctr"/>
-            <a:r>
-              <a:rPr lang="en-US" sz="7200" b="1" dirty="0">
-                <a:ln w="12700">
-                  <a:solidFill>
-                    <a:schemeClr val="tx2">
-                      <a:lumMod val="75000"/>
-                    </a:schemeClr>
-                  </a:solidFill>
-                  <a:prstDash val="solid"/>
-                </a:ln>
-                <a:pattFill prst="dkUpDiag">
-                  <a:fgClr>
-                    <a:schemeClr val="tx2"/>
-                  </a:fgClr>
-                  <a:bgClr>
-                    <a:schemeClr val="tx2">
-                      <a:lumMod val="20000"/>
-                      <a:lumOff val="80000"/>
-                    </a:schemeClr>
-                  </a:bgClr>
-                </a:pattFill>
-                <a:effectLst>
-                  <a:outerShdw dist="38100" dir="2640000" algn="bl" rotWithShape="0">
-                    <a:schemeClr val="tx2">
-                      <a:lumMod val="75000"/>
-                    </a:schemeClr>
-                  </a:outerShdw>
-                </a:effectLst>
-              </a:rPr>
-              <a:t>Time for questions!</a:t>
-            </a:r>
             <a:endParaRPr lang="en-US" sz="7200" b="1" cap="none" spc="0" dirty="0">
               <a:ln w="12700">
                 <a:solidFill>
@@ -5364,7 +4026,7 @@
         </p:blipFill>
         <p:spPr bwMode="auto">
           <a:xfrm>
-            <a:off x="7542795" y="2623909"/>
+            <a:off x="7911911" y="2623909"/>
             <a:ext cx="1914525" cy="3829050"/>
           </a:xfrm>
           <a:prstGeom prst="rect">
@@ -6054,10 +4716,968 @@
           </a:prstGeom>
         </p:spPr>
       </p:pic>
+      <p:sp>
+        <p:nvSpPr>
+          <p:cNvPr id="6" name="Rectangle 5">
+            <a:extLst>
+              <a:ext uri="{FF2B5EF4-FFF2-40B4-BE49-F238E27FC236}">
+                <a16:creationId xmlns:a16="http://schemas.microsoft.com/office/drawing/2014/main" id="{9C2E8A60-F661-4389-BDDD-267A2B45A43A}"/>
+              </a:ext>
+            </a:extLst>
+          </p:cNvPr>
+          <p:cNvSpPr/>
+          <p:nvPr/>
+        </p:nvSpPr>
+        <p:spPr>
+          <a:xfrm>
+            <a:off x="453006" y="565942"/>
+            <a:ext cx="11182524" cy="3170099"/>
+          </a:xfrm>
+          <a:prstGeom prst="rect">
+            <a:avLst/>
+          </a:prstGeom>
+        </p:spPr>
+        <p:txBody>
+          <a:bodyPr wrap="square">
+            <a:spAutoFit/>
+          </a:bodyPr>
+          <a:lstStyle/>
+          <a:p>
+            <a:pPr algn="ctr"/>
+            <a:r>
+              <a:rPr lang="ru-RU" sz="4000" b="1" dirty="0" err="1">
+                <a:ln w="12700">
+                  <a:solidFill>
+                    <a:schemeClr val="tx2">
+                      <a:lumMod val="75000"/>
+                    </a:schemeClr>
+                  </a:solidFill>
+                  <a:prstDash val="solid"/>
+                </a:ln>
+                <a:pattFill prst="dkUpDiag">
+                  <a:fgClr>
+                    <a:schemeClr val="tx2"/>
+                  </a:fgClr>
+                  <a:bgClr>
+                    <a:schemeClr val="tx2">
+                      <a:lumMod val="20000"/>
+                      <a:lumOff val="80000"/>
+                    </a:schemeClr>
+                  </a:bgClr>
+                </a:pattFill>
+                <a:effectLst>
+                  <a:outerShdw dist="38100" dir="2640000" algn="bl" rotWithShape="0">
+                    <a:schemeClr val="tx2">
+                      <a:lumMod val="75000"/>
+                    </a:schemeClr>
+                  </a:outerShdw>
+                </a:effectLst>
+              </a:rPr>
+              <a:t>Дизайнът</a:t>
+            </a:r>
+            <a:r>
+              <a:rPr lang="ru-RU" sz="4000" b="1" dirty="0">
+                <a:ln w="12700">
+                  <a:solidFill>
+                    <a:schemeClr val="tx2">
+                      <a:lumMod val="75000"/>
+                    </a:schemeClr>
+                  </a:solidFill>
+                  <a:prstDash val="solid"/>
+                </a:ln>
+                <a:pattFill prst="dkUpDiag">
+                  <a:fgClr>
+                    <a:schemeClr val="tx2"/>
+                  </a:fgClr>
+                  <a:bgClr>
+                    <a:schemeClr val="tx2">
+                      <a:lumMod val="20000"/>
+                      <a:lumOff val="80000"/>
+                    </a:schemeClr>
+                  </a:bgClr>
+                </a:pattFill>
+                <a:effectLst>
+                  <a:outerShdw dist="38100" dir="2640000" algn="bl" rotWithShape="0">
+                    <a:schemeClr val="tx2">
+                      <a:lumMod val="75000"/>
+                    </a:schemeClr>
+                  </a:outerShdw>
+                </a:effectLst>
+              </a:rPr>
+              <a:t>, </a:t>
+            </a:r>
+            <a:r>
+              <a:rPr lang="ru-RU" sz="4000" b="1" dirty="0" err="1">
+                <a:ln w="12700">
+                  <a:solidFill>
+                    <a:schemeClr val="tx2">
+                      <a:lumMod val="75000"/>
+                    </a:schemeClr>
+                  </a:solidFill>
+                  <a:prstDash val="solid"/>
+                </a:ln>
+                <a:pattFill prst="dkUpDiag">
+                  <a:fgClr>
+                    <a:schemeClr val="tx2"/>
+                  </a:fgClr>
+                  <a:bgClr>
+                    <a:schemeClr val="tx2">
+                      <a:lumMod val="20000"/>
+                      <a:lumOff val="80000"/>
+                    </a:schemeClr>
+                  </a:bgClr>
+                </a:pattFill>
+                <a:effectLst>
+                  <a:outerShdw dist="38100" dir="2640000" algn="bl" rotWithShape="0">
+                    <a:schemeClr val="tx2">
+                      <a:lumMod val="75000"/>
+                    </a:schemeClr>
+                  </a:outerShdw>
+                </a:effectLst>
+              </a:rPr>
+              <a:t>управляван</a:t>
+            </a:r>
+            <a:r>
+              <a:rPr lang="ru-RU" sz="4000" b="1" dirty="0">
+                <a:ln w="12700">
+                  <a:solidFill>
+                    <a:schemeClr val="tx2">
+                      <a:lumMod val="75000"/>
+                    </a:schemeClr>
+                  </a:solidFill>
+                  <a:prstDash val="solid"/>
+                </a:ln>
+                <a:pattFill prst="dkUpDiag">
+                  <a:fgClr>
+                    <a:schemeClr val="tx2"/>
+                  </a:fgClr>
+                  <a:bgClr>
+                    <a:schemeClr val="tx2">
+                      <a:lumMod val="20000"/>
+                      <a:lumOff val="80000"/>
+                    </a:schemeClr>
+                  </a:bgClr>
+                </a:pattFill>
+                <a:effectLst>
+                  <a:outerShdw dist="38100" dir="2640000" algn="bl" rotWithShape="0">
+                    <a:schemeClr val="tx2">
+                      <a:lumMod val="75000"/>
+                    </a:schemeClr>
+                  </a:outerShdw>
+                </a:effectLst>
+              </a:rPr>
+              <a:t> от </a:t>
+            </a:r>
+            <a:r>
+              <a:rPr lang="ru-RU" sz="4000" b="1" dirty="0" err="1">
+                <a:ln w="12700">
+                  <a:solidFill>
+                    <a:schemeClr val="tx2">
+                      <a:lumMod val="75000"/>
+                    </a:schemeClr>
+                  </a:solidFill>
+                  <a:prstDash val="solid"/>
+                </a:ln>
+                <a:pattFill prst="dkUpDiag">
+                  <a:fgClr>
+                    <a:schemeClr val="tx2"/>
+                  </a:fgClr>
+                  <a:bgClr>
+                    <a:schemeClr val="tx2">
+                      <a:lumMod val="20000"/>
+                      <a:lumOff val="80000"/>
+                    </a:schemeClr>
+                  </a:bgClr>
+                </a:pattFill>
+                <a:effectLst>
+                  <a:outerShdw dist="38100" dir="2640000" algn="bl" rotWithShape="0">
+                    <a:schemeClr val="tx2">
+                      <a:lumMod val="75000"/>
+                    </a:schemeClr>
+                  </a:outerShdw>
+                </a:effectLst>
+              </a:rPr>
+              <a:t>домейн</a:t>
+            </a:r>
+            <a:r>
+              <a:rPr lang="ru-RU" sz="4000" b="1" dirty="0">
+                <a:ln w="12700">
+                  <a:solidFill>
+                    <a:schemeClr val="tx2">
+                      <a:lumMod val="75000"/>
+                    </a:schemeClr>
+                  </a:solidFill>
+                  <a:prstDash val="solid"/>
+                </a:ln>
+                <a:pattFill prst="dkUpDiag">
+                  <a:fgClr>
+                    <a:schemeClr val="tx2"/>
+                  </a:fgClr>
+                  <a:bgClr>
+                    <a:schemeClr val="tx2">
+                      <a:lumMod val="20000"/>
+                      <a:lumOff val="80000"/>
+                    </a:schemeClr>
+                  </a:bgClr>
+                </a:pattFill>
+                <a:effectLst>
+                  <a:outerShdw dist="38100" dir="2640000" algn="bl" rotWithShape="0">
+                    <a:schemeClr val="tx2">
+                      <a:lumMod val="75000"/>
+                    </a:schemeClr>
+                  </a:outerShdw>
+                </a:effectLst>
+              </a:rPr>
+              <a:t> (DDD) е подход </a:t>
+            </a:r>
+            <a:r>
+              <a:rPr lang="ru-RU" sz="4000" b="1" dirty="0" err="1">
+                <a:ln w="12700">
+                  <a:solidFill>
+                    <a:schemeClr val="tx2">
+                      <a:lumMod val="75000"/>
+                    </a:schemeClr>
+                  </a:solidFill>
+                  <a:prstDash val="solid"/>
+                </a:ln>
+                <a:pattFill prst="dkUpDiag">
+                  <a:fgClr>
+                    <a:schemeClr val="tx2"/>
+                  </a:fgClr>
+                  <a:bgClr>
+                    <a:schemeClr val="tx2">
+                      <a:lumMod val="20000"/>
+                      <a:lumOff val="80000"/>
+                    </a:schemeClr>
+                  </a:bgClr>
+                </a:pattFill>
+                <a:effectLst>
+                  <a:outerShdw dist="38100" dir="2640000" algn="bl" rotWithShape="0">
+                    <a:schemeClr val="tx2">
+                      <a:lumMod val="75000"/>
+                    </a:schemeClr>
+                  </a:outerShdw>
+                </a:effectLst>
+              </a:rPr>
+              <a:t>към</a:t>
+            </a:r>
+            <a:r>
+              <a:rPr lang="ru-RU" sz="4000" b="1" dirty="0">
+                <a:ln w="12700">
+                  <a:solidFill>
+                    <a:schemeClr val="tx2">
+                      <a:lumMod val="75000"/>
+                    </a:schemeClr>
+                  </a:solidFill>
+                  <a:prstDash val="solid"/>
+                </a:ln>
+                <a:pattFill prst="dkUpDiag">
+                  <a:fgClr>
+                    <a:schemeClr val="tx2"/>
+                  </a:fgClr>
+                  <a:bgClr>
+                    <a:schemeClr val="tx2">
+                      <a:lumMod val="20000"/>
+                      <a:lumOff val="80000"/>
+                    </a:schemeClr>
+                  </a:bgClr>
+                </a:pattFill>
+                <a:effectLst>
+                  <a:outerShdw dist="38100" dir="2640000" algn="bl" rotWithShape="0">
+                    <a:schemeClr val="tx2">
+                      <a:lumMod val="75000"/>
+                    </a:schemeClr>
+                  </a:outerShdw>
+                </a:effectLst>
+              </a:rPr>
+              <a:t> </a:t>
+            </a:r>
+            <a:r>
+              <a:rPr lang="ru-RU" sz="4000" b="1" dirty="0" err="1">
+                <a:ln w="12700">
+                  <a:solidFill>
+                    <a:schemeClr val="tx2">
+                      <a:lumMod val="75000"/>
+                    </a:schemeClr>
+                  </a:solidFill>
+                  <a:prstDash val="solid"/>
+                </a:ln>
+                <a:pattFill prst="dkUpDiag">
+                  <a:fgClr>
+                    <a:schemeClr val="tx2"/>
+                  </a:fgClr>
+                  <a:bgClr>
+                    <a:schemeClr val="tx2">
+                      <a:lumMod val="20000"/>
+                      <a:lumOff val="80000"/>
+                    </a:schemeClr>
+                  </a:bgClr>
+                </a:pattFill>
+                <a:effectLst>
+                  <a:outerShdw dist="38100" dir="2640000" algn="bl" rotWithShape="0">
+                    <a:schemeClr val="tx2">
+                      <a:lumMod val="75000"/>
+                    </a:schemeClr>
+                  </a:outerShdw>
+                </a:effectLst>
+              </a:rPr>
+              <a:t>разработката</a:t>
+            </a:r>
+            <a:r>
+              <a:rPr lang="ru-RU" sz="4000" b="1" dirty="0">
+                <a:ln w="12700">
+                  <a:solidFill>
+                    <a:schemeClr val="tx2">
+                      <a:lumMod val="75000"/>
+                    </a:schemeClr>
+                  </a:solidFill>
+                  <a:prstDash val="solid"/>
+                </a:ln>
+                <a:pattFill prst="dkUpDiag">
+                  <a:fgClr>
+                    <a:schemeClr val="tx2"/>
+                  </a:fgClr>
+                  <a:bgClr>
+                    <a:schemeClr val="tx2">
+                      <a:lumMod val="20000"/>
+                      <a:lumOff val="80000"/>
+                    </a:schemeClr>
+                  </a:bgClr>
+                </a:pattFill>
+                <a:effectLst>
+                  <a:outerShdw dist="38100" dir="2640000" algn="bl" rotWithShape="0">
+                    <a:schemeClr val="tx2">
+                      <a:lumMod val="75000"/>
+                    </a:schemeClr>
+                  </a:outerShdw>
+                </a:effectLst>
+              </a:rPr>
+              <a:t> на </a:t>
+            </a:r>
+            <a:r>
+              <a:rPr lang="ru-RU" sz="4000" b="1" dirty="0" err="1">
+                <a:ln w="12700">
+                  <a:solidFill>
+                    <a:schemeClr val="tx2">
+                      <a:lumMod val="75000"/>
+                    </a:schemeClr>
+                  </a:solidFill>
+                  <a:prstDash val="solid"/>
+                </a:ln>
+                <a:pattFill prst="dkUpDiag">
+                  <a:fgClr>
+                    <a:schemeClr val="tx2"/>
+                  </a:fgClr>
+                  <a:bgClr>
+                    <a:schemeClr val="tx2">
+                      <a:lumMod val="20000"/>
+                      <a:lumOff val="80000"/>
+                    </a:schemeClr>
+                  </a:bgClr>
+                </a:pattFill>
+                <a:effectLst>
+                  <a:outerShdw dist="38100" dir="2640000" algn="bl" rotWithShape="0">
+                    <a:schemeClr val="tx2">
+                      <a:lumMod val="75000"/>
+                    </a:schemeClr>
+                  </a:outerShdw>
+                </a:effectLst>
+              </a:rPr>
+              <a:t>софтуер</a:t>
+            </a:r>
+            <a:r>
+              <a:rPr lang="ru-RU" sz="4000" b="1" dirty="0">
+                <a:ln w="12700">
+                  <a:solidFill>
+                    <a:schemeClr val="tx2">
+                      <a:lumMod val="75000"/>
+                    </a:schemeClr>
+                  </a:solidFill>
+                  <a:prstDash val="solid"/>
+                </a:ln>
+                <a:pattFill prst="dkUpDiag">
+                  <a:fgClr>
+                    <a:schemeClr val="tx2"/>
+                  </a:fgClr>
+                  <a:bgClr>
+                    <a:schemeClr val="tx2">
+                      <a:lumMod val="20000"/>
+                      <a:lumOff val="80000"/>
+                    </a:schemeClr>
+                  </a:bgClr>
+                </a:pattFill>
+                <a:effectLst>
+                  <a:outerShdw dist="38100" dir="2640000" algn="bl" rotWithShape="0">
+                    <a:schemeClr val="tx2">
+                      <a:lumMod val="75000"/>
+                    </a:schemeClr>
+                  </a:outerShdw>
+                </a:effectLst>
+              </a:rPr>
+              <a:t>, </a:t>
+            </a:r>
+            <a:r>
+              <a:rPr lang="ru-RU" sz="4000" b="1" dirty="0" err="1">
+                <a:ln w="12700">
+                  <a:solidFill>
+                    <a:schemeClr val="tx2">
+                      <a:lumMod val="75000"/>
+                    </a:schemeClr>
+                  </a:solidFill>
+                  <a:prstDash val="solid"/>
+                </a:ln>
+                <a:pattFill prst="dkUpDiag">
+                  <a:fgClr>
+                    <a:schemeClr val="tx2"/>
+                  </a:fgClr>
+                  <a:bgClr>
+                    <a:schemeClr val="tx2">
+                      <a:lumMod val="20000"/>
+                      <a:lumOff val="80000"/>
+                    </a:schemeClr>
+                  </a:bgClr>
+                </a:pattFill>
+                <a:effectLst>
+                  <a:outerShdw dist="38100" dir="2640000" algn="bl" rotWithShape="0">
+                    <a:schemeClr val="tx2">
+                      <a:lumMod val="75000"/>
+                    </a:schemeClr>
+                  </a:outerShdw>
+                </a:effectLst>
+              </a:rPr>
+              <a:t>който</a:t>
+            </a:r>
+            <a:r>
+              <a:rPr lang="ru-RU" sz="4000" b="1" dirty="0">
+                <a:ln w="12700">
+                  <a:solidFill>
+                    <a:schemeClr val="tx2">
+                      <a:lumMod val="75000"/>
+                    </a:schemeClr>
+                  </a:solidFill>
+                  <a:prstDash val="solid"/>
+                </a:ln>
+                <a:pattFill prst="dkUpDiag">
+                  <a:fgClr>
+                    <a:schemeClr val="tx2"/>
+                  </a:fgClr>
+                  <a:bgClr>
+                    <a:schemeClr val="tx2">
+                      <a:lumMod val="20000"/>
+                      <a:lumOff val="80000"/>
+                    </a:schemeClr>
+                  </a:bgClr>
+                </a:pattFill>
+                <a:effectLst>
+                  <a:outerShdw dist="38100" dir="2640000" algn="bl" rotWithShape="0">
+                    <a:schemeClr val="tx2">
+                      <a:lumMod val="75000"/>
+                    </a:schemeClr>
+                  </a:outerShdw>
+                </a:effectLst>
+              </a:rPr>
+              <a:t> се </a:t>
+            </a:r>
+            <a:r>
+              <a:rPr lang="ru-RU" sz="4000" b="1" dirty="0" err="1">
+                <a:ln w="12700">
+                  <a:solidFill>
+                    <a:schemeClr val="tx2">
+                      <a:lumMod val="75000"/>
+                    </a:schemeClr>
+                  </a:solidFill>
+                  <a:prstDash val="solid"/>
+                </a:ln>
+                <a:pattFill prst="dkUpDiag">
+                  <a:fgClr>
+                    <a:schemeClr val="tx2"/>
+                  </a:fgClr>
+                  <a:bgClr>
+                    <a:schemeClr val="tx2">
+                      <a:lumMod val="20000"/>
+                      <a:lumOff val="80000"/>
+                    </a:schemeClr>
+                  </a:bgClr>
+                </a:pattFill>
+                <a:effectLst>
+                  <a:outerShdw dist="38100" dir="2640000" algn="bl" rotWithShape="0">
+                    <a:schemeClr val="tx2">
+                      <a:lumMod val="75000"/>
+                    </a:schemeClr>
+                  </a:outerShdw>
+                </a:effectLst>
+              </a:rPr>
+              <a:t>фокусира</a:t>
+            </a:r>
+            <a:r>
+              <a:rPr lang="ru-RU" sz="4000" b="1" dirty="0">
+                <a:ln w="12700">
+                  <a:solidFill>
+                    <a:schemeClr val="tx2">
+                      <a:lumMod val="75000"/>
+                    </a:schemeClr>
+                  </a:solidFill>
+                  <a:prstDash val="solid"/>
+                </a:ln>
+                <a:pattFill prst="dkUpDiag">
+                  <a:fgClr>
+                    <a:schemeClr val="tx2"/>
+                  </a:fgClr>
+                  <a:bgClr>
+                    <a:schemeClr val="tx2">
+                      <a:lumMod val="20000"/>
+                      <a:lumOff val="80000"/>
+                    </a:schemeClr>
+                  </a:bgClr>
+                </a:pattFill>
+                <a:effectLst>
+                  <a:outerShdw dist="38100" dir="2640000" algn="bl" rotWithShape="0">
+                    <a:schemeClr val="tx2">
+                      <a:lumMod val="75000"/>
+                    </a:schemeClr>
+                  </a:outerShdw>
+                </a:effectLst>
+              </a:rPr>
+              <a:t> </a:t>
+            </a:r>
+            <a:r>
+              <a:rPr lang="ru-RU" sz="4000" b="1" dirty="0" err="1">
+                <a:ln w="12700">
+                  <a:solidFill>
+                    <a:schemeClr val="tx2">
+                      <a:lumMod val="75000"/>
+                    </a:schemeClr>
+                  </a:solidFill>
+                  <a:prstDash val="solid"/>
+                </a:ln>
+                <a:pattFill prst="dkUpDiag">
+                  <a:fgClr>
+                    <a:schemeClr val="tx2"/>
+                  </a:fgClr>
+                  <a:bgClr>
+                    <a:schemeClr val="tx2">
+                      <a:lumMod val="20000"/>
+                      <a:lumOff val="80000"/>
+                    </a:schemeClr>
+                  </a:bgClr>
+                </a:pattFill>
+                <a:effectLst>
+                  <a:outerShdw dist="38100" dir="2640000" algn="bl" rotWithShape="0">
+                    <a:schemeClr val="tx2">
+                      <a:lumMod val="75000"/>
+                    </a:schemeClr>
+                  </a:outerShdw>
+                </a:effectLst>
+              </a:rPr>
+              <a:t>върху</a:t>
+            </a:r>
+            <a:r>
+              <a:rPr lang="ru-RU" sz="4000" b="1" dirty="0">
+                <a:ln w="12700">
+                  <a:solidFill>
+                    <a:schemeClr val="tx2">
+                      <a:lumMod val="75000"/>
+                    </a:schemeClr>
+                  </a:solidFill>
+                  <a:prstDash val="solid"/>
+                </a:ln>
+                <a:pattFill prst="dkUpDiag">
+                  <a:fgClr>
+                    <a:schemeClr val="tx2"/>
+                  </a:fgClr>
+                  <a:bgClr>
+                    <a:schemeClr val="tx2">
+                      <a:lumMod val="20000"/>
+                      <a:lumOff val="80000"/>
+                    </a:schemeClr>
+                  </a:bgClr>
+                </a:pattFill>
+                <a:effectLst>
+                  <a:outerShdw dist="38100" dir="2640000" algn="bl" rotWithShape="0">
+                    <a:schemeClr val="tx2">
+                      <a:lumMod val="75000"/>
+                    </a:schemeClr>
+                  </a:outerShdw>
+                </a:effectLst>
+              </a:rPr>
+              <a:t> </a:t>
+            </a:r>
+            <a:r>
+              <a:rPr lang="ru-RU" sz="4000" b="1" dirty="0" err="1">
+                <a:ln w="12700">
+                  <a:solidFill>
+                    <a:schemeClr val="tx2">
+                      <a:lumMod val="75000"/>
+                    </a:schemeClr>
+                  </a:solidFill>
+                  <a:prstDash val="solid"/>
+                </a:ln>
+                <a:pattFill prst="dkUpDiag">
+                  <a:fgClr>
+                    <a:schemeClr val="tx2"/>
+                  </a:fgClr>
+                  <a:bgClr>
+                    <a:schemeClr val="tx2">
+                      <a:lumMod val="20000"/>
+                      <a:lumOff val="80000"/>
+                    </a:schemeClr>
+                  </a:bgClr>
+                </a:pattFill>
+                <a:effectLst>
+                  <a:outerShdw dist="38100" dir="2640000" algn="bl" rotWithShape="0">
+                    <a:schemeClr val="tx2">
+                      <a:lumMod val="75000"/>
+                    </a:schemeClr>
+                  </a:outerShdw>
+                </a:effectLst>
+              </a:rPr>
+              <a:t>домейна</a:t>
+            </a:r>
+            <a:r>
+              <a:rPr lang="ru-RU" sz="4000" b="1" dirty="0">
+                <a:ln w="12700">
+                  <a:solidFill>
+                    <a:schemeClr val="tx2">
+                      <a:lumMod val="75000"/>
+                    </a:schemeClr>
+                  </a:solidFill>
+                  <a:prstDash val="solid"/>
+                </a:ln>
+                <a:pattFill prst="dkUpDiag">
+                  <a:fgClr>
+                    <a:schemeClr val="tx2"/>
+                  </a:fgClr>
+                  <a:bgClr>
+                    <a:schemeClr val="tx2">
+                      <a:lumMod val="20000"/>
+                      <a:lumOff val="80000"/>
+                    </a:schemeClr>
+                  </a:bgClr>
+                </a:pattFill>
+                <a:effectLst>
+                  <a:outerShdw dist="38100" dir="2640000" algn="bl" rotWithShape="0">
+                    <a:schemeClr val="tx2">
+                      <a:lumMod val="75000"/>
+                    </a:schemeClr>
+                  </a:outerShdw>
+                </a:effectLst>
+              </a:rPr>
+              <a:t> на</a:t>
+            </a:r>
+            <a:r>
+              <a:rPr lang="en-US" sz="4000" b="1" dirty="0">
+                <a:ln w="12700">
+                  <a:solidFill>
+                    <a:schemeClr val="tx2">
+                      <a:lumMod val="75000"/>
+                    </a:schemeClr>
+                  </a:solidFill>
+                  <a:prstDash val="solid"/>
+                </a:ln>
+                <a:pattFill prst="dkUpDiag">
+                  <a:fgClr>
+                    <a:schemeClr val="tx2"/>
+                  </a:fgClr>
+                  <a:bgClr>
+                    <a:schemeClr val="tx2">
+                      <a:lumMod val="20000"/>
+                      <a:lumOff val="80000"/>
+                    </a:schemeClr>
+                  </a:bgClr>
+                </a:pattFill>
+                <a:effectLst>
+                  <a:outerShdw dist="38100" dir="2640000" algn="bl" rotWithShape="0">
+                    <a:schemeClr val="tx2">
+                      <a:lumMod val="75000"/>
+                    </a:schemeClr>
+                  </a:outerShdw>
+                </a:effectLst>
+              </a:rPr>
+              <a:t> </a:t>
+            </a:r>
+            <a:r>
+              <a:rPr lang="bg-BG" sz="4000" b="1" dirty="0">
+                <a:ln w="12700">
+                  <a:solidFill>
+                    <a:schemeClr val="tx2">
+                      <a:lumMod val="75000"/>
+                    </a:schemeClr>
+                  </a:solidFill>
+                  <a:prstDash val="solid"/>
+                </a:ln>
+                <a:pattFill prst="dkUpDiag">
+                  <a:fgClr>
+                    <a:schemeClr val="tx2"/>
+                  </a:fgClr>
+                  <a:bgClr>
+                    <a:schemeClr val="tx2">
+                      <a:lumMod val="20000"/>
+                      <a:lumOff val="80000"/>
+                    </a:schemeClr>
+                  </a:bgClr>
+                </a:pattFill>
+                <a:effectLst>
+                  <a:outerShdw dist="38100" dir="2640000" algn="bl" rotWithShape="0">
+                    <a:schemeClr val="tx2">
+                      <a:lumMod val="75000"/>
+                    </a:schemeClr>
+                  </a:outerShdw>
+                </a:effectLst>
+              </a:rPr>
+              <a:t>едно</a:t>
+            </a:r>
+            <a:r>
+              <a:rPr lang="ru-RU" sz="4000" b="1" dirty="0">
+                <a:ln w="12700">
+                  <a:solidFill>
+                    <a:schemeClr val="tx2">
+                      <a:lumMod val="75000"/>
+                    </a:schemeClr>
+                  </a:solidFill>
+                  <a:prstDash val="solid"/>
+                </a:ln>
+                <a:pattFill prst="dkUpDiag">
+                  <a:fgClr>
+                    <a:schemeClr val="tx2"/>
+                  </a:fgClr>
+                  <a:bgClr>
+                    <a:schemeClr val="tx2">
+                      <a:lumMod val="20000"/>
+                      <a:lumOff val="80000"/>
+                    </a:schemeClr>
+                  </a:bgClr>
+                </a:pattFill>
+                <a:effectLst>
+                  <a:outerShdw dist="38100" dir="2640000" algn="bl" rotWithShape="0">
+                    <a:schemeClr val="tx2">
+                      <a:lumMod val="75000"/>
+                    </a:schemeClr>
+                  </a:outerShdw>
+                </a:effectLst>
+              </a:rPr>
+              <a:t> приложение, </a:t>
+            </a:r>
+            <a:r>
+              <a:rPr lang="ru-RU" sz="4000" b="1" dirty="0" err="1">
+                <a:ln w="12700">
+                  <a:solidFill>
+                    <a:schemeClr val="tx2">
+                      <a:lumMod val="75000"/>
+                    </a:schemeClr>
+                  </a:solidFill>
+                  <a:prstDash val="solid"/>
+                </a:ln>
+                <a:pattFill prst="dkUpDiag">
+                  <a:fgClr>
+                    <a:schemeClr val="tx2"/>
+                  </a:fgClr>
+                  <a:bgClr>
+                    <a:schemeClr val="tx2">
+                      <a:lumMod val="20000"/>
+                      <a:lumOff val="80000"/>
+                    </a:schemeClr>
+                  </a:bgClr>
+                </a:pattFill>
+                <a:effectLst>
+                  <a:outerShdw dist="38100" dir="2640000" algn="bl" rotWithShape="0">
+                    <a:schemeClr val="tx2">
+                      <a:lumMod val="75000"/>
+                    </a:schemeClr>
+                  </a:outerShdw>
+                </a:effectLst>
+              </a:rPr>
+              <a:t>неговите</a:t>
+            </a:r>
+            <a:r>
+              <a:rPr lang="ru-RU" sz="4000" b="1" dirty="0">
+                <a:ln w="12700">
+                  <a:solidFill>
+                    <a:schemeClr val="tx2">
+                      <a:lumMod val="75000"/>
+                    </a:schemeClr>
+                  </a:solidFill>
+                  <a:prstDash val="solid"/>
+                </a:ln>
+                <a:pattFill prst="dkUpDiag">
+                  <a:fgClr>
+                    <a:schemeClr val="tx2"/>
+                  </a:fgClr>
+                  <a:bgClr>
+                    <a:schemeClr val="tx2">
+                      <a:lumMod val="20000"/>
+                      <a:lumOff val="80000"/>
+                    </a:schemeClr>
+                  </a:bgClr>
+                </a:pattFill>
+                <a:effectLst>
+                  <a:outerShdw dist="38100" dir="2640000" algn="bl" rotWithShape="0">
+                    <a:schemeClr val="tx2">
+                      <a:lumMod val="75000"/>
+                    </a:schemeClr>
+                  </a:outerShdw>
+                </a:effectLst>
+              </a:rPr>
+              <a:t> концепции и </a:t>
+            </a:r>
+            <a:r>
+              <a:rPr lang="ru-RU" sz="4000" b="1" dirty="0" err="1">
+                <a:ln w="12700">
+                  <a:solidFill>
+                    <a:schemeClr val="tx2">
+                      <a:lumMod val="75000"/>
+                    </a:schemeClr>
+                  </a:solidFill>
+                  <a:prstDash val="solid"/>
+                </a:ln>
+                <a:pattFill prst="dkUpDiag">
+                  <a:fgClr>
+                    <a:schemeClr val="tx2"/>
+                  </a:fgClr>
+                  <a:bgClr>
+                    <a:schemeClr val="tx2">
+                      <a:lumMod val="20000"/>
+                      <a:lumOff val="80000"/>
+                    </a:schemeClr>
+                  </a:bgClr>
+                </a:pattFill>
+                <a:effectLst>
+                  <a:outerShdw dist="38100" dir="2640000" algn="bl" rotWithShape="0">
+                    <a:schemeClr val="tx2">
+                      <a:lumMod val="75000"/>
+                    </a:schemeClr>
+                  </a:outerShdw>
+                </a:effectLst>
+              </a:rPr>
+              <a:t>взаимоотношенията</a:t>
+            </a:r>
+            <a:r>
+              <a:rPr lang="ru-RU" sz="4000" b="1" dirty="0">
+                <a:ln w="12700">
+                  <a:solidFill>
+                    <a:schemeClr val="tx2">
+                      <a:lumMod val="75000"/>
+                    </a:schemeClr>
+                  </a:solidFill>
+                  <a:prstDash val="solid"/>
+                </a:ln>
+                <a:pattFill prst="dkUpDiag">
+                  <a:fgClr>
+                    <a:schemeClr val="tx2"/>
+                  </a:fgClr>
+                  <a:bgClr>
+                    <a:schemeClr val="tx2">
+                      <a:lumMod val="20000"/>
+                      <a:lumOff val="80000"/>
+                    </a:schemeClr>
+                  </a:bgClr>
+                </a:pattFill>
+                <a:effectLst>
+                  <a:outerShdw dist="38100" dir="2640000" algn="bl" rotWithShape="0">
+                    <a:schemeClr val="tx2">
+                      <a:lumMod val="75000"/>
+                    </a:schemeClr>
+                  </a:outerShdw>
+                </a:effectLst>
+              </a:rPr>
+              <a:t> между </a:t>
+            </a:r>
+            <a:r>
+              <a:rPr lang="ru-RU" sz="4000" b="1" dirty="0" err="1">
+                <a:ln w="12700">
+                  <a:solidFill>
+                    <a:schemeClr val="tx2">
+                      <a:lumMod val="75000"/>
+                    </a:schemeClr>
+                  </a:solidFill>
+                  <a:prstDash val="solid"/>
+                </a:ln>
+                <a:pattFill prst="dkUpDiag">
+                  <a:fgClr>
+                    <a:schemeClr val="tx2"/>
+                  </a:fgClr>
+                  <a:bgClr>
+                    <a:schemeClr val="tx2">
+                      <a:lumMod val="20000"/>
+                      <a:lumOff val="80000"/>
+                    </a:schemeClr>
+                  </a:bgClr>
+                </a:pattFill>
+                <a:effectLst>
+                  <a:outerShdw dist="38100" dir="2640000" algn="bl" rotWithShape="0">
+                    <a:schemeClr val="tx2">
+                      <a:lumMod val="75000"/>
+                    </a:schemeClr>
+                  </a:outerShdw>
+                </a:effectLst>
+              </a:rPr>
+              <a:t>елемнтите</a:t>
+            </a:r>
+            <a:r>
+              <a:rPr lang="ru-RU" sz="4000" b="1" dirty="0">
+                <a:ln w="12700">
+                  <a:solidFill>
+                    <a:schemeClr val="tx2">
+                      <a:lumMod val="75000"/>
+                    </a:schemeClr>
+                  </a:solidFill>
+                  <a:prstDash val="solid"/>
+                </a:ln>
+                <a:pattFill prst="dkUpDiag">
+                  <a:fgClr>
+                    <a:schemeClr val="tx2"/>
+                  </a:fgClr>
+                  <a:bgClr>
+                    <a:schemeClr val="tx2">
+                      <a:lumMod val="20000"/>
+                      <a:lumOff val="80000"/>
+                    </a:schemeClr>
+                  </a:bgClr>
+                </a:pattFill>
+                <a:effectLst>
+                  <a:outerShdw dist="38100" dir="2640000" algn="bl" rotWithShape="0">
+                    <a:schemeClr val="tx2">
+                      <a:lumMod val="75000"/>
+                    </a:schemeClr>
+                  </a:outerShdw>
+                </a:effectLst>
+              </a:rPr>
+              <a:t>.</a:t>
+            </a:r>
+            <a:endParaRPr lang="en-US" sz="4000" b="1" cap="none" spc="0" dirty="0">
+              <a:ln w="12700">
+                <a:solidFill>
+                  <a:schemeClr val="tx2">
+                    <a:lumMod val="75000"/>
+                  </a:schemeClr>
+                </a:solidFill>
+                <a:prstDash val="solid"/>
+              </a:ln>
+              <a:pattFill prst="dkUpDiag">
+                <a:fgClr>
+                  <a:schemeClr val="tx2"/>
+                </a:fgClr>
+                <a:bgClr>
+                  <a:schemeClr val="tx2">
+                    <a:lumMod val="20000"/>
+                    <a:lumOff val="80000"/>
+                  </a:schemeClr>
+                </a:bgClr>
+              </a:pattFill>
+              <a:effectLst>
+                <a:outerShdw dist="38100" dir="2640000" algn="bl" rotWithShape="0">
+                  <a:schemeClr val="tx2">
+                    <a:lumMod val="75000"/>
+                  </a:schemeClr>
+                </a:outerShdw>
+              </a:effectLst>
+            </a:endParaRPr>
+          </a:p>
+        </p:txBody>
+      </p:sp>
     </p:spTree>
     <p:extLst>
       <p:ext uri="{BB962C8B-B14F-4D97-AF65-F5344CB8AC3E}">
-        <p14:creationId xmlns:p14="http://schemas.microsoft.com/office/powerpoint/2010/main" val="3285270981"/>
+        <p14:creationId xmlns:p14="http://schemas.microsoft.com/office/powerpoint/2010/main" val="2457609099"/>
       </p:ext>
     </p:extLst>
   </p:cSld>
@@ -6098,7 +5718,7 @@
       </p:grpSpPr>
       <p:pic>
         <p:nvPicPr>
-          <p:cNvPr id="4" name="Picture 3"/>
+          <p:cNvPr id="5" name="Picture 4"/>
           <p:cNvPicPr>
             <a:picLocks noChangeAspect="1"/>
           </p:cNvPicPr>
@@ -6118,7 +5738,7 @@
         </p:blipFill>
         <p:spPr>
           <a:xfrm>
-            <a:off x="0" y="0"/>
+            <a:off x="-54429" y="0"/>
             <a:ext cx="12192000" cy="6858000"/>
           </a:xfrm>
           <a:prstGeom prst="rect">
@@ -6126,45 +5746,27 @@
           </a:prstGeom>
         </p:spPr>
       </p:pic>
-      <p:pic>
-        <p:nvPicPr>
-          <p:cNvPr id="7" name="Picture 6"/>
-          <p:cNvPicPr>
-            <a:picLocks noChangeAspect="1"/>
-          </p:cNvPicPr>
+      <p:sp>
+        <p:nvSpPr>
+          <p:cNvPr id="6" name="Rectangle 5">
+            <a:extLst>
+              <a:ext uri="{FF2B5EF4-FFF2-40B4-BE49-F238E27FC236}">
+                <a16:creationId xmlns:a16="http://schemas.microsoft.com/office/drawing/2014/main" id="{26F22448-C589-48BD-B077-84F5412DBD5C}"/>
+              </a:ext>
+            </a:extLst>
+          </p:cNvPr>
+          <p:cNvSpPr/>
           <p:nvPr/>
-        </p:nvPicPr>
-        <p:blipFill>
-          <a:blip r:embed="rId3"/>
-          <a:stretch>
-            <a:fillRect/>
-          </a:stretch>
-        </p:blipFill>
+        </p:nvSpPr>
         <p:spPr>
           <a:xfrm>
-            <a:off x="2125436" y="4627109"/>
-            <a:ext cx="8115300" cy="1762125"/>
+            <a:off x="1786021" y="1044115"/>
+            <a:ext cx="8619958" cy="1938992"/>
           </a:xfrm>
           <a:prstGeom prst="rect">
             <a:avLst/>
           </a:prstGeom>
         </p:spPr>
-      </p:pic>
-      <p:sp>
-        <p:nvSpPr>
-          <p:cNvPr id="8" name="Rectangle 7"/>
-          <p:cNvSpPr/>
-          <p:nvPr/>
-        </p:nvSpPr>
-        <p:spPr>
-          <a:xfrm>
-            <a:off x="1786021" y="2656896"/>
-            <a:ext cx="8619958" cy="1323439"/>
-          </a:xfrm>
-          <a:prstGeom prst="rect">
-            <a:avLst/>
-          </a:prstGeom>
-        </p:spPr>
         <p:txBody>
           <a:bodyPr wrap="square">
             <a:spAutoFit/>
@@ -6173,7 +5775,7 @@
           <a:p>
             <a:pPr algn="ctr"/>
             <a:r>
-              <a:rPr lang="en-US" sz="4000" b="1" cap="none" spc="0" dirty="0">
+              <a:rPr lang="ru-RU" sz="4000" b="1" dirty="0" err="1">
                 <a:ln w="12700">
                   <a:solidFill>
                     <a:schemeClr val="tx2">
@@ -6201,57 +5803,397 @@
                   </a:outerShdw>
                 </a:effectLst>
               </a:rPr>
-              <a:t>Command and Query Responsibility Segregation</a:t>
-            </a:r>
-          </a:p>
-        </p:txBody>
-      </p:sp>
-      <p:sp>
-        <p:nvSpPr>
-          <p:cNvPr id="9" name="TextBox 8"/>
-          <p:cNvSpPr txBox="1"/>
-          <p:nvPr/>
-        </p:nvSpPr>
-        <p:spPr>
-          <a:xfrm>
-            <a:off x="5312229" y="4182836"/>
-            <a:ext cx="2024743" cy="369332"/>
-          </a:xfrm>
-          <a:prstGeom prst="rect">
-            <a:avLst/>
-          </a:prstGeom>
-          <a:noFill/>
-        </p:spPr>
-        <p:txBody>
-          <a:bodyPr wrap="square" rtlCol="0">
-            <a:spAutoFit/>
-          </a:bodyPr>
-          <a:lstStyle/>
-          <a:p>
-            <a:r>
-              <a:rPr lang="en-US" dirty="0"/>
-              <a:t>Implemented by</a:t>
-            </a:r>
+              <a:t>Основната</a:t>
+            </a:r>
+            <a:r>
+              <a:rPr lang="ru-RU" sz="4000" b="1" dirty="0">
+                <a:ln w="12700">
+                  <a:solidFill>
+                    <a:schemeClr val="tx2">
+                      <a:lumMod val="75000"/>
+                    </a:schemeClr>
+                  </a:solidFill>
+                  <a:prstDash val="solid"/>
+                </a:ln>
+                <a:pattFill prst="dkUpDiag">
+                  <a:fgClr>
+                    <a:schemeClr val="tx2"/>
+                  </a:fgClr>
+                  <a:bgClr>
+                    <a:schemeClr val="tx2">
+                      <a:lumMod val="20000"/>
+                      <a:lumOff val="80000"/>
+                    </a:schemeClr>
+                  </a:bgClr>
+                </a:pattFill>
+                <a:effectLst>
+                  <a:outerShdw dist="38100" dir="2640000" algn="bl" rotWithShape="0">
+                    <a:schemeClr val="tx2">
+                      <a:lumMod val="75000"/>
+                    </a:schemeClr>
+                  </a:outerShdw>
+                </a:effectLst>
+              </a:rPr>
+              <a:t> цел зад </a:t>
+            </a:r>
+            <a:r>
+              <a:rPr lang="ru-RU" sz="4000" b="1" dirty="0" err="1">
+                <a:ln w="12700">
+                  <a:solidFill>
+                    <a:schemeClr val="tx2">
+                      <a:lumMod val="75000"/>
+                    </a:schemeClr>
+                  </a:solidFill>
+                  <a:prstDash val="solid"/>
+                </a:ln>
+                <a:pattFill prst="dkUpDiag">
+                  <a:fgClr>
+                    <a:schemeClr val="tx2"/>
+                  </a:fgClr>
+                  <a:bgClr>
+                    <a:schemeClr val="tx2">
+                      <a:lumMod val="20000"/>
+                      <a:lumOff val="80000"/>
+                    </a:schemeClr>
+                  </a:bgClr>
+                </a:pattFill>
+                <a:effectLst>
+                  <a:outerShdw dist="38100" dir="2640000" algn="bl" rotWithShape="0">
+                    <a:schemeClr val="tx2">
+                      <a:lumMod val="75000"/>
+                    </a:schemeClr>
+                  </a:outerShdw>
+                </a:effectLst>
+              </a:rPr>
+              <a:t>идеите</a:t>
+            </a:r>
+            <a:r>
+              <a:rPr lang="ru-RU" sz="4000" b="1" dirty="0">
+                <a:ln w="12700">
+                  <a:solidFill>
+                    <a:schemeClr val="tx2">
+                      <a:lumMod val="75000"/>
+                    </a:schemeClr>
+                  </a:solidFill>
+                  <a:prstDash val="solid"/>
+                </a:ln>
+                <a:pattFill prst="dkUpDiag">
+                  <a:fgClr>
+                    <a:schemeClr val="tx2"/>
+                  </a:fgClr>
+                  <a:bgClr>
+                    <a:schemeClr val="tx2">
+                      <a:lumMod val="20000"/>
+                      <a:lumOff val="80000"/>
+                    </a:schemeClr>
+                  </a:bgClr>
+                </a:pattFill>
+                <a:effectLst>
+                  <a:outerShdw dist="38100" dir="2640000" algn="bl" rotWithShape="0">
+                    <a:schemeClr val="tx2">
+                      <a:lumMod val="75000"/>
+                    </a:schemeClr>
+                  </a:outerShdw>
+                </a:effectLst>
+              </a:rPr>
+              <a:t> на DDD е да се </a:t>
+            </a:r>
+            <a:r>
+              <a:rPr lang="ru-RU" sz="4000" b="1" dirty="0" err="1">
+                <a:ln w="12700">
+                  <a:solidFill>
+                    <a:schemeClr val="tx2">
+                      <a:lumMod val="75000"/>
+                    </a:schemeClr>
+                  </a:solidFill>
+                  <a:prstDash val="solid"/>
+                </a:ln>
+                <a:pattFill prst="dkUpDiag">
+                  <a:fgClr>
+                    <a:schemeClr val="tx2"/>
+                  </a:fgClr>
+                  <a:bgClr>
+                    <a:schemeClr val="tx2">
+                      <a:lumMod val="20000"/>
+                      <a:lumOff val="80000"/>
+                    </a:schemeClr>
+                  </a:bgClr>
+                </a:pattFill>
+                <a:effectLst>
+                  <a:outerShdw dist="38100" dir="2640000" algn="bl" rotWithShape="0">
+                    <a:schemeClr val="tx2">
+                      <a:lumMod val="75000"/>
+                    </a:schemeClr>
+                  </a:outerShdw>
+                </a:effectLst>
+              </a:rPr>
+              <a:t>справи</a:t>
+            </a:r>
+            <a:r>
+              <a:rPr lang="ru-RU" sz="4000" b="1" dirty="0">
+                <a:ln w="12700">
+                  <a:solidFill>
+                    <a:schemeClr val="tx2">
+                      <a:lumMod val="75000"/>
+                    </a:schemeClr>
+                  </a:solidFill>
+                  <a:prstDash val="solid"/>
+                </a:ln>
+                <a:pattFill prst="dkUpDiag">
+                  <a:fgClr>
+                    <a:schemeClr val="tx2"/>
+                  </a:fgClr>
+                  <a:bgClr>
+                    <a:schemeClr val="tx2">
+                      <a:lumMod val="20000"/>
+                      <a:lumOff val="80000"/>
+                    </a:schemeClr>
+                  </a:bgClr>
+                </a:pattFill>
+                <a:effectLst>
+                  <a:outerShdw dist="38100" dir="2640000" algn="bl" rotWithShape="0">
+                    <a:schemeClr val="tx2">
+                      <a:lumMod val="75000"/>
+                    </a:schemeClr>
+                  </a:outerShdw>
+                </a:effectLst>
+              </a:rPr>
+              <a:t> </a:t>
+            </a:r>
+            <a:r>
+              <a:rPr lang="ru-RU" sz="4000" b="1" dirty="0" err="1">
+                <a:ln w="12700">
+                  <a:solidFill>
+                    <a:schemeClr val="tx2">
+                      <a:lumMod val="75000"/>
+                    </a:schemeClr>
+                  </a:solidFill>
+                  <a:prstDash val="solid"/>
+                </a:ln>
+                <a:pattFill prst="dkUpDiag">
+                  <a:fgClr>
+                    <a:schemeClr val="tx2"/>
+                  </a:fgClr>
+                  <a:bgClr>
+                    <a:schemeClr val="tx2">
+                      <a:lumMod val="20000"/>
+                      <a:lumOff val="80000"/>
+                    </a:schemeClr>
+                  </a:bgClr>
+                </a:pattFill>
+                <a:effectLst>
+                  <a:outerShdw dist="38100" dir="2640000" algn="bl" rotWithShape="0">
+                    <a:schemeClr val="tx2">
+                      <a:lumMod val="75000"/>
+                    </a:schemeClr>
+                  </a:outerShdw>
+                </a:effectLst>
+              </a:rPr>
+              <a:t>със</a:t>
+            </a:r>
+            <a:r>
+              <a:rPr lang="ru-RU" sz="4000" b="1" dirty="0">
+                <a:ln w="12700">
+                  <a:solidFill>
+                    <a:schemeClr val="tx2">
+                      <a:lumMod val="75000"/>
+                    </a:schemeClr>
+                  </a:solidFill>
+                  <a:prstDash val="solid"/>
+                </a:ln>
+                <a:pattFill prst="dkUpDiag">
+                  <a:fgClr>
+                    <a:schemeClr val="tx2"/>
+                  </a:fgClr>
+                  <a:bgClr>
+                    <a:schemeClr val="tx2">
+                      <a:lumMod val="20000"/>
+                      <a:lumOff val="80000"/>
+                    </a:schemeClr>
+                  </a:bgClr>
+                </a:pattFill>
+                <a:effectLst>
+                  <a:outerShdw dist="38100" dir="2640000" algn="bl" rotWithShape="0">
+                    <a:schemeClr val="tx2">
+                      <a:lumMod val="75000"/>
+                    </a:schemeClr>
+                  </a:outerShdw>
+                </a:effectLst>
+              </a:rPr>
+              <a:t> </a:t>
+            </a:r>
+            <a:r>
+              <a:rPr lang="ru-RU" sz="4000" b="1" dirty="0" err="1">
+                <a:ln w="12700">
+                  <a:solidFill>
+                    <a:schemeClr val="tx2">
+                      <a:lumMod val="75000"/>
+                    </a:schemeClr>
+                  </a:solidFill>
+                  <a:prstDash val="solid"/>
+                </a:ln>
+                <a:pattFill prst="dkUpDiag">
+                  <a:fgClr>
+                    <a:schemeClr val="tx2"/>
+                  </a:fgClr>
+                  <a:bgClr>
+                    <a:schemeClr val="tx2">
+                      <a:lumMod val="20000"/>
+                      <a:lumOff val="80000"/>
+                    </a:schemeClr>
+                  </a:bgClr>
+                </a:pattFill>
+                <a:effectLst>
+                  <a:outerShdw dist="38100" dir="2640000" algn="bl" rotWithShape="0">
+                    <a:schemeClr val="tx2">
+                      <a:lumMod val="75000"/>
+                    </a:schemeClr>
+                  </a:outerShdw>
+                </a:effectLst>
+              </a:rPr>
+              <a:t>сложността</a:t>
+            </a:r>
+            <a:r>
+              <a:rPr lang="ru-RU" sz="4000" b="1" dirty="0">
+                <a:ln w="12700">
+                  <a:solidFill>
+                    <a:schemeClr val="tx2">
+                      <a:lumMod val="75000"/>
+                    </a:schemeClr>
+                  </a:solidFill>
+                  <a:prstDash val="solid"/>
+                </a:ln>
+                <a:pattFill prst="dkUpDiag">
+                  <a:fgClr>
+                    <a:schemeClr val="tx2"/>
+                  </a:fgClr>
+                  <a:bgClr>
+                    <a:schemeClr val="tx2">
+                      <a:lumMod val="20000"/>
+                      <a:lumOff val="80000"/>
+                    </a:schemeClr>
+                  </a:bgClr>
+                </a:pattFill>
+                <a:effectLst>
+                  <a:outerShdw dist="38100" dir="2640000" algn="bl" rotWithShape="0">
+                    <a:schemeClr val="tx2">
+                      <a:lumMod val="75000"/>
+                    </a:schemeClr>
+                  </a:outerShdw>
+                </a:effectLst>
+              </a:rPr>
+              <a:t> на бизнес </a:t>
+            </a:r>
+            <a:r>
+              <a:rPr lang="ru-RU" sz="4000" b="1" dirty="0" err="1">
+                <a:ln w="12700">
+                  <a:solidFill>
+                    <a:schemeClr val="tx2">
+                      <a:lumMod val="75000"/>
+                    </a:schemeClr>
+                  </a:solidFill>
+                  <a:prstDash val="solid"/>
+                </a:ln>
+                <a:pattFill prst="dkUpDiag">
+                  <a:fgClr>
+                    <a:schemeClr val="tx2"/>
+                  </a:fgClr>
+                  <a:bgClr>
+                    <a:schemeClr val="tx2">
+                      <a:lumMod val="20000"/>
+                      <a:lumOff val="80000"/>
+                    </a:schemeClr>
+                  </a:bgClr>
+                </a:pattFill>
+                <a:effectLst>
+                  <a:outerShdw dist="38100" dir="2640000" algn="bl" rotWithShape="0">
+                    <a:schemeClr val="tx2">
+                      <a:lumMod val="75000"/>
+                    </a:schemeClr>
+                  </a:outerShdw>
+                </a:effectLst>
+              </a:rPr>
+              <a:t>логиката</a:t>
+            </a:r>
+            <a:r>
+              <a:rPr lang="ru-RU" sz="4000" b="1" dirty="0">
+                <a:ln w="12700">
+                  <a:solidFill>
+                    <a:schemeClr val="tx2">
+                      <a:lumMod val="75000"/>
+                    </a:schemeClr>
+                  </a:solidFill>
+                  <a:prstDash val="solid"/>
+                </a:ln>
+                <a:pattFill prst="dkUpDiag">
+                  <a:fgClr>
+                    <a:schemeClr val="tx2"/>
+                  </a:fgClr>
+                  <a:bgClr>
+                    <a:schemeClr val="tx2">
+                      <a:lumMod val="20000"/>
+                      <a:lumOff val="80000"/>
+                    </a:schemeClr>
+                  </a:bgClr>
+                </a:pattFill>
+                <a:effectLst>
+                  <a:outerShdw dist="38100" dir="2640000" algn="bl" rotWithShape="0">
+                    <a:schemeClr val="tx2">
+                      <a:lumMod val="75000"/>
+                    </a:schemeClr>
+                  </a:outerShdw>
+                </a:effectLst>
+              </a:rPr>
+              <a:t>.</a:t>
+            </a:r>
+            <a:endParaRPr lang="en-US" sz="4000" b="1" dirty="0">
+              <a:ln w="12700">
+                <a:solidFill>
+                  <a:schemeClr val="tx2">
+                    <a:lumMod val="75000"/>
+                  </a:schemeClr>
+                </a:solidFill>
+                <a:prstDash val="solid"/>
+              </a:ln>
+              <a:pattFill prst="dkUpDiag">
+                <a:fgClr>
+                  <a:schemeClr val="tx2"/>
+                </a:fgClr>
+                <a:bgClr>
+                  <a:schemeClr val="tx2">
+                    <a:lumMod val="20000"/>
+                    <a:lumOff val="80000"/>
+                  </a:schemeClr>
+                </a:bgClr>
+              </a:pattFill>
+              <a:effectLst>
+                <a:outerShdw dist="38100" dir="2640000" algn="bl" rotWithShape="0">
+                  <a:schemeClr val="tx2">
+                    <a:lumMod val="75000"/>
+                  </a:schemeClr>
+                </a:outerShdw>
+              </a:effectLst>
+            </a:endParaRPr>
           </a:p>
         </p:txBody>
       </p:sp>
     </p:spTree>
     <p:extLst>
       <p:ext uri="{BB962C8B-B14F-4D97-AF65-F5344CB8AC3E}">
-        <p14:creationId xmlns:p14="http://schemas.microsoft.com/office/powerpoint/2010/main" val="1626103811"/>
+        <p14:creationId xmlns:p14="http://schemas.microsoft.com/office/powerpoint/2010/main" val="206184379"/>
       </p:ext>
     </p:extLst>
   </p:cSld>
   <p:clrMapOvr>
     <a:masterClrMapping/>
   </p:clrMapOvr>
-  <mc:AlternateContent xmlns:mc="http://schemas.openxmlformats.org/markup-compatibility/2006" xmlns:p14="http://schemas.microsoft.com/office/powerpoint/2010/main">
-    <mc:Choice Requires="p14">
+  <mc:AlternateContent xmlns:mc="http://schemas.openxmlformats.org/markup-compatibility/2006">
+    <mc:Choice xmlns:p14="http://schemas.microsoft.com/office/powerpoint/2010/main" Requires="p14">
       <p:transition spd="slow" p14:dur="800">
         <p:circle/>
       </p:transition>
     </mc:Choice>
-    <mc:Fallback xmlns="">
+    <mc:Fallback>
       <p:transition spd="slow">
         <p:circle/>
       </p:transition>
@@ -6277,39 +6219,53 @@
           <a:chExt cx="0" cy="0"/>
         </a:xfrm>
       </p:grpSpPr>
-      <p:pic>
-        <p:nvPicPr>
-          <p:cNvPr id="4" name="Picture 3"/>
-          <p:cNvPicPr>
-            <a:picLocks noChangeAspect="1"/>
-          </p:cNvPicPr>
+      <p:sp>
+        <p:nvSpPr>
+          <p:cNvPr id="8" name="Left Arrow 7"/>
+          <p:cNvSpPr/>
           <p:nvPr/>
-        </p:nvPicPr>
-        <p:blipFill>
-          <a:blip r:embed="rId2"/>
-          <a:stretch>
-            <a:fillRect/>
-          </a:stretch>
-        </p:blipFill>
+        </p:nvSpPr>
         <p:spPr>
           <a:xfrm>
-            <a:off x="6747499" y="592622"/>
-            <a:ext cx="5248275" cy="4800600"/>
+            <a:off x="5570289" y="1126111"/>
+            <a:ext cx="2024350" cy="406400"/>
           </a:xfrm>
-          <a:prstGeom prst="rect">
+          <a:prstGeom prst="leftArrow">
             <a:avLst/>
           </a:prstGeom>
         </p:spPr>
-      </p:pic>
-      <p:sp>
-        <p:nvSpPr>
-          <p:cNvPr id="8" name="Left Arrow 7"/>
+        <p:style>
+          <a:lnRef idx="1">
+            <a:schemeClr val="accent3"/>
+          </a:lnRef>
+          <a:fillRef idx="2">
+            <a:schemeClr val="accent3"/>
+          </a:fillRef>
+          <a:effectRef idx="1">
+            <a:schemeClr val="accent3"/>
+          </a:effectRef>
+          <a:fontRef idx="minor">
+            <a:schemeClr val="dk1"/>
+          </a:fontRef>
+        </p:style>
+        <p:txBody>
+          <a:bodyPr rtlCol="0" anchor="ctr"/>
+          <a:lstStyle/>
+          <a:p>
+            <a:pPr algn="ctr"/>
+            <a:endParaRPr lang="en-US"/>
+          </a:p>
+        </p:txBody>
+      </p:sp>
+      <p:sp>
+        <p:nvSpPr>
+          <p:cNvPr id="9" name="Left Arrow 8"/>
           <p:cNvSpPr/>
           <p:nvPr/>
         </p:nvSpPr>
         <p:spPr>
           <a:xfrm>
-            <a:off x="3946357" y="513349"/>
+            <a:off x="4706737" y="1863990"/>
             <a:ext cx="3170110" cy="406400"/>
           </a:xfrm>
           <a:prstGeom prst="leftArrow">
@@ -6341,14 +6297,14 @@
       </p:sp>
       <p:sp>
         <p:nvSpPr>
-          <p:cNvPr id="9" name="Left Arrow 8"/>
+          <p:cNvPr id="10" name="Left Arrow 9"/>
           <p:cNvSpPr/>
           <p:nvPr/>
         </p:nvSpPr>
         <p:spPr>
           <a:xfrm>
-            <a:off x="4195009" y="1574802"/>
-            <a:ext cx="3170110" cy="406400"/>
+            <a:off x="6283353" y="2660435"/>
+            <a:ext cx="2104119" cy="406400"/>
           </a:xfrm>
           <a:prstGeom prst="leftArrow">
             <a:avLst/>
@@ -6379,14 +6335,14 @@
       </p:sp>
       <p:sp>
         <p:nvSpPr>
-          <p:cNvPr id="10" name="Left Arrow 9"/>
+          <p:cNvPr id="11" name="Left Arrow 10"/>
           <p:cNvSpPr/>
           <p:nvPr/>
         </p:nvSpPr>
         <p:spPr>
           <a:xfrm>
-            <a:off x="4724398" y="2138950"/>
-            <a:ext cx="3170110" cy="406400"/>
+            <a:off x="6056850" y="3237422"/>
+            <a:ext cx="2315829" cy="406400"/>
           </a:xfrm>
           <a:prstGeom prst="leftArrow">
             <a:avLst/>
@@ -6417,14 +6373,14 @@
       </p:sp>
       <p:sp>
         <p:nvSpPr>
-          <p:cNvPr id="11" name="Left Arrow 10"/>
+          <p:cNvPr id="13" name="Left Arrow 12"/>
           <p:cNvSpPr/>
           <p:nvPr/>
         </p:nvSpPr>
         <p:spPr>
           <a:xfrm>
-            <a:off x="4724398" y="2658582"/>
-            <a:ext cx="3170110" cy="406400"/>
+            <a:off x="6342076" y="4004770"/>
+            <a:ext cx="2030603" cy="406400"/>
           </a:xfrm>
           <a:prstGeom prst="leftArrow">
             <a:avLst/>
@@ -6455,14 +6411,52 @@
       </p:sp>
       <p:sp>
         <p:nvSpPr>
-          <p:cNvPr id="13" name="Left Arrow 12"/>
+          <p:cNvPr id="15" name="TextBox 14"/>
+          <p:cNvSpPr txBox="1"/>
+          <p:nvPr/>
+        </p:nvSpPr>
+        <p:spPr>
+          <a:xfrm>
+            <a:off x="1160253" y="1863990"/>
+            <a:ext cx="3546484" cy="369332"/>
+          </a:xfrm>
+          <a:prstGeom prst="rect">
+            <a:avLst/>
+          </a:prstGeom>
+          <a:noFill/>
+        </p:spPr>
+        <p:txBody>
+          <a:bodyPr wrap="none" rtlCol="0">
+            <a:spAutoFit/>
+          </a:bodyPr>
+          <a:lstStyle/>
+          <a:p>
+            <a:r>
+              <a:rPr lang="bg-BG" dirty="0"/>
+              <a:t>Уеб клиент</a:t>
+            </a:r>
+            <a:r>
+              <a:rPr lang="en-US" dirty="0"/>
+              <a:t>, </a:t>
+            </a:r>
+            <a:r>
+              <a:rPr lang="bg-BG" dirty="0"/>
+              <a:t>отговарящ за статиите</a:t>
+            </a:r>
+            <a:endParaRPr lang="en-US" dirty="0"/>
+          </a:p>
+        </p:txBody>
+      </p:sp>
+      <p:sp>
+        <p:nvSpPr>
+          <p:cNvPr id="16" name="Left Arrow 15"/>
           <p:cNvSpPr/>
           <p:nvPr/>
         </p:nvSpPr>
         <p:spPr>
           <a:xfrm>
-            <a:off x="3996908" y="3425930"/>
-            <a:ext cx="3897600" cy="406400"/>
+            <a:off x="4706737" y="4825894"/>
+            <a:ext cx="3665943" cy="406400"/>
           </a:xfrm>
           <a:prstGeom prst="leftArrow">
             <a:avLst/>
@@ -6493,14 +6487,322 @@
       </p:sp>
       <p:sp>
         <p:nvSpPr>
-          <p:cNvPr id="14" name="TextBox 13"/>
+          <p:cNvPr id="18" name="Rectangle 17"/>
+          <p:cNvSpPr/>
+          <p:nvPr/>
+        </p:nvSpPr>
+        <p:spPr>
+          <a:xfrm>
+            <a:off x="574423" y="2688921"/>
+            <a:ext cx="6443579" cy="369332"/>
+          </a:xfrm>
+          <a:prstGeom prst="rect">
+            <a:avLst/>
+          </a:prstGeom>
+        </p:spPr>
+        <p:txBody>
+          <a:bodyPr wrap="square">
+            <a:spAutoFit/>
+          </a:bodyPr>
+          <a:lstStyle/>
+          <a:p>
+            <a:endParaRPr lang="en-US" dirty="0"/>
+          </a:p>
+        </p:txBody>
+      </p:sp>
+      <p:sp>
+        <p:nvSpPr>
+          <p:cNvPr id="19" name="Rectangle 18"/>
+          <p:cNvSpPr/>
+          <p:nvPr/>
+        </p:nvSpPr>
+        <p:spPr>
+          <a:xfrm>
+            <a:off x="574423" y="3265002"/>
+            <a:ext cx="6491705" cy="923330"/>
+          </a:xfrm>
+          <a:prstGeom prst="rect">
+            <a:avLst/>
+          </a:prstGeom>
+        </p:spPr>
+        <p:txBody>
+          <a:bodyPr wrap="square">
+            <a:spAutoFit/>
+          </a:bodyPr>
+          <a:lstStyle/>
+          <a:p>
+            <a:r>
+              <a:rPr lang="ru-RU" dirty="0" err="1"/>
+              <a:t>Командите</a:t>
+            </a:r>
+            <a:r>
+              <a:rPr lang="ru-RU" dirty="0"/>
+              <a:t> </a:t>
+            </a:r>
+            <a:r>
+              <a:rPr lang="ru-RU" dirty="0" err="1"/>
+              <a:t>са</a:t>
+            </a:r>
+            <a:r>
+              <a:rPr lang="ru-RU" dirty="0"/>
+              <a:t> </a:t>
+            </a:r>
+            <a:r>
+              <a:rPr lang="ru-RU" dirty="0" err="1"/>
+              <a:t>отговорни</a:t>
+            </a:r>
+            <a:r>
+              <a:rPr lang="ru-RU" dirty="0"/>
+              <a:t> за </a:t>
+            </a:r>
+            <a:r>
+              <a:rPr lang="ru-RU" dirty="0" err="1"/>
+              <a:t>промяната</a:t>
+            </a:r>
+            <a:r>
+              <a:rPr lang="ru-RU" dirty="0"/>
+              <a:t> </a:t>
+            </a:r>
+            <a:r>
+              <a:rPr lang="ru-RU" dirty="0" err="1"/>
+              <a:t>насъстояние</a:t>
+            </a:r>
+            <a:r>
+              <a:rPr lang="ru-RU" dirty="0"/>
+              <a:t> на </a:t>
+            </a:r>
+            <a:r>
+              <a:rPr lang="ru-RU" dirty="0" err="1"/>
+              <a:t>приложението</a:t>
+            </a:r>
+            <a:r>
+              <a:rPr lang="ru-RU" dirty="0"/>
+              <a:t>, т.е. </a:t>
+            </a:r>
+            <a:r>
+              <a:rPr lang="ru-RU" dirty="0" err="1"/>
+              <a:t>създаване</a:t>
+            </a:r>
+            <a:r>
+              <a:rPr lang="ru-RU" dirty="0"/>
+              <a:t>, </a:t>
+            </a:r>
+            <a:r>
+              <a:rPr lang="ru-RU" dirty="0" err="1"/>
+              <a:t>актуализиране</a:t>
+            </a:r>
+            <a:r>
+              <a:rPr lang="ru-RU" dirty="0"/>
+              <a:t> и </a:t>
+            </a:r>
+            <a:r>
+              <a:rPr lang="ru-RU" dirty="0" err="1"/>
+              <a:t>изтриване</a:t>
+            </a:r>
+            <a:r>
+              <a:rPr lang="ru-RU" dirty="0"/>
+              <a:t> на </a:t>
+            </a:r>
+            <a:r>
+              <a:rPr lang="ru-RU" dirty="0" err="1"/>
+              <a:t>обекти</a:t>
+            </a:r>
+            <a:r>
+              <a:rPr lang="ru-RU" dirty="0"/>
+              <a:t>.</a:t>
+            </a:r>
+            <a:endParaRPr lang="en-US" dirty="0"/>
+          </a:p>
+        </p:txBody>
+      </p:sp>
+      <p:sp>
+        <p:nvSpPr>
+          <p:cNvPr id="20" name="Rectangle 19"/>
+          <p:cNvSpPr/>
+          <p:nvPr/>
+        </p:nvSpPr>
+        <p:spPr>
+          <a:xfrm>
+            <a:off x="691625" y="4045448"/>
+            <a:ext cx="6096000" cy="646331"/>
+          </a:xfrm>
+          <a:prstGeom prst="rect">
+            <a:avLst/>
+          </a:prstGeom>
+        </p:spPr>
+        <p:txBody>
+          <a:bodyPr>
+            <a:spAutoFit/>
+          </a:bodyPr>
+          <a:lstStyle/>
+          <a:p>
+            <a:r>
+              <a:rPr lang="ru-RU" dirty="0" err="1"/>
+              <a:t>Заявките</a:t>
+            </a:r>
+            <a:r>
+              <a:rPr lang="ru-RU" dirty="0"/>
+              <a:t> </a:t>
+            </a:r>
+            <a:r>
+              <a:rPr lang="ru-RU" dirty="0" err="1"/>
+              <a:t>са</a:t>
+            </a:r>
+            <a:r>
+              <a:rPr lang="ru-RU" dirty="0"/>
+              <a:t> </a:t>
+            </a:r>
+            <a:r>
+              <a:rPr lang="ru-RU" dirty="0" err="1"/>
+              <a:t>отговорни</a:t>
+            </a:r>
+            <a:r>
+              <a:rPr lang="ru-RU" dirty="0"/>
+              <a:t> за </a:t>
+            </a:r>
+            <a:r>
+              <a:rPr lang="en-US" dirty="0"/>
+              <a:t>“</a:t>
+            </a:r>
+            <a:r>
+              <a:rPr lang="bg-BG" dirty="0"/>
+              <a:t>про</a:t>
+            </a:r>
+            <a:r>
+              <a:rPr lang="ru-RU" dirty="0" err="1"/>
+              <a:t>читенето</a:t>
+            </a:r>
+            <a:r>
+              <a:rPr lang="en-US" dirty="0"/>
+              <a:t>” </a:t>
+            </a:r>
+            <a:r>
+              <a:rPr lang="ru-RU" dirty="0"/>
+              <a:t> на </a:t>
+            </a:r>
+            <a:r>
+              <a:rPr lang="ru-RU" dirty="0" err="1"/>
+              <a:t>състоянието</a:t>
+            </a:r>
+            <a:r>
+              <a:rPr lang="ru-RU" dirty="0"/>
+              <a:t>, напр. за </a:t>
+            </a:r>
+            <a:r>
+              <a:rPr lang="ru-RU" dirty="0" err="1"/>
+              <a:t>показване</a:t>
+            </a:r>
+            <a:r>
+              <a:rPr lang="ru-RU" dirty="0"/>
+              <a:t> на информация на потребителя.</a:t>
+            </a:r>
+            <a:endParaRPr lang="en-US" dirty="0"/>
+          </a:p>
+        </p:txBody>
+      </p:sp>
+      <p:sp>
+        <p:nvSpPr>
+          <p:cNvPr id="21" name="Rectangle 20"/>
+          <p:cNvSpPr/>
+          <p:nvPr/>
+        </p:nvSpPr>
+        <p:spPr>
+          <a:xfrm>
+            <a:off x="1160253" y="4825894"/>
+            <a:ext cx="4124811" cy="646331"/>
+          </a:xfrm>
+          <a:prstGeom prst="rect">
+            <a:avLst/>
+          </a:prstGeom>
+        </p:spPr>
+        <p:txBody>
+          <a:bodyPr wrap="square">
+            <a:spAutoFit/>
+          </a:bodyPr>
+          <a:lstStyle/>
+          <a:p>
+            <a:r>
+              <a:rPr lang="ru-RU" dirty="0" err="1"/>
+              <a:t>Мениджърът</a:t>
+            </a:r>
+            <a:r>
+              <a:rPr lang="ru-RU" dirty="0"/>
+              <a:t> на заявка </a:t>
+            </a:r>
+            <a:r>
+              <a:rPr lang="ru-RU" dirty="0" err="1"/>
+              <a:t>реализира</a:t>
+            </a:r>
+            <a:r>
+              <a:rPr lang="ru-RU" dirty="0"/>
+              <a:t> </a:t>
+            </a:r>
+            <a:r>
+              <a:rPr lang="ru-RU" dirty="0" err="1"/>
+              <a:t>логиката</a:t>
+            </a:r>
+            <a:r>
+              <a:rPr lang="ru-RU" dirty="0"/>
+              <a:t> за </a:t>
+            </a:r>
+            <a:r>
+              <a:rPr lang="ru-RU" dirty="0" err="1"/>
+              <a:t>текущата</a:t>
+            </a:r>
+            <a:r>
+              <a:rPr lang="ru-RU" dirty="0"/>
+              <a:t> заявка.</a:t>
+            </a:r>
+            <a:endParaRPr lang="en-US" dirty="0"/>
+          </a:p>
+        </p:txBody>
+      </p:sp>
+      <p:pic>
+        <p:nvPicPr>
+          <p:cNvPr id="5" name="Picture 4">
+            <a:extLst>
+              <a:ext uri="{FF2B5EF4-FFF2-40B4-BE49-F238E27FC236}">
+                <a16:creationId xmlns:a16="http://schemas.microsoft.com/office/drawing/2014/main" id="{51FD077D-AA0A-4269-8739-AD6DE08B0D63}"/>
+              </a:ext>
+            </a:extLst>
+          </p:cNvPr>
+          <p:cNvPicPr>
+            <a:picLocks noChangeAspect="1"/>
+          </p:cNvPicPr>
+          <p:nvPr/>
+        </p:nvPicPr>
+        <p:blipFill>
+          <a:blip r:embed="rId2"/>
+          <a:stretch>
+            <a:fillRect/>
+          </a:stretch>
+        </p:blipFill>
+        <p:spPr>
+          <a:xfrm>
+            <a:off x="7169155" y="808926"/>
+            <a:ext cx="4371975" cy="5391150"/>
+          </a:xfrm>
+          <a:prstGeom prst="rect">
+            <a:avLst/>
+          </a:prstGeom>
+        </p:spPr>
+      </p:pic>
+      <p:sp>
+        <p:nvSpPr>
+          <p:cNvPr id="24" name="TextBox 23">
+            <a:extLst>
+              <a:ext uri="{FF2B5EF4-FFF2-40B4-BE49-F238E27FC236}">
+                <a16:creationId xmlns:a16="http://schemas.microsoft.com/office/drawing/2014/main" id="{8EFBD638-4DE0-4D3E-8F7A-2D8A99665F3C}"/>
+              </a:ext>
+            </a:extLst>
+          </p:cNvPr>
           <p:cNvSpPr txBox="1"/>
           <p:nvPr/>
         </p:nvSpPr>
         <p:spPr>
           <a:xfrm>
-            <a:off x="1048216" y="531883"/>
-            <a:ext cx="2948692" cy="369332"/>
+            <a:off x="826531" y="798622"/>
+            <a:ext cx="4928315" cy="923330"/>
           </a:xfrm>
           <a:prstGeom prst="rect">
             <a:avLst/>
@@ -6508,28 +6810,95 @@
           <a:noFill/>
         </p:spPr>
         <p:txBody>
-          <a:bodyPr wrap="none" rtlCol="0">
+          <a:bodyPr wrap="square" rtlCol="0">
             <a:spAutoFit/>
           </a:bodyPr>
           <a:lstStyle/>
           <a:p>
             <a:r>
-              <a:rPr lang="en-US" dirty="0"/>
-              <a:t>Personality Tests Web Service</a:t>
-            </a:r>
-          </a:p>
-        </p:txBody>
-      </p:sp>
-      <p:sp>
-        <p:nvSpPr>
-          <p:cNvPr id="15" name="TextBox 14"/>
+              <a:rPr lang="ru-RU" dirty="0" err="1"/>
+              <a:t>Отделните</a:t>
+            </a:r>
+            <a:r>
+              <a:rPr lang="ru-RU" dirty="0"/>
+              <a:t> </a:t>
+            </a:r>
+            <a:r>
+              <a:rPr lang="ru-RU" dirty="0" err="1"/>
+              <a:t>контексти</a:t>
+            </a:r>
+            <a:r>
+              <a:rPr lang="ru-RU" dirty="0"/>
+              <a:t> и </a:t>
+            </a:r>
+            <a:r>
+              <a:rPr lang="ru-RU" dirty="0" err="1"/>
+              <a:t>основният</a:t>
+            </a:r>
+            <a:r>
+              <a:rPr lang="ru-RU" dirty="0"/>
+              <a:t> </a:t>
+            </a:r>
+            <a:r>
+              <a:rPr lang="ru-RU" dirty="0" err="1"/>
+              <a:t>домейн</a:t>
+            </a:r>
+            <a:r>
+              <a:rPr lang="ru-RU" dirty="0"/>
+              <a:t> </a:t>
+            </a:r>
+            <a:r>
+              <a:rPr lang="ru-RU" dirty="0" err="1"/>
+              <a:t>са</a:t>
+            </a:r>
+            <a:r>
+              <a:rPr lang="ru-RU" dirty="0"/>
+              <a:t> </a:t>
+            </a:r>
+            <a:r>
+              <a:rPr lang="ru-RU" dirty="0" err="1"/>
+              <a:t>стратегическите</a:t>
+            </a:r>
+            <a:r>
+              <a:rPr lang="ru-RU" dirty="0"/>
+              <a:t> </a:t>
+            </a:r>
+            <a:r>
+              <a:rPr lang="ru-RU" dirty="0" err="1"/>
+              <a:t>елементи</a:t>
+            </a:r>
+            <a:r>
+              <a:rPr lang="ru-RU" dirty="0"/>
+              <a:t> и най-</a:t>
+            </a:r>
+            <a:r>
+              <a:rPr lang="ru-RU" dirty="0" err="1"/>
+              <a:t>важните</a:t>
+            </a:r>
+            <a:r>
+              <a:rPr lang="ru-RU" dirty="0"/>
+              <a:t> части на DDD.</a:t>
+            </a:r>
+            <a:endParaRPr lang="en-US" dirty="0"/>
+          </a:p>
+        </p:txBody>
+      </p:sp>
+      <p:sp>
+        <p:nvSpPr>
+          <p:cNvPr id="25" name="TextBox 24">
+            <a:extLst>
+              <a:ext uri="{FF2B5EF4-FFF2-40B4-BE49-F238E27FC236}">
+                <a16:creationId xmlns:a16="http://schemas.microsoft.com/office/drawing/2014/main" id="{DC41D1DC-DBE0-4671-835B-A021DDED839D}"/>
+              </a:ext>
+            </a:extLst>
+          </p:cNvPr>
           <p:cNvSpPr txBox="1"/>
           <p:nvPr/>
         </p:nvSpPr>
         <p:spPr>
           <a:xfrm>
-            <a:off x="1048216" y="1334473"/>
-            <a:ext cx="3751668" cy="646331"/>
+            <a:off x="574423" y="2549478"/>
+            <a:ext cx="6094602" cy="646331"/>
           </a:xfrm>
           <a:prstGeom prst="rect">
             <a:avLst/>
@@ -6537,510 +6906,106 @@
           <a:noFill/>
         </p:spPr>
         <p:txBody>
-          <a:bodyPr wrap="none" rtlCol="0">
-            <a:spAutoFit/>
-          </a:bodyPr>
-          <a:lstStyle/>
-          <a:p>
-            <a:pPr algn="ctr"/>
-            <a:r>
-              <a:rPr lang="en-US" b="1" dirty="0"/>
-              <a:t>Bounded Context </a:t>
-            </a:r>
-            <a:r>
-              <a:rPr lang="en-US" dirty="0"/>
-              <a:t>is central pattern in</a:t>
-            </a:r>
-          </a:p>
-          <a:p>
-            <a:pPr algn="ctr"/>
-            <a:r>
-              <a:rPr lang="en-US" dirty="0"/>
-              <a:t> the Domain-Driven Design</a:t>
-            </a:r>
-          </a:p>
-        </p:txBody>
-      </p:sp>
-      <p:sp>
-        <p:nvSpPr>
-          <p:cNvPr id="16" name="Left Arrow 15"/>
-          <p:cNvSpPr/>
-          <p:nvPr/>
-        </p:nvSpPr>
-        <p:spPr>
-          <a:xfrm>
-            <a:off x="4724398" y="4247054"/>
-            <a:ext cx="3170110" cy="406400"/>
-          </a:xfrm>
-          <a:prstGeom prst="leftArrow">
-            <a:avLst/>
-          </a:prstGeom>
-        </p:spPr>
-        <p:style>
-          <a:lnRef idx="1">
-            <a:schemeClr val="accent3"/>
-          </a:lnRef>
-          <a:fillRef idx="2">
-            <a:schemeClr val="accent3"/>
-          </a:fillRef>
-          <a:effectRef idx="1">
-            <a:schemeClr val="accent3"/>
-          </a:effectRef>
-          <a:fontRef idx="minor">
-            <a:schemeClr val="dk1"/>
-          </a:fontRef>
-        </p:style>
-        <p:txBody>
-          <a:bodyPr rtlCol="0" anchor="ctr"/>
-          <a:lstStyle/>
-          <a:p>
-            <a:pPr algn="ctr"/>
-            <a:endParaRPr lang="en-US"/>
-          </a:p>
-        </p:txBody>
-      </p:sp>
-      <p:sp>
-        <p:nvSpPr>
-          <p:cNvPr id="18" name="Rectangle 17"/>
-          <p:cNvSpPr/>
-          <p:nvPr/>
-        </p:nvSpPr>
-        <p:spPr>
-          <a:xfrm>
-            <a:off x="96251" y="2110081"/>
-            <a:ext cx="6443579" cy="646331"/>
-          </a:xfrm>
-          <a:prstGeom prst="rect">
-            <a:avLst/>
-          </a:prstGeom>
-        </p:spPr>
-        <p:txBody>
           <a:bodyPr wrap="square">
             <a:spAutoFit/>
           </a:bodyPr>
           <a:lstStyle/>
           <a:p>
             <a:r>
+              <a:rPr lang="bg-BG" dirty="0"/>
+              <a:t>Мениджърът </a:t>
+            </a:r>
+            <a:r>
+              <a:rPr lang="en-US" dirty="0" err="1"/>
+              <a:t>на</a:t>
+            </a:r>
+            <a:r>
               <a:rPr lang="en-US" dirty="0"/>
-              <a:t>A </a:t>
-            </a:r>
-            <a:r>
-              <a:rPr lang="en-US" b="1" dirty="0"/>
-              <a:t>command handler </a:t>
+              <a:t> </a:t>
+            </a:r>
+            <a:r>
+              <a:rPr lang="en-US" dirty="0" err="1"/>
+              <a:t>команди</a:t>
             </a:r>
             <a:r>
               <a:rPr lang="en-US" dirty="0"/>
-              <a:t>receives a command and </a:t>
-            </a:r>
-          </a:p>
-          <a:p>
+              <a:t> </a:t>
+            </a:r>
+            <a:r>
+              <a:rPr lang="en-US" dirty="0" err="1"/>
+              <a:t>получава</a:t>
+            </a:r>
             <a:r>
               <a:rPr lang="en-US" dirty="0"/>
-              <a:t>brokers a result. The result is either a successful or an exception.</a:t>
-            </a:r>
-          </a:p>
-        </p:txBody>
-      </p:sp>
-      <p:sp>
-        <p:nvSpPr>
-          <p:cNvPr id="19" name="Rectangle 18"/>
-          <p:cNvSpPr/>
-          <p:nvPr/>
-        </p:nvSpPr>
-        <p:spPr>
-          <a:xfrm>
-            <a:off x="491956" y="2686162"/>
-            <a:ext cx="6096000" cy="646331"/>
-          </a:xfrm>
-          <a:prstGeom prst="rect">
-            <a:avLst/>
-          </a:prstGeom>
-        </p:spPr>
-        <p:txBody>
-          <a:bodyPr>
-            <a:spAutoFit/>
-          </a:bodyPr>
-          <a:lstStyle/>
-          <a:p>
-            <a:r>
-              <a:rPr lang="en-US" b="1" i="0" dirty="0">
-                <a:solidFill>
-                  <a:srgbClr val="24292E"/>
-                </a:solidFill>
-                <a:effectLst/>
-              </a:rPr>
-              <a:t>Commands</a:t>
-            </a:r>
-            <a:r>
-              <a:rPr lang="en-US" b="0" i="0" dirty="0">
-                <a:solidFill>
-                  <a:srgbClr val="24292E"/>
-                </a:solidFill>
-                <a:effectLst/>
-              </a:rPr>
-              <a:t> are responsible for </a:t>
-            </a:r>
-            <a:r>
-              <a:rPr lang="en-US" b="1" i="0" dirty="0">
-                <a:solidFill>
-                  <a:srgbClr val="24292E"/>
-                </a:solidFill>
-                <a:effectLst/>
-              </a:rPr>
-              <a:t>changing</a:t>
-            </a:r>
-            <a:r>
-              <a:rPr lang="en-US" b="0" i="0" dirty="0">
-                <a:solidFill>
-                  <a:srgbClr val="24292E"/>
-                </a:solidFill>
-                <a:effectLst/>
-              </a:rPr>
-              <a:t> the </a:t>
-            </a:r>
-          </a:p>
-          <a:p>
-            <a:r>
-              <a:rPr lang="en-US" b="0" i="0" dirty="0">
-                <a:solidFill>
-                  <a:srgbClr val="24292E"/>
-                </a:solidFill>
-                <a:effectLst/>
-              </a:rPr>
-              <a:t>application state, i.e. creating, updating and deleting entities.</a:t>
-            </a:r>
-            <a:endParaRPr lang="en-US" dirty="0"/>
-          </a:p>
-        </p:txBody>
-      </p:sp>
-      <p:sp>
-        <p:nvSpPr>
-          <p:cNvPr id="20" name="Rectangle 19"/>
-          <p:cNvSpPr/>
-          <p:nvPr/>
-        </p:nvSpPr>
-        <p:spPr>
-          <a:xfrm>
-            <a:off x="213453" y="3466608"/>
-            <a:ext cx="6096000" cy="646331"/>
-          </a:xfrm>
-          <a:prstGeom prst="rect">
-            <a:avLst/>
-          </a:prstGeom>
-        </p:spPr>
-        <p:txBody>
-          <a:bodyPr>
-            <a:spAutoFit/>
-          </a:bodyPr>
-          <a:lstStyle/>
-          <a:p>
-            <a:r>
-              <a:rPr lang="en-US" b="1" i="0" dirty="0">
-                <a:solidFill>
-                  <a:srgbClr val="24292E"/>
-                </a:solidFill>
-                <a:effectLst/>
-              </a:rPr>
-              <a:t>Queries</a:t>
-            </a:r>
-            <a:r>
-              <a:rPr lang="en-US" b="0" i="0" dirty="0">
-                <a:solidFill>
-                  <a:srgbClr val="24292E"/>
-                </a:solidFill>
-                <a:effectLst/>
-              </a:rPr>
-              <a:t> are responsible for </a:t>
-            </a:r>
-            <a:r>
-              <a:rPr lang="en-US" b="1" i="0" dirty="0">
-                <a:solidFill>
-                  <a:srgbClr val="24292E"/>
-                </a:solidFill>
-                <a:effectLst/>
-              </a:rPr>
-              <a:t>reading</a:t>
-            </a:r>
-            <a:r>
-              <a:rPr lang="en-US" b="0" i="0" dirty="0">
-                <a:solidFill>
-                  <a:srgbClr val="24292E"/>
-                </a:solidFill>
-                <a:effectLst/>
-              </a:rPr>
-              <a:t> the </a:t>
-            </a:r>
-          </a:p>
-          <a:p>
-            <a:r>
-              <a:rPr lang="en-US" b="0" i="0" dirty="0">
-                <a:solidFill>
-                  <a:srgbClr val="24292E"/>
-                </a:solidFill>
-                <a:effectLst/>
-              </a:rPr>
-              <a:t>application state, e.g. to display information to the user.</a:t>
-            </a:r>
-            <a:endParaRPr lang="en-US" dirty="0"/>
-          </a:p>
-        </p:txBody>
-      </p:sp>
-      <p:sp>
-        <p:nvSpPr>
-          <p:cNvPr id="21" name="Rectangle 20"/>
-          <p:cNvSpPr/>
-          <p:nvPr/>
-        </p:nvSpPr>
-        <p:spPr>
-          <a:xfrm>
-            <a:off x="1898315" y="4247054"/>
-            <a:ext cx="4825037" cy="646331"/>
-          </a:xfrm>
-          <a:prstGeom prst="rect">
-            <a:avLst/>
-          </a:prstGeom>
-        </p:spPr>
-        <p:txBody>
-          <a:bodyPr wrap="square">
-            <a:spAutoFit/>
-          </a:bodyPr>
-          <a:lstStyle/>
-          <a:p>
+              <a:t> </a:t>
+            </a:r>
+            <a:r>
+              <a:rPr lang="en-US" dirty="0" err="1"/>
+              <a:t>команда</a:t>
+            </a:r>
             <a:r>
               <a:rPr lang="en-US" dirty="0"/>
-              <a:t>A </a:t>
-            </a:r>
-            <a:r>
-              <a:rPr lang="en-US" b="1" dirty="0"/>
-              <a:t>query handler </a:t>
+              <a:t> и</a:t>
+            </a:r>
+            <a:r>
+              <a:rPr lang="bg-BG" dirty="0"/>
+              <a:t> обработва</a:t>
             </a:r>
             <a:r>
               <a:rPr lang="en-US" dirty="0"/>
-              <a:t>implements </a:t>
-            </a:r>
-            <a:br>
+              <a:t> </a:t>
+            </a:r>
+            <a:r>
+              <a:rPr lang="en-US" dirty="0" err="1"/>
+              <a:t>резултат</a:t>
+            </a:r>
+            <a:r>
+              <a:rPr lang="bg-BG" dirty="0"/>
+              <a:t>,</a:t>
+            </a:r>
+            <a:r>
               <a:rPr lang="en-US" dirty="0"/>
-            </a:br>
+              <a:t> </a:t>
+            </a:r>
+            <a:r>
+              <a:rPr lang="bg-BG" dirty="0"/>
+              <a:t>който може да бъде</a:t>
+            </a:r>
             <a:r>
               <a:rPr lang="en-US" dirty="0"/>
-              <a:t>the logic for the current query.</a:t>
-            </a:r>
-          </a:p>
-        </p:txBody>
-      </p:sp>
-      <p:pic>
-        <p:nvPicPr>
-          <p:cNvPr id="22" name="Picture 21" descr="Резултат с изображение за MEDIATR"/>
-          <p:cNvPicPr>
-            <a:picLocks noChangeAspect="1" noChangeArrowheads="1"/>
-          </p:cNvPicPr>
-          <p:nvPr/>
-        </p:nvPicPr>
-        <p:blipFill>
-          <a:blip r:embed="rId3">
-            <a:extLst>
-              <a:ext uri="{28A0092B-C50C-407E-A947-70E740481C1C}">
-                <a14:useLocalDpi xmlns:a14="http://schemas.microsoft.com/office/drawing/2010/main" val="0"/>
-              </a:ext>
-            </a:extLst>
-          </a:blip>
-          <a:srcRect/>
-          <a:stretch>
-            <a:fillRect/>
-          </a:stretch>
-        </p:blipFill>
-        <p:spPr bwMode="auto">
-          <a:xfrm>
-            <a:off x="5345575" y="4998028"/>
-            <a:ext cx="1057898" cy="1057899"/>
-          </a:xfrm>
-          <a:prstGeom prst="rect">
-            <a:avLst/>
-          </a:prstGeom>
-          <a:noFill/>
-          <a:extLst>
-            <a:ext uri="{909E8E84-426E-40DD-AFC4-6F175D3DCCD1}">
-              <a14:hiddenFill xmlns:a14="http://schemas.microsoft.com/office/drawing/2010/main">
-                <a:solidFill>
-                  <a:srgbClr val="FFFFFF"/>
-                </a:solidFill>
-              </a14:hiddenFill>
-            </a:ext>
-          </a:extLst>
-        </p:spPr>
-      </p:pic>
-      <p:sp>
-        <p:nvSpPr>
-          <p:cNvPr id="23" name="Rectangle 22"/>
-          <p:cNvSpPr/>
-          <p:nvPr/>
-        </p:nvSpPr>
-        <p:spPr>
-          <a:xfrm>
-            <a:off x="1593075" y="5532707"/>
-            <a:ext cx="6096000" cy="523220"/>
-          </a:xfrm>
-          <a:prstGeom prst="rect">
-            <a:avLst/>
-          </a:prstGeom>
-        </p:spPr>
-        <p:txBody>
-          <a:bodyPr>
-            <a:spAutoFit/>
-          </a:bodyPr>
-          <a:lstStyle/>
-          <a:p>
-            <a:pPr algn="ctr"/>
-            <a:r>
-              <a:rPr lang="en-US" sz="2800" b="1" cap="none" spc="0" dirty="0">
-                <a:ln w="12700">
-                  <a:solidFill>
-                    <a:schemeClr val="tx2">
-                      <a:lumMod val="75000"/>
-                    </a:schemeClr>
-                  </a:solidFill>
-                  <a:prstDash val="solid"/>
-                </a:ln>
-                <a:pattFill prst="dkUpDiag">
-                  <a:fgClr>
-                    <a:schemeClr val="tx2"/>
-                  </a:fgClr>
-                  <a:bgClr>
-                    <a:schemeClr val="tx2">
-                      <a:lumMod val="20000"/>
-                      <a:lumOff val="80000"/>
-                    </a:schemeClr>
-                  </a:bgClr>
-                </a:pattFill>
-                <a:effectLst>
-                  <a:outerShdw dist="38100" dir="2640000" algn="bl" rotWithShape="0">
-                    <a:schemeClr val="tx2">
-                      <a:lumMod val="75000"/>
-                    </a:schemeClr>
-                  </a:outerShdw>
-                </a:effectLst>
-              </a:rPr>
-              <a:t>Implemented with the               </a:t>
-            </a:r>
-            <a:r>
-              <a:rPr lang="en-US" sz="2800" b="1" cap="none" spc="0" dirty="0" err="1">
-                <a:ln w="12700">
-                  <a:solidFill>
-                    <a:schemeClr val="tx2">
-                      <a:lumMod val="75000"/>
-                    </a:schemeClr>
-                  </a:solidFill>
-                  <a:prstDash val="solid"/>
-                </a:ln>
-                <a:pattFill prst="dkUpDiag">
-                  <a:fgClr>
-                    <a:schemeClr val="tx2"/>
-                  </a:fgClr>
-                  <a:bgClr>
-                    <a:schemeClr val="tx2">
-                      <a:lumMod val="20000"/>
-                      <a:lumOff val="80000"/>
-                    </a:schemeClr>
-                  </a:bgClr>
-                </a:pattFill>
-                <a:effectLst>
-                  <a:outerShdw dist="38100" dir="2640000" algn="bl" rotWithShape="0">
-                    <a:schemeClr val="tx2">
-                      <a:lumMod val="75000"/>
-                    </a:schemeClr>
-                  </a:outerShdw>
-                </a:effectLst>
-              </a:rPr>
-              <a:t>ediatR</a:t>
-            </a:r>
-            <a:r>
-              <a:rPr lang="en-US" sz="2800" b="1" cap="none" spc="0" dirty="0">
-                <a:ln w="12700">
-                  <a:solidFill>
-                    <a:schemeClr val="tx2">
-                      <a:lumMod val="75000"/>
-                    </a:schemeClr>
-                  </a:solidFill>
-                  <a:prstDash val="solid"/>
-                </a:ln>
-                <a:pattFill prst="dkUpDiag">
-                  <a:fgClr>
-                    <a:schemeClr val="tx2"/>
-                  </a:fgClr>
-                  <a:bgClr>
-                    <a:schemeClr val="tx2">
-                      <a:lumMod val="20000"/>
-                      <a:lumOff val="80000"/>
-                    </a:schemeClr>
-                  </a:bgClr>
-                </a:pattFill>
-                <a:effectLst>
-                  <a:outerShdw dist="38100" dir="2640000" algn="bl" rotWithShape="0">
-                    <a:schemeClr val="tx2">
-                      <a:lumMod val="75000"/>
-                    </a:schemeClr>
-                  </a:outerShdw>
-                </a:effectLst>
-              </a:rPr>
               <a:t> </a:t>
             </a:r>
-          </a:p>
-        </p:txBody>
-      </p:sp>
-      <p:sp>
-        <p:nvSpPr>
-          <p:cNvPr id="3" name="Cloud Callout 2"/>
-          <p:cNvSpPr/>
-          <p:nvPr/>
-        </p:nvSpPr>
-        <p:spPr>
-          <a:xfrm>
-            <a:off x="10427407" y="2438400"/>
-            <a:ext cx="1577392" cy="751690"/>
-          </a:xfrm>
-          <a:prstGeom prst="cloudCallout">
-            <a:avLst>
-              <a:gd name="adj1" fmla="val -42103"/>
-              <a:gd name="adj2" fmla="val 65789"/>
-            </a:avLst>
-          </a:prstGeom>
-          <a:solidFill>
-            <a:schemeClr val="bg1">
-              <a:lumMod val="65000"/>
-            </a:schemeClr>
-          </a:solidFill>
-          <a:ln>
-            <a:solidFill>
-              <a:schemeClr val="bg1">
-                <a:lumMod val="95000"/>
-              </a:schemeClr>
-            </a:solidFill>
-          </a:ln>
-        </p:spPr>
-        <p:style>
-          <a:lnRef idx="2">
-            <a:schemeClr val="accent1">
-              <a:shade val="50000"/>
-            </a:schemeClr>
-          </a:lnRef>
-          <a:fillRef idx="1">
-            <a:schemeClr val="accent1"/>
-          </a:fillRef>
-          <a:effectRef idx="0">
-            <a:schemeClr val="accent1"/>
-          </a:effectRef>
-          <a:fontRef idx="minor">
-            <a:schemeClr val="lt1"/>
-          </a:fontRef>
-        </p:style>
-        <p:txBody>
-          <a:bodyPr rtlCol="0" anchor="ctr"/>
-          <a:lstStyle/>
-          <a:p>
-            <a:pPr algn="ctr"/>
-            <a:r>
-              <a:rPr lang="en-US" sz="1400" dirty="0"/>
-              <a:t>Fluent Command Validation</a:t>
+            <a:r>
+              <a:rPr lang="en-US" dirty="0" err="1"/>
+              <a:t>или</a:t>
+            </a:r>
+            <a:r>
+              <a:rPr lang="en-US" dirty="0"/>
+              <a:t> </a:t>
+            </a:r>
+            <a:r>
+              <a:rPr lang="en-US" dirty="0" err="1"/>
+              <a:t>успех</a:t>
+            </a:r>
+            <a:r>
+              <a:rPr lang="en-US" dirty="0"/>
+              <a:t>, </a:t>
+            </a:r>
+            <a:r>
+              <a:rPr lang="en-US" dirty="0" err="1"/>
+              <a:t>или</a:t>
+            </a:r>
+            <a:r>
+              <a:rPr lang="en-US" dirty="0"/>
+              <a:t> </a:t>
+            </a:r>
+            <a:r>
+              <a:rPr lang="en-US" dirty="0" err="1"/>
+              <a:t>изключение</a:t>
+            </a:r>
+            <a:r>
+              <a:rPr lang="en-US" dirty="0"/>
+              <a:t>.</a:t>
             </a:r>
           </a:p>
         </p:txBody>
@@ -7048,7 +7013,7 @@
     </p:spTree>
     <p:extLst>
       <p:ext uri="{BB962C8B-B14F-4D97-AF65-F5344CB8AC3E}">
-        <p14:creationId xmlns:p14="http://schemas.microsoft.com/office/powerpoint/2010/main" val="1208745704"/>
+        <p14:creationId xmlns:p14="http://schemas.microsoft.com/office/powerpoint/2010/main" val="2360905414"/>
       </p:ext>
     </p:extLst>
   </p:cSld>
@@ -7089,7 +7054,7 @@
       </p:grpSpPr>
       <p:pic>
         <p:nvPicPr>
-          <p:cNvPr id="5" name="Picture 4"/>
+          <p:cNvPr id="4" name="Picture 3"/>
           <p:cNvPicPr>
             <a:picLocks noChangeAspect="1"/>
           </p:cNvPicPr>
@@ -7109,8 +7074,8 @@
         </p:blipFill>
         <p:spPr>
           <a:xfrm>
-            <a:off x="0" y="-16992"/>
-            <a:ext cx="12192000" cy="6858000"/>
+            <a:off x="0" y="-7166"/>
+            <a:ext cx="12192000" cy="6874593"/>
           </a:xfrm>
           <a:prstGeom prst="rect">
             <a:avLst/>
@@ -7119,31 +7084,28 @@
       </p:pic>
       <p:sp>
         <p:nvSpPr>
-          <p:cNvPr id="7" name="Content Placeholder 2"/>
-          <p:cNvSpPr>
-            <a:spLocks noGrp="1"/>
-          </p:cNvSpPr>
-          <p:nvPr>
-            <p:ph idx="1"/>
-          </p:nvPr>
+          <p:cNvPr id="8" name="Rectangle 7"/>
+          <p:cNvSpPr/>
+          <p:nvPr/>
         </p:nvSpPr>
         <p:spPr>
           <a:xfrm>
-            <a:off x="4150894" y="474334"/>
-            <a:ext cx="3781353" cy="772051"/>
+            <a:off x="0" y="2506593"/>
+            <a:ext cx="12583486" cy="707886"/>
           </a:xfrm>
+          <a:prstGeom prst="rect">
+            <a:avLst/>
+          </a:prstGeom>
         </p:spPr>
         <p:txBody>
-          <a:bodyPr>
-            <a:noAutofit/>
+          <a:bodyPr wrap="square">
+            <a:spAutoFit/>
           </a:bodyPr>
           <a:lstStyle/>
           <a:p>
-            <a:pPr marL="0" indent="0" algn="just">
-              <a:buNone/>
-            </a:pPr>
-            <a:r>
-              <a:rPr lang="en-US" sz="4000" b="1" cap="none" spc="0" dirty="0">
+            <a:pPr algn="ctr"/>
+            <a:r>
+              <a:rPr lang="bg-BG" sz="4000" b="1" dirty="0">
                 <a:ln w="12700">
                   <a:solidFill>
                     <a:schemeClr val="tx2">
@@ -7171,206 +7133,142 @@
                   </a:outerShdw>
                 </a:effectLst>
               </a:rPr>
-              <a:t>Event Sourcing</a:t>
-            </a:r>
-            <a:endParaRPr lang="en-US" sz="4000" dirty="0"/>
+              <a:t>„</a:t>
+            </a:r>
+            <a:r>
+              <a:rPr lang="bg-BG" sz="4000" b="1" dirty="0" err="1">
+                <a:ln w="12700">
+                  <a:solidFill>
+                    <a:schemeClr val="tx2">
+                      <a:lumMod val="75000"/>
+                    </a:schemeClr>
+                  </a:solidFill>
+                  <a:prstDash val="solid"/>
+                </a:ln>
+                <a:pattFill prst="dkUpDiag">
+                  <a:fgClr>
+                    <a:schemeClr val="tx2"/>
+                  </a:fgClr>
+                  <a:bgClr>
+                    <a:schemeClr val="tx2">
+                      <a:lumMod val="20000"/>
+                      <a:lumOff val="80000"/>
+                    </a:schemeClr>
+                  </a:bgClr>
+                </a:pattFill>
+                <a:effectLst>
+                  <a:outerShdw dist="38100" dir="2640000" algn="bl" rotWithShape="0">
+                    <a:schemeClr val="tx2">
+                      <a:lumMod val="75000"/>
+                    </a:schemeClr>
+                  </a:outerShdw>
+                </a:effectLst>
+              </a:rPr>
+              <a:t>У</a:t>
+            </a:r>
+            <a:r>
+              <a:rPr lang="bg-BG" sz="4000" b="1" cap="none" spc="0" dirty="0" err="1">
+                <a:ln w="12700">
+                  <a:solidFill>
+                    <a:schemeClr val="tx2">
+                      <a:lumMod val="75000"/>
+                    </a:schemeClr>
+                  </a:solidFill>
+                  <a:prstDash val="solid"/>
+                </a:ln>
+                <a:pattFill prst="dkUpDiag">
+                  <a:fgClr>
+                    <a:schemeClr val="tx2"/>
+                  </a:fgClr>
+                  <a:bgClr>
+                    <a:schemeClr val="tx2">
+                      <a:lumMod val="20000"/>
+                      <a:lumOff val="80000"/>
+                    </a:schemeClr>
+                  </a:bgClr>
+                </a:pattFill>
+                <a:effectLst>
+                  <a:outerShdw dist="38100" dir="2640000" algn="bl" rotWithShape="0">
+                    <a:schemeClr val="tx2">
+                      <a:lumMod val="75000"/>
+                    </a:schemeClr>
+                  </a:outerShdw>
+                </a:effectLst>
+              </a:rPr>
+              <a:t>ниверсален“език</a:t>
+            </a:r>
+            <a:r>
+              <a:rPr lang="bg-BG" sz="4000" b="1" cap="none" spc="0" dirty="0">
+                <a:ln w="12700">
+                  <a:solidFill>
+                    <a:schemeClr val="tx2">
+                      <a:lumMod val="75000"/>
+                    </a:schemeClr>
+                  </a:solidFill>
+                  <a:prstDash val="solid"/>
+                </a:ln>
+                <a:pattFill prst="dkUpDiag">
+                  <a:fgClr>
+                    <a:schemeClr val="tx2"/>
+                  </a:fgClr>
+                  <a:bgClr>
+                    <a:schemeClr val="tx2">
+                      <a:lumMod val="20000"/>
+                      <a:lumOff val="80000"/>
+                    </a:schemeClr>
+                  </a:bgClr>
+                </a:pattFill>
+                <a:effectLst>
+                  <a:outerShdw dist="38100" dir="2640000" algn="bl" rotWithShape="0">
+                    <a:schemeClr val="tx2">
+                      <a:lumMod val="75000"/>
+                    </a:schemeClr>
+                  </a:outerShdw>
+                </a:effectLst>
+              </a:rPr>
+              <a:t> чрез функционално програмиране</a:t>
+            </a:r>
+            <a:endParaRPr lang="en-US" sz="4000" b="1" cap="none" spc="0" dirty="0">
+              <a:ln w="12700">
+                <a:solidFill>
+                  <a:schemeClr val="tx2">
+                    <a:lumMod val="75000"/>
+                  </a:schemeClr>
+                </a:solidFill>
+                <a:prstDash val="solid"/>
+              </a:ln>
+              <a:pattFill prst="dkUpDiag">
+                <a:fgClr>
+                  <a:schemeClr val="tx2"/>
+                </a:fgClr>
+                <a:bgClr>
+                  <a:schemeClr val="tx2">
+                    <a:lumMod val="20000"/>
+                    <a:lumOff val="80000"/>
+                  </a:schemeClr>
+                </a:bgClr>
+              </a:pattFill>
+              <a:effectLst>
+                <a:outerShdw dist="38100" dir="2640000" algn="bl" rotWithShape="0">
+                  <a:schemeClr val="tx2">
+                    <a:lumMod val="75000"/>
+                  </a:schemeClr>
+                </a:outerShdw>
+              </a:effectLst>
+            </a:endParaRPr>
           </a:p>
         </p:txBody>
       </p:sp>
       <p:pic>
         <p:nvPicPr>
-          <p:cNvPr id="2" name="Picture 1"/>
-          <p:cNvPicPr>
-            <a:picLocks noChangeAspect="1"/>
-          </p:cNvPicPr>
-          <p:nvPr/>
-        </p:nvPicPr>
-        <p:blipFill>
-          <a:blip r:embed="rId3"/>
-          <a:stretch>
-            <a:fillRect/>
-          </a:stretch>
-        </p:blipFill>
-        <p:spPr>
-          <a:xfrm>
-            <a:off x="2194968" y="3700756"/>
-            <a:ext cx="7375775" cy="1599914"/>
-          </a:xfrm>
-          <a:prstGeom prst="rect">
-            <a:avLst/>
-          </a:prstGeom>
-        </p:spPr>
-      </p:pic>
-      <p:sp>
-        <p:nvSpPr>
-          <p:cNvPr id="6" name="TextBox 2"/>
-          <p:cNvSpPr txBox="1"/>
-          <p:nvPr/>
-        </p:nvSpPr>
-        <p:spPr>
-          <a:xfrm>
-            <a:off x="1942193" y="1150007"/>
-            <a:ext cx="6565900" cy="1477328"/>
-          </a:xfrm>
-          <a:prstGeom prst="rect">
-            <a:avLst/>
-          </a:prstGeom>
-          <a:noFill/>
-        </p:spPr>
-        <p:txBody>
-          <a:bodyPr wrap="square" rtlCol="0">
-            <a:spAutoFit/>
-          </a:bodyPr>
-          <a:lstStyle>
-            <a:defPPr>
-              <a:defRPr lang="en-US"/>
-            </a:defPPr>
-            <a:lvl1pPr marL="0" algn="l" defTabSz="914400" rtl="0" eaLnBrk="1" latinLnBrk="0" hangingPunct="1">
-              <a:defRPr sz="1800" kern="1200">
-                <a:solidFill>
-                  <a:schemeClr val="tx1"/>
-                </a:solidFill>
-                <a:latin typeface="+mn-lt"/>
-                <a:ea typeface="+mn-ea"/>
-                <a:cs typeface="+mn-cs"/>
-              </a:defRPr>
-            </a:lvl1pPr>
-            <a:lvl2pPr marL="457200" algn="l" defTabSz="914400" rtl="0" eaLnBrk="1" latinLnBrk="0" hangingPunct="1">
-              <a:defRPr sz="1800" kern="1200">
-                <a:solidFill>
-                  <a:schemeClr val="tx1"/>
-                </a:solidFill>
-                <a:latin typeface="+mn-lt"/>
-                <a:ea typeface="+mn-ea"/>
-                <a:cs typeface="+mn-cs"/>
-              </a:defRPr>
-            </a:lvl2pPr>
-            <a:lvl3pPr marL="914400" algn="l" defTabSz="914400" rtl="0" eaLnBrk="1" latinLnBrk="0" hangingPunct="1">
-              <a:defRPr sz="1800" kern="1200">
-                <a:solidFill>
-                  <a:schemeClr val="tx1"/>
-                </a:solidFill>
-                <a:latin typeface="+mn-lt"/>
-                <a:ea typeface="+mn-ea"/>
-                <a:cs typeface="+mn-cs"/>
-              </a:defRPr>
-            </a:lvl3pPr>
-            <a:lvl4pPr marL="1371600" algn="l" defTabSz="914400" rtl="0" eaLnBrk="1" latinLnBrk="0" hangingPunct="1">
-              <a:defRPr sz="1800" kern="1200">
-                <a:solidFill>
-                  <a:schemeClr val="tx1"/>
-                </a:solidFill>
-                <a:latin typeface="+mn-lt"/>
-                <a:ea typeface="+mn-ea"/>
-                <a:cs typeface="+mn-cs"/>
-              </a:defRPr>
-            </a:lvl4pPr>
-            <a:lvl5pPr marL="1828800" algn="l" defTabSz="914400" rtl="0" eaLnBrk="1" latinLnBrk="0" hangingPunct="1">
-              <a:defRPr sz="1800" kern="1200">
-                <a:solidFill>
-                  <a:schemeClr val="tx1"/>
-                </a:solidFill>
-                <a:latin typeface="+mn-lt"/>
-                <a:ea typeface="+mn-ea"/>
-                <a:cs typeface="+mn-cs"/>
-              </a:defRPr>
-            </a:lvl5pPr>
-            <a:lvl6pPr marL="2286000" algn="l" defTabSz="914400" rtl="0" eaLnBrk="1" latinLnBrk="0" hangingPunct="1">
-              <a:defRPr sz="1800" kern="1200">
-                <a:solidFill>
-                  <a:schemeClr val="tx1"/>
-                </a:solidFill>
-                <a:latin typeface="+mn-lt"/>
-                <a:ea typeface="+mn-ea"/>
-                <a:cs typeface="+mn-cs"/>
-              </a:defRPr>
-            </a:lvl6pPr>
-            <a:lvl7pPr marL="2743200" algn="l" defTabSz="914400" rtl="0" eaLnBrk="1" latinLnBrk="0" hangingPunct="1">
-              <a:defRPr sz="1800" kern="1200">
-                <a:solidFill>
-                  <a:schemeClr val="tx1"/>
-                </a:solidFill>
-                <a:latin typeface="+mn-lt"/>
-                <a:ea typeface="+mn-ea"/>
-                <a:cs typeface="+mn-cs"/>
-              </a:defRPr>
-            </a:lvl7pPr>
-            <a:lvl8pPr marL="3200400" algn="l" defTabSz="914400" rtl="0" eaLnBrk="1" latinLnBrk="0" hangingPunct="1">
-              <a:defRPr sz="1800" kern="1200">
-                <a:solidFill>
-                  <a:schemeClr val="tx1"/>
-                </a:solidFill>
-                <a:latin typeface="+mn-lt"/>
-                <a:ea typeface="+mn-ea"/>
-                <a:cs typeface="+mn-cs"/>
-              </a:defRPr>
-            </a:lvl8pPr>
-            <a:lvl9pPr marL="3657600" algn="l" defTabSz="914400" rtl="0" eaLnBrk="1" latinLnBrk="0" hangingPunct="1">
-              <a:defRPr sz="1800" kern="1200">
-                <a:solidFill>
-                  <a:schemeClr val="tx1"/>
-                </a:solidFill>
-                <a:latin typeface="+mn-lt"/>
-                <a:ea typeface="+mn-ea"/>
-                <a:cs typeface="+mn-cs"/>
-              </a:defRPr>
-            </a:lvl9pPr>
-          </a:lstStyle>
-          <a:p>
-            <a:pPr marL="342900" indent="-342900">
-              <a:buAutoNum type="arabicPeriod"/>
-            </a:pPr>
-            <a:r>
-              <a:rPr lang="en-US" dirty="0"/>
-              <a:t>Implementing an event-driven architecture and makes it possible to reliably publish events</a:t>
-            </a:r>
-          </a:p>
-          <a:p>
-            <a:pPr marL="342900" indent="-342900">
-              <a:buAutoNum type="arabicPeriod"/>
-            </a:pPr>
-            <a:r>
-              <a:rPr lang="en-US" dirty="0"/>
-              <a:t>Provides a 100% reliable audit log of the changes made to a business entity (</a:t>
-            </a:r>
-            <a:r>
-              <a:rPr lang="en-US" b="1" dirty="0"/>
-              <a:t>Very</a:t>
-            </a:r>
-            <a:r>
-              <a:rPr lang="en-US" dirty="0"/>
-              <a:t> </a:t>
-            </a:r>
-            <a:r>
-              <a:rPr lang="en-US" b="1" dirty="0"/>
-              <a:t>useful</a:t>
-            </a:r>
-            <a:r>
-              <a:rPr lang="en-US" dirty="0"/>
-              <a:t> for reports)</a:t>
-            </a:r>
-          </a:p>
-          <a:p>
-            <a:pPr marL="342900" indent="-342900">
-              <a:buAutoNum type="arabicPeriod"/>
-            </a:pPr>
-            <a:r>
-              <a:rPr lang="en-US" dirty="0"/>
-              <a:t>Implementation via </a:t>
-            </a:r>
-          </a:p>
-        </p:txBody>
-      </p:sp>
-      <p:pic>
-        <p:nvPicPr>
-          <p:cNvPr id="8" name="Picture 7" descr="Резултат с изображение за marten dot net"/>
+          <p:cNvPr id="6" name="Picture 5" descr="https://devadventures.net/wp-content/uploads/2018/09/lambda-c-sharp.png"/>
           <p:cNvPicPr>
             <a:picLocks noChangeAspect="1" noChangeArrowheads="1"/>
           </p:cNvPicPr>
           <p:nvPr/>
         </p:nvPicPr>
         <p:blipFill>
-          <a:blip r:embed="rId4" cstate="print">
+          <a:blip r:embed="rId3">
             <a:extLst>
               <a:ext uri="{28A0092B-C50C-407E-A947-70E740481C1C}">
                 <a14:useLocalDpi xmlns:a14="http://schemas.microsoft.com/office/drawing/2010/main" val="0"/>
@@ -7384,8 +7282,8 @@
         </p:blipFill>
         <p:spPr bwMode="auto">
           <a:xfrm>
-            <a:off x="4150894" y="2307183"/>
-            <a:ext cx="3463925" cy="1164696"/>
+            <a:off x="-52134" y="3266381"/>
+            <a:ext cx="6943725" cy="3905846"/>
           </a:xfrm>
           <a:prstGeom prst="rect">
             <a:avLst/>
@@ -7402,16 +7300,209 @@
           </a:extLst>
         </p:spPr>
       </p:pic>
-      <p:sp>
-        <p:nvSpPr>
-          <p:cNvPr id="9" name="TextBox 4"/>
+      <p:pic>
+        <p:nvPicPr>
+          <p:cNvPr id="7" name="Picture 2" descr="https://devadventures.net/wp-content/uploads/2018/09/lambda-c-sharp.png"/>
+          <p:cNvPicPr>
+            <a:picLocks noChangeAspect="1" noChangeArrowheads="1"/>
+          </p:cNvPicPr>
+          <p:nvPr/>
+        </p:nvPicPr>
+        <p:blipFill>
+          <a:blip r:embed="rId4">
+            <a:extLst>
+              <a:ext uri="{28A0092B-C50C-407E-A947-70E740481C1C}">
+                <a14:useLocalDpi xmlns:a14="http://schemas.microsoft.com/office/drawing/2010/main" val="0"/>
+              </a:ext>
+            </a:extLst>
+          </a:blip>
+          <a:srcRect/>
+          <a:stretch>
+            <a:fillRect/>
+          </a:stretch>
+        </p:blipFill>
+        <p:spPr bwMode="auto">
+          <a:xfrm>
+            <a:off x="-1334040" y="3168313"/>
+            <a:ext cx="6943725" cy="3905846"/>
+          </a:xfrm>
+          <a:prstGeom prst="rect">
+            <a:avLst/>
+          </a:prstGeom>
+          <a:noFill/>
+          <a:extLst>
+            <a:ext uri="{909E8E84-426E-40DD-AFC4-6F175D3DCCD1}">
+              <a14:hiddenFill xmlns:a14="http://schemas.microsoft.com/office/drawing/2010/main">
+                <a:solidFill>
+                  <a:srgbClr val="FFFFFF"/>
+                </a:solidFill>
+              </a14:hiddenFill>
+            </a:ext>
+          </a:extLst>
+        </p:spPr>
+      </p:pic>
+      <p:pic>
+        <p:nvPicPr>
+          <p:cNvPr id="9" name="Picture 2" descr="https://devadventures.net/wp-content/uploads/2018/09/lambda-c-sharp.png"/>
+          <p:cNvPicPr>
+            <a:picLocks noChangeAspect="1" noChangeArrowheads="1"/>
+          </p:cNvPicPr>
+          <p:nvPr/>
+        </p:nvPicPr>
+        <p:blipFill>
+          <a:blip r:embed="rId5">
+            <a:extLst>
+              <a:ext uri="{28A0092B-C50C-407E-A947-70E740481C1C}">
+                <a14:useLocalDpi xmlns:a14="http://schemas.microsoft.com/office/drawing/2010/main" val="0"/>
+              </a:ext>
+            </a:extLst>
+          </a:blip>
+          <a:srcRect/>
+          <a:stretch>
+            <a:fillRect/>
+          </a:stretch>
+        </p:blipFill>
+        <p:spPr bwMode="auto">
+          <a:xfrm>
+            <a:off x="-1360107" y="3266381"/>
+            <a:ext cx="6943725" cy="3905846"/>
+          </a:xfrm>
+          <a:prstGeom prst="rect">
+            <a:avLst/>
+          </a:prstGeom>
+          <a:noFill/>
+          <a:extLst>
+            <a:ext uri="{909E8E84-426E-40DD-AFC4-6F175D3DCCD1}">
+              <a14:hiddenFill xmlns:a14="http://schemas.microsoft.com/office/drawing/2010/main">
+                <a:solidFill>
+                  <a:srgbClr val="FFFFFF"/>
+                </a:solidFill>
+              </a14:hiddenFill>
+            </a:ext>
+          </a:extLst>
+        </p:spPr>
+      </p:pic>
+      <p:pic>
+        <p:nvPicPr>
+          <p:cNvPr id="11" name="Picture 2" descr="https://devadventures.net/wp-content/uploads/2018/09/lambda-c-sharp.png"/>
+          <p:cNvPicPr>
+            <a:picLocks noChangeAspect="1" noChangeArrowheads="1"/>
+          </p:cNvPicPr>
+          <p:nvPr/>
+        </p:nvPicPr>
+        <p:blipFill>
+          <a:blip r:embed="rId6">
+            <a:extLst>
+              <a:ext uri="{28A0092B-C50C-407E-A947-70E740481C1C}">
+                <a14:useLocalDpi xmlns:a14="http://schemas.microsoft.com/office/drawing/2010/main" val="0"/>
+              </a:ext>
+            </a:extLst>
+          </a:blip>
+          <a:srcRect/>
+          <a:stretch>
+            <a:fillRect/>
+          </a:stretch>
+        </p:blipFill>
+        <p:spPr bwMode="auto">
+          <a:xfrm>
+            <a:off x="-826851" y="3266381"/>
+            <a:ext cx="6943725" cy="3905846"/>
+          </a:xfrm>
+          <a:prstGeom prst="rect">
+            <a:avLst/>
+          </a:prstGeom>
+          <a:noFill/>
+          <a:extLst>
+            <a:ext uri="{909E8E84-426E-40DD-AFC4-6F175D3DCCD1}">
+              <a14:hiddenFill xmlns:a14="http://schemas.microsoft.com/office/drawing/2010/main">
+                <a:solidFill>
+                  <a:srgbClr val="FFFFFF"/>
+                </a:solidFill>
+              </a14:hiddenFill>
+            </a:ext>
+          </a:extLst>
+        </p:spPr>
+      </p:pic>
+      <p:pic>
+        <p:nvPicPr>
+          <p:cNvPr id="1026" name="Picture 2"/>
+          <p:cNvPicPr>
+            <a:picLocks noChangeAspect="1" noChangeArrowheads="1"/>
+          </p:cNvPicPr>
+          <p:nvPr/>
+        </p:nvPicPr>
+        <p:blipFill>
+          <a:blip r:embed="rId7">
+            <a:extLst>
+              <a:ext uri="{28A0092B-C50C-407E-A947-70E740481C1C}">
+                <a14:useLocalDpi xmlns:a14="http://schemas.microsoft.com/office/drawing/2010/main" val="0"/>
+              </a:ext>
+            </a:extLst>
+          </a:blip>
+          <a:srcRect/>
+          <a:stretch>
+            <a:fillRect/>
+          </a:stretch>
+        </p:blipFill>
+        <p:spPr bwMode="auto">
+          <a:xfrm>
+            <a:off x="5583618" y="4156749"/>
+            <a:ext cx="6102246" cy="1917012"/>
+          </a:xfrm>
+          <a:prstGeom prst="rect">
+            <a:avLst/>
+          </a:prstGeom>
+          <a:noFill/>
+          <a:ln>
+            <a:noFill/>
+          </a:ln>
+          <a:effectLst/>
+          <a:extLst>
+            <a:ext uri="{909E8E84-426E-40DD-AFC4-6F175D3DCCD1}">
+              <a14:hiddenFill xmlns:a14="http://schemas.microsoft.com/office/drawing/2010/main">
+                <a:solidFill>
+                  <a:schemeClr val="accent1"/>
+                </a:solidFill>
+              </a14:hiddenFill>
+            </a:ext>
+            <a:ext uri="{91240B29-F687-4F45-9708-019B960494DF}">
+              <a14:hiddenLine xmlns:a14="http://schemas.microsoft.com/office/drawing/2010/main" w="9525">
+                <a:solidFill>
+                  <a:schemeClr val="tx1"/>
+                </a:solidFill>
+                <a:miter lim="800000"/>
+                <a:headEnd/>
+                <a:tailEnd/>
+              </a14:hiddenLine>
+            </a:ext>
+            <a:ext uri="{AF507438-7753-43E0-B8FC-AC1667EBCBE1}">
+              <a14:hiddenEffects xmlns:a14="http://schemas.microsoft.com/office/drawing/2010/main">
+                <a:effectLst>
+                  <a:outerShdw dist="35921" dir="2700000" algn="ctr" rotWithShape="0">
+                    <a:schemeClr val="bg2"/>
+                  </a:outerShdw>
+                </a:effectLst>
+              </a14:hiddenEffects>
+            </a:ext>
+          </a:extLst>
+        </p:spPr>
+      </p:pic>
+      <p:sp>
+        <p:nvSpPr>
+          <p:cNvPr id="14" name="TextBox 13">
+            <a:extLst>
+              <a:ext uri="{FF2B5EF4-FFF2-40B4-BE49-F238E27FC236}">
+                <a16:creationId xmlns:a16="http://schemas.microsoft.com/office/drawing/2014/main" id="{D351BCBB-C8CB-4BC1-A727-BBCF5EED51C2}"/>
+              </a:ext>
+            </a:extLst>
+          </p:cNvPr>
           <p:cNvSpPr txBox="1"/>
           <p:nvPr/>
         </p:nvSpPr>
         <p:spPr>
           <a:xfrm>
-            <a:off x="5235157" y="3254328"/>
-            <a:ext cx="7670800" cy="646331"/>
+            <a:off x="373434" y="3168313"/>
+            <a:ext cx="10834257" cy="1200329"/>
           </a:xfrm>
           <a:prstGeom prst="rect">
             <a:avLst/>
@@ -7419,119 +7510,135 @@
           <a:noFill/>
         </p:spPr>
         <p:txBody>
-          <a:bodyPr wrap="square" rtlCol="0">
+          <a:bodyPr wrap="square">
             <a:spAutoFit/>
           </a:bodyPr>
-          <a:lstStyle>
-            <a:defPPr>
-              <a:defRPr lang="en-US"/>
-            </a:defPPr>
-            <a:lvl1pPr marL="0" algn="l" defTabSz="914400" rtl="0" eaLnBrk="1" latinLnBrk="0" hangingPunct="1">
-              <a:defRPr sz="1800" kern="1200">
-                <a:solidFill>
-                  <a:schemeClr val="tx1"/>
-                </a:solidFill>
-                <a:latin typeface="+mn-lt"/>
-                <a:ea typeface="+mn-ea"/>
-                <a:cs typeface="+mn-cs"/>
-              </a:defRPr>
-            </a:lvl1pPr>
-            <a:lvl2pPr marL="457200" algn="l" defTabSz="914400" rtl="0" eaLnBrk="1" latinLnBrk="0" hangingPunct="1">
-              <a:defRPr sz="1800" kern="1200">
-                <a:solidFill>
-                  <a:schemeClr val="tx1"/>
-                </a:solidFill>
-                <a:latin typeface="+mn-lt"/>
-                <a:ea typeface="+mn-ea"/>
-                <a:cs typeface="+mn-cs"/>
-              </a:defRPr>
-            </a:lvl2pPr>
-            <a:lvl3pPr marL="914400" algn="l" defTabSz="914400" rtl="0" eaLnBrk="1" latinLnBrk="0" hangingPunct="1">
-              <a:defRPr sz="1800" kern="1200">
-                <a:solidFill>
-                  <a:schemeClr val="tx1"/>
-                </a:solidFill>
-                <a:latin typeface="+mn-lt"/>
-                <a:ea typeface="+mn-ea"/>
-                <a:cs typeface="+mn-cs"/>
-              </a:defRPr>
-            </a:lvl3pPr>
-            <a:lvl4pPr marL="1371600" algn="l" defTabSz="914400" rtl="0" eaLnBrk="1" latinLnBrk="0" hangingPunct="1">
-              <a:defRPr sz="1800" kern="1200">
-                <a:solidFill>
-                  <a:schemeClr val="tx1"/>
-                </a:solidFill>
-                <a:latin typeface="+mn-lt"/>
-                <a:ea typeface="+mn-ea"/>
-                <a:cs typeface="+mn-cs"/>
-              </a:defRPr>
-            </a:lvl4pPr>
-            <a:lvl5pPr marL="1828800" algn="l" defTabSz="914400" rtl="0" eaLnBrk="1" latinLnBrk="0" hangingPunct="1">
-              <a:defRPr sz="1800" kern="1200">
-                <a:solidFill>
-                  <a:schemeClr val="tx1"/>
-                </a:solidFill>
-                <a:latin typeface="+mn-lt"/>
-                <a:ea typeface="+mn-ea"/>
-                <a:cs typeface="+mn-cs"/>
-              </a:defRPr>
-            </a:lvl5pPr>
-            <a:lvl6pPr marL="2286000" algn="l" defTabSz="914400" rtl="0" eaLnBrk="1" latinLnBrk="0" hangingPunct="1">
-              <a:defRPr sz="1800" kern="1200">
-                <a:solidFill>
-                  <a:schemeClr val="tx1"/>
-                </a:solidFill>
-                <a:latin typeface="+mn-lt"/>
-                <a:ea typeface="+mn-ea"/>
-                <a:cs typeface="+mn-cs"/>
-              </a:defRPr>
-            </a:lvl6pPr>
-            <a:lvl7pPr marL="2743200" algn="l" defTabSz="914400" rtl="0" eaLnBrk="1" latinLnBrk="0" hangingPunct="1">
-              <a:defRPr sz="1800" kern="1200">
-                <a:solidFill>
-                  <a:schemeClr val="tx1"/>
-                </a:solidFill>
-                <a:latin typeface="+mn-lt"/>
-                <a:ea typeface="+mn-ea"/>
-                <a:cs typeface="+mn-cs"/>
-              </a:defRPr>
-            </a:lvl7pPr>
-            <a:lvl8pPr marL="3200400" algn="l" defTabSz="914400" rtl="0" eaLnBrk="1" latinLnBrk="0" hangingPunct="1">
-              <a:defRPr sz="1800" kern="1200">
-                <a:solidFill>
-                  <a:schemeClr val="tx1"/>
-                </a:solidFill>
-                <a:latin typeface="+mn-lt"/>
-                <a:ea typeface="+mn-ea"/>
-                <a:cs typeface="+mn-cs"/>
-              </a:defRPr>
-            </a:lvl8pPr>
-            <a:lvl9pPr marL="3657600" algn="l" defTabSz="914400" rtl="0" eaLnBrk="1" latinLnBrk="0" hangingPunct="1">
-              <a:defRPr sz="1800" kern="1200">
-                <a:solidFill>
-                  <a:schemeClr val="tx1"/>
-                </a:solidFill>
-                <a:latin typeface="+mn-lt"/>
-                <a:ea typeface="+mn-ea"/>
-                <a:cs typeface="+mn-cs"/>
-              </a:defRPr>
-            </a:lvl9pPr>
-          </a:lstStyle>
-          <a:p>
-            <a:r>
-              <a:rPr lang="en-US" dirty="0"/>
-              <a:t>Polyglot Persistence using PostgreSQL Database</a:t>
-            </a:r>
-          </a:p>
-          <a:p>
-            <a:endParaRPr lang="en-US" dirty="0"/>
+          <a:lstStyle/>
+          <a:p>
+            <a:r>
+              <a:rPr lang="ru-RU" sz="2400" dirty="0"/>
+              <a:t>Кода </a:t>
+            </a:r>
+            <a:r>
+              <a:rPr lang="ru-RU" sz="2400" dirty="0" err="1"/>
+              <a:t>трябва</a:t>
+            </a:r>
+            <a:r>
+              <a:rPr lang="ru-RU" sz="2400" dirty="0"/>
+              <a:t> да е в </a:t>
+            </a:r>
+            <a:r>
+              <a:rPr lang="ru-RU" sz="2400" dirty="0" err="1"/>
+              <a:t>синхрон</a:t>
+            </a:r>
+            <a:r>
+              <a:rPr lang="ru-RU" sz="2400" dirty="0"/>
+              <a:t> с </a:t>
+            </a:r>
+            <a:r>
+              <a:rPr lang="ru-RU" sz="2400" dirty="0" err="1"/>
+              <a:t>терминологията</a:t>
+            </a:r>
+            <a:r>
+              <a:rPr lang="ru-RU" sz="2400" dirty="0"/>
+              <a:t>, или </a:t>
+            </a:r>
+            <a:r>
+              <a:rPr lang="ru-RU" sz="2400" dirty="0" err="1"/>
+              <a:t>по-конкретно</a:t>
+            </a:r>
+            <a:r>
+              <a:rPr lang="ru-RU" sz="2400" dirty="0"/>
+              <a:t>, </a:t>
+            </a:r>
+            <a:r>
+              <a:rPr lang="ru-RU" sz="2400" dirty="0" err="1"/>
+              <a:t>класовете</a:t>
+            </a:r>
+            <a:r>
+              <a:rPr lang="ru-RU" sz="2400" dirty="0"/>
+              <a:t> и </a:t>
+            </a:r>
+            <a:r>
+              <a:rPr lang="ru-RU" sz="2400" dirty="0" err="1"/>
+              <a:t>таблиците</a:t>
+            </a:r>
+            <a:r>
+              <a:rPr lang="ru-RU" sz="2400" dirty="0"/>
+              <a:t> в </a:t>
+            </a:r>
+            <a:r>
+              <a:rPr lang="ru-RU" sz="2400" dirty="0" err="1"/>
+              <a:t>базата</a:t>
+            </a:r>
+            <a:r>
+              <a:rPr lang="ru-RU" sz="2400" dirty="0"/>
+              <a:t> </a:t>
+            </a:r>
+            <a:r>
+              <a:rPr lang="ru-RU" sz="2400" dirty="0" err="1"/>
+              <a:t>данни</a:t>
+            </a:r>
+            <a:r>
+              <a:rPr lang="ru-RU" sz="2400" dirty="0"/>
+              <a:t> </a:t>
+            </a:r>
+            <a:r>
+              <a:rPr lang="ru-RU" sz="2400" dirty="0" err="1"/>
+              <a:t>трябва</a:t>
+            </a:r>
+            <a:r>
+              <a:rPr lang="ru-RU" sz="2400" dirty="0"/>
+              <a:t> да </a:t>
+            </a:r>
+            <a:r>
+              <a:rPr lang="ru-RU" sz="2400" dirty="0" err="1"/>
+              <a:t>бъдат</a:t>
+            </a:r>
+            <a:r>
+              <a:rPr lang="ru-RU" sz="2400" dirty="0"/>
+              <a:t> </a:t>
+            </a:r>
+            <a:r>
+              <a:rPr lang="ru-RU" sz="2400" dirty="0" err="1"/>
+              <a:t>наименувани</a:t>
+            </a:r>
+            <a:r>
+              <a:rPr lang="ru-RU" sz="2400" dirty="0"/>
+              <a:t> </a:t>
+            </a:r>
+            <a:r>
+              <a:rPr lang="ru-RU" sz="2400" dirty="0" err="1"/>
+              <a:t>според</a:t>
+            </a:r>
+            <a:r>
+              <a:rPr lang="ru-RU" sz="2400" dirty="0"/>
+              <a:t> </a:t>
+            </a:r>
+            <a:r>
+              <a:rPr lang="ru-RU" sz="2400" dirty="0" err="1"/>
+              <a:t>термините</a:t>
+            </a:r>
+            <a:r>
+              <a:rPr lang="ru-RU" sz="2400" dirty="0"/>
+              <a:t> от бизнес </a:t>
+            </a:r>
+            <a:r>
+              <a:rPr lang="ru-RU" sz="2400" dirty="0" err="1"/>
+              <a:t>лицата</a:t>
+            </a:r>
+            <a:r>
+              <a:rPr lang="ru-RU" sz="2400" dirty="0"/>
+              <a:t>.</a:t>
+            </a:r>
+            <a:endParaRPr lang="en-US" sz="2400" dirty="0"/>
           </a:p>
         </p:txBody>
       </p:sp>
     </p:spTree>
     <p:extLst>
       <p:ext uri="{BB962C8B-B14F-4D97-AF65-F5344CB8AC3E}">
-        <p14:creationId xmlns:p14="http://schemas.microsoft.com/office/powerpoint/2010/main" val="3955637945"/>
+        <p14:creationId xmlns:p14="http://schemas.microsoft.com/office/powerpoint/2010/main" val="3869987339"/>
       </p:ext>
     </p:extLst>
   </p:cSld>
@@ -7592,8 +7699,214 @@
         </p:blipFill>
         <p:spPr>
           <a:xfrm>
-            <a:off x="0" y="0"/>
+            <a:off x="-54429" y="0"/>
             <a:ext cx="12192000" cy="6858000"/>
+          </a:xfrm>
+          <a:prstGeom prst="rect">
+            <a:avLst/>
+          </a:prstGeom>
+        </p:spPr>
+      </p:pic>
+      <p:sp>
+        <p:nvSpPr>
+          <p:cNvPr id="4" name="Content Placeholder 2"/>
+          <p:cNvSpPr>
+            <a:spLocks noGrp="1"/>
+          </p:cNvSpPr>
+          <p:nvPr>
+            <p:ph idx="1"/>
+          </p:nvPr>
+        </p:nvSpPr>
+        <p:spPr>
+          <a:xfrm>
+            <a:off x="805544" y="376363"/>
+            <a:ext cx="10042071" cy="772051"/>
+          </a:xfrm>
+        </p:spPr>
+        <p:txBody>
+          <a:bodyPr>
+            <a:noAutofit/>
+          </a:bodyPr>
+          <a:lstStyle/>
+          <a:p>
+            <a:pPr marL="0" indent="0" algn="just">
+              <a:buNone/>
+            </a:pPr>
+            <a:r>
+              <a:rPr lang="en-US" sz="4000" b="1" dirty="0">
+                <a:ln w="12700">
+                  <a:solidFill>
+                    <a:schemeClr val="tx2">
+                      <a:lumMod val="75000"/>
+                    </a:schemeClr>
+                  </a:solidFill>
+                  <a:prstDash val="solid"/>
+                </a:ln>
+                <a:pattFill prst="dkUpDiag">
+                  <a:fgClr>
+                    <a:schemeClr val="tx2"/>
+                  </a:fgClr>
+                  <a:bgClr>
+                    <a:schemeClr val="tx2">
+                      <a:lumMod val="20000"/>
+                      <a:lumOff val="80000"/>
+                    </a:schemeClr>
+                  </a:bgClr>
+                </a:pattFill>
+                <a:effectLst>
+                  <a:outerShdw dist="38100" dir="2640000" algn="bl" rotWithShape="0">
+                    <a:schemeClr val="tx2">
+                      <a:lumMod val="75000"/>
+                    </a:schemeClr>
+                  </a:outerShdw>
+                </a:effectLst>
+              </a:rPr>
+              <a:t>Hypermedia as the Engine of Application State</a:t>
+            </a:r>
+            <a:endParaRPr lang="en-US" sz="4000" dirty="0"/>
+          </a:p>
+        </p:txBody>
+      </p:sp>
+      <p:sp>
+        <p:nvSpPr>
+          <p:cNvPr id="2" name="Rectangle 1"/>
+          <p:cNvSpPr/>
+          <p:nvPr/>
+        </p:nvSpPr>
+        <p:spPr>
+          <a:xfrm>
+            <a:off x="869544" y="1148414"/>
+            <a:ext cx="9140729" cy="646331"/>
+          </a:xfrm>
+          <a:prstGeom prst="rect">
+            <a:avLst/>
+          </a:prstGeom>
+        </p:spPr>
+        <p:txBody>
+          <a:bodyPr wrap="square">
+            <a:spAutoFit/>
+          </a:bodyPr>
+          <a:lstStyle/>
+          <a:p>
+            <a:pPr algn="just"/>
+            <a:r>
+              <a:rPr lang="ru-RU" dirty="0" err="1"/>
+              <a:t>Осигурява</a:t>
+            </a:r>
+            <a:r>
+              <a:rPr lang="ru-RU" dirty="0"/>
+              <a:t> </a:t>
+            </a:r>
+            <a:r>
+              <a:rPr lang="ru-RU" dirty="0" err="1"/>
+              <a:t>връзки</a:t>
+            </a:r>
+            <a:r>
+              <a:rPr lang="ru-RU" dirty="0"/>
+              <a:t> в </a:t>
+            </a:r>
+            <a:r>
+              <a:rPr lang="ru-RU" dirty="0" err="1"/>
+              <a:t>съдържанието</a:t>
+            </a:r>
+            <a:r>
+              <a:rPr lang="ru-RU" dirty="0"/>
+              <a:t> на отговора, </a:t>
+            </a:r>
+            <a:r>
+              <a:rPr lang="ru-RU" dirty="0" err="1"/>
+              <a:t>така</a:t>
+            </a:r>
+            <a:r>
+              <a:rPr lang="ru-RU" dirty="0"/>
+              <a:t> че </a:t>
+            </a:r>
+            <a:r>
+              <a:rPr lang="ru-RU" dirty="0" err="1"/>
+              <a:t>клиентът</a:t>
+            </a:r>
+            <a:r>
+              <a:rPr lang="ru-RU" dirty="0"/>
+              <a:t> да </a:t>
+            </a:r>
+            <a:r>
+              <a:rPr lang="ru-RU" dirty="0" err="1"/>
+              <a:t>може</a:t>
+            </a:r>
+            <a:r>
+              <a:rPr lang="ru-RU" dirty="0"/>
+              <a:t> динамично да </a:t>
+            </a:r>
+            <a:r>
+              <a:rPr lang="ru-RU" dirty="0" err="1"/>
+              <a:t>навигира</a:t>
+            </a:r>
+            <a:r>
+              <a:rPr lang="ru-RU" dirty="0"/>
+              <a:t> до </a:t>
+            </a:r>
+            <a:r>
+              <a:rPr lang="ru-RU" dirty="0" err="1"/>
+              <a:t>подходящия</a:t>
+            </a:r>
+            <a:r>
+              <a:rPr lang="ru-RU" dirty="0"/>
+              <a:t> ресурс чрез </a:t>
+            </a:r>
+            <a:r>
+              <a:rPr lang="ru-RU" dirty="0" err="1"/>
+              <a:t>преминаване</a:t>
+            </a:r>
+            <a:r>
+              <a:rPr lang="ru-RU" dirty="0"/>
+              <a:t> </a:t>
+            </a:r>
+            <a:r>
+              <a:rPr lang="ru-RU" dirty="0" err="1"/>
+              <a:t>през</a:t>
+            </a:r>
+            <a:r>
+              <a:rPr lang="ru-RU" dirty="0"/>
+              <a:t> </a:t>
+            </a:r>
+            <a:r>
+              <a:rPr lang="ru-RU" dirty="0" err="1"/>
+              <a:t>хипермедийните</a:t>
+            </a:r>
+            <a:r>
+              <a:rPr lang="ru-RU" dirty="0"/>
+              <a:t> </a:t>
+            </a:r>
+            <a:r>
+              <a:rPr lang="ru-RU" dirty="0" err="1"/>
+              <a:t>връзки</a:t>
+            </a:r>
+            <a:r>
+              <a:rPr lang="ru-RU" dirty="0"/>
+              <a:t>.</a:t>
+            </a:r>
+            <a:endParaRPr lang="en-US" dirty="0"/>
+          </a:p>
+        </p:txBody>
+      </p:sp>
+      <p:pic>
+        <p:nvPicPr>
+          <p:cNvPr id="3" name="Picture 2"/>
+          <p:cNvPicPr>
+            <a:picLocks noChangeAspect="1"/>
+          </p:cNvPicPr>
+          <p:nvPr/>
+        </p:nvPicPr>
+        <p:blipFill>
+          <a:blip r:embed="rId3"/>
+          <a:stretch>
+            <a:fillRect/>
+          </a:stretch>
+        </p:blipFill>
+        <p:spPr>
+          <a:xfrm>
+            <a:off x="482851" y="2154354"/>
+            <a:ext cx="8124825" cy="1752600"/>
           </a:xfrm>
           <a:prstGeom prst="rect">
             <a:avLst/>
@@ -7602,72 +7915,32 @@
       </p:pic>
       <p:pic>
         <p:nvPicPr>
-          <p:cNvPr id="6" name="Picture 2"/>
+          <p:cNvPr id="6" name="Picture 5"/>
           <p:cNvPicPr>
-            <a:picLocks noChangeAspect="1" noChangeArrowheads="1"/>
+            <a:picLocks noChangeAspect="1"/>
           </p:cNvPicPr>
           <p:nvPr/>
         </p:nvPicPr>
         <p:blipFill>
-          <a:blip r:embed="rId3">
-            <a:extLst>
-              <a:ext uri="{28A0092B-C50C-407E-A947-70E740481C1C}">
-                <a14:useLocalDpi xmlns:a14="http://schemas.microsoft.com/office/drawing/2010/main" val="0"/>
-              </a:ext>
-            </a:extLst>
-          </a:blip>
-          <a:srcRect/>
+          <a:blip r:embed="rId4"/>
           <a:stretch>
             <a:fillRect/>
           </a:stretch>
         </p:blipFill>
-        <p:spPr bwMode="auto">
+        <p:spPr>
           <a:xfrm>
-            <a:off x="1713626" y="463639"/>
-            <a:ext cx="8764747" cy="4992577"/>
+            <a:off x="6587038" y="2154354"/>
+            <a:ext cx="4600575" cy="4448175"/>
           </a:xfrm>
           <a:prstGeom prst="rect">
             <a:avLst/>
           </a:prstGeom>
-          <a:noFill/>
-          <a:ln>
-            <a:noFill/>
-          </a:ln>
-          <a:effectLst/>
-          <a:extLst>
-            <a:ext uri="{909E8E84-426E-40DD-AFC4-6F175D3DCCD1}">
-              <a14:hiddenFill xmlns:a14="http://schemas.microsoft.com/office/drawing/2010/main">
-                <a:solidFill>
-                  <a:schemeClr val="accent1"/>
-                </a:solidFill>
-              </a14:hiddenFill>
-            </a:ext>
-            <a:ext uri="{91240B29-F687-4F45-9708-019B960494DF}">
-              <a14:hiddenLine xmlns:a14="http://schemas.microsoft.com/office/drawing/2010/main" w="9525">
-                <a:solidFill>
-                  <a:schemeClr val="tx1"/>
-                </a:solidFill>
-                <a:miter lim="800000"/>
-                <a:headEnd/>
-                <a:tailEnd/>
-              </a14:hiddenLine>
-            </a:ext>
-            <a:ext uri="{AF507438-7753-43E0-B8FC-AC1667EBCBE1}">
-              <a14:hiddenEffects xmlns:a14="http://schemas.microsoft.com/office/drawing/2010/main">
-                <a:effectLst>
-                  <a:outerShdw dist="35921" dir="2700000" algn="ctr" rotWithShape="0">
-                    <a:schemeClr val="bg2"/>
-                  </a:outerShdw>
-                </a:effectLst>
-              </a14:hiddenEffects>
-            </a:ext>
-          </a:extLst>
         </p:spPr>
       </p:pic>
     </p:spTree>
     <p:extLst>
       <p:ext uri="{BB962C8B-B14F-4D97-AF65-F5344CB8AC3E}">
-        <p14:creationId xmlns:p14="http://schemas.microsoft.com/office/powerpoint/2010/main" val="1371196094"/>
+        <p14:creationId xmlns:p14="http://schemas.microsoft.com/office/powerpoint/2010/main" val="1744031093"/>
       </p:ext>
     </p:extLst>
   </p:cSld>

--- a/article/present/uevarna.pptx
+++ b/article/present/uevarna.pptx
@@ -263,7 +263,7 @@
           <a:p>
             <a:fld id="{41635E24-1D81-43C6-A33F-0FC55214D91A}" type="datetimeFigureOut">
               <a:rPr lang="en-US" smtClean="0"/>
-              <a:t>4/16/2023</a:t>
+              <a:t>4/19/2023</a:t>
             </a:fld>
             <a:endParaRPr lang="en-US"/>
           </a:p>
@@ -431,7 +431,7 @@
           <a:p>
             <a:fld id="{41635E24-1D81-43C6-A33F-0FC55214D91A}" type="datetimeFigureOut">
               <a:rPr lang="en-US" smtClean="0"/>
-              <a:t>4/16/2023</a:t>
+              <a:t>4/19/2023</a:t>
             </a:fld>
             <a:endParaRPr lang="en-US"/>
           </a:p>
@@ -609,7 +609,7 @@
           <a:p>
             <a:fld id="{41635E24-1D81-43C6-A33F-0FC55214D91A}" type="datetimeFigureOut">
               <a:rPr lang="en-US" smtClean="0"/>
-              <a:t>4/16/2023</a:t>
+              <a:t>4/19/2023</a:t>
             </a:fld>
             <a:endParaRPr lang="en-US"/>
           </a:p>
@@ -777,7 +777,7 @@
           <a:p>
             <a:fld id="{41635E24-1D81-43C6-A33F-0FC55214D91A}" type="datetimeFigureOut">
               <a:rPr lang="en-US" smtClean="0"/>
-              <a:t>4/16/2023</a:t>
+              <a:t>4/19/2023</a:t>
             </a:fld>
             <a:endParaRPr lang="en-US"/>
           </a:p>
@@ -1022,7 +1022,7 @@
           <a:p>
             <a:fld id="{41635E24-1D81-43C6-A33F-0FC55214D91A}" type="datetimeFigureOut">
               <a:rPr lang="en-US" smtClean="0"/>
-              <a:t>4/16/2023</a:t>
+              <a:t>4/19/2023</a:t>
             </a:fld>
             <a:endParaRPr lang="en-US"/>
           </a:p>
@@ -1251,7 +1251,7 @@
           <a:p>
             <a:fld id="{41635E24-1D81-43C6-A33F-0FC55214D91A}" type="datetimeFigureOut">
               <a:rPr lang="en-US" smtClean="0"/>
-              <a:t>4/16/2023</a:t>
+              <a:t>4/19/2023</a:t>
             </a:fld>
             <a:endParaRPr lang="en-US"/>
           </a:p>
@@ -1615,7 +1615,7 @@
           <a:p>
             <a:fld id="{41635E24-1D81-43C6-A33F-0FC55214D91A}" type="datetimeFigureOut">
               <a:rPr lang="en-US" smtClean="0"/>
-              <a:t>4/16/2023</a:t>
+              <a:t>4/19/2023</a:t>
             </a:fld>
             <a:endParaRPr lang="en-US"/>
           </a:p>
@@ -1732,7 +1732,7 @@
           <a:p>
             <a:fld id="{41635E24-1D81-43C6-A33F-0FC55214D91A}" type="datetimeFigureOut">
               <a:rPr lang="en-US" smtClean="0"/>
-              <a:t>4/16/2023</a:t>
+              <a:t>4/19/2023</a:t>
             </a:fld>
             <a:endParaRPr lang="en-US"/>
           </a:p>
@@ -1827,7 +1827,7 @@
           <a:p>
             <a:fld id="{41635E24-1D81-43C6-A33F-0FC55214D91A}" type="datetimeFigureOut">
               <a:rPr lang="en-US" smtClean="0"/>
-              <a:t>4/16/2023</a:t>
+              <a:t>4/19/2023</a:t>
             </a:fld>
             <a:endParaRPr lang="en-US"/>
           </a:p>
@@ -2102,7 +2102,7 @@
           <a:p>
             <a:fld id="{41635E24-1D81-43C6-A33F-0FC55214D91A}" type="datetimeFigureOut">
               <a:rPr lang="en-US" smtClean="0"/>
-              <a:t>4/16/2023</a:t>
+              <a:t>4/19/2023</a:t>
             </a:fld>
             <a:endParaRPr lang="en-US"/>
           </a:p>
@@ -2354,7 +2354,7 @@
           <a:p>
             <a:fld id="{41635E24-1D81-43C6-A33F-0FC55214D91A}" type="datetimeFigureOut">
               <a:rPr lang="en-US" smtClean="0"/>
-              <a:t>4/16/2023</a:t>
+              <a:t>4/19/2023</a:t>
             </a:fld>
             <a:endParaRPr lang="en-US"/>
           </a:p>
@@ -2565,7 +2565,7 @@
           <a:p>
             <a:fld id="{41635E24-1D81-43C6-A33F-0FC55214D91A}" type="datetimeFigureOut">
               <a:rPr lang="en-US" smtClean="0"/>
-              <a:t>4/16/2023</a:t>
+              <a:t>4/19/2023</a:t>
             </a:fld>
             <a:endParaRPr lang="en-US"/>
           </a:p>
@@ -3540,7 +3540,7 @@
                   </a:outerShdw>
                 </a:effectLst>
               </a:rPr>
-              <a:t>Интеграционно тестване</a:t>
+              <a:t>Интеграционни тестване</a:t>
             </a:r>
             <a:endParaRPr lang="en-US" sz="4000" dirty="0"/>
           </a:p>
@@ -3923,7 +3923,7 @@
         </p:nvSpPr>
         <p:spPr>
           <a:xfrm>
-            <a:off x="1390918" y="2830274"/>
+            <a:off x="3068716" y="2880608"/>
             <a:ext cx="7237927" cy="3416320"/>
           </a:xfrm>
           <a:prstGeom prst="rect">
@@ -4003,47 +4003,6 @@
           </a:p>
         </p:txBody>
       </p:sp>
-      <p:pic>
-        <p:nvPicPr>
-          <p:cNvPr id="4099" name="Picture 3" descr="D:\Code\mystar\frontend\mvc.client\YngStrs.Mvc.Client\wwwroot\images\test\boy.png"/>
-          <p:cNvPicPr>
-            <a:picLocks noChangeAspect="1" noChangeArrowheads="1"/>
-          </p:cNvPicPr>
-          <p:nvPr/>
-        </p:nvPicPr>
-        <p:blipFill>
-          <a:blip r:embed="rId3">
-            <a:extLst>
-              <a:ext uri="{28A0092B-C50C-407E-A947-70E740481C1C}">
-                <a14:useLocalDpi xmlns:a14="http://schemas.microsoft.com/office/drawing/2010/main" val="0"/>
-              </a:ext>
-            </a:extLst>
-          </a:blip>
-          <a:srcRect/>
-          <a:stretch>
-            <a:fillRect/>
-          </a:stretch>
-        </p:blipFill>
-        <p:spPr bwMode="auto">
-          <a:xfrm>
-            <a:off x="7911911" y="2623909"/>
-            <a:ext cx="1914525" cy="3829050"/>
-          </a:xfrm>
-          <a:prstGeom prst="rect">
-            <a:avLst/>
-          </a:prstGeom>
-          <a:noFill/>
-          <a:extLst>
-            <a:ext uri="{909E8E84-426E-40DD-AFC4-6F175D3DCCD1}">
-              <a14:hiddenFill xmlns:a14="http://schemas.microsoft.com/office/drawing/2010/main">
-                <a:solidFill>
-                  <a:srgbClr val="FFFFFF"/>
-                </a:solidFill>
-              </a14:hiddenFill>
-            </a:ext>
-          </a:extLst>
-        </p:spPr>
-      </p:pic>
     </p:spTree>
     <p:extLst>
       <p:ext uri="{BB962C8B-B14F-4D97-AF65-F5344CB8AC3E}">
@@ -6187,13 +6146,13 @@
   <p:clrMapOvr>
     <a:masterClrMapping/>
   </p:clrMapOvr>
-  <mc:AlternateContent xmlns:mc="http://schemas.openxmlformats.org/markup-compatibility/2006">
-    <mc:Choice xmlns:p14="http://schemas.microsoft.com/office/powerpoint/2010/main" Requires="p14">
+  <mc:AlternateContent xmlns:mc="http://schemas.openxmlformats.org/markup-compatibility/2006" xmlns:p14="http://schemas.microsoft.com/office/powerpoint/2010/main">
+    <mc:Choice Requires="p14">
       <p:transition spd="slow" p14:dur="800">
         <p:circle/>
       </p:transition>
     </mc:Choice>
-    <mc:Fallback>
+    <mc:Fallback xmlns="">
       <p:transition spd="slow">
         <p:circle/>
       </p:transition>
